--- a/presentations/FakeNews_Final.pptx
+++ b/presentations/FakeNews_Final.pptx
@@ -5,7 +5,7 @@
     <p:sldMasterId id="2147483684" r:id="rId1"/>
   </p:sldMasterIdLst>
   <p:notesMasterIdLst>
-    <p:notesMasterId r:id="rId11"/>
+    <p:notesMasterId r:id="rId15"/>
   </p:notesMasterIdLst>
   <p:sldIdLst>
     <p:sldId id="267" r:id="rId2"/>
@@ -14,9 +14,13 @@
     <p:sldId id="261" r:id="rId5"/>
     <p:sldId id="266" r:id="rId6"/>
     <p:sldId id="264" r:id="rId7"/>
-    <p:sldId id="268" r:id="rId8"/>
-    <p:sldId id="263" r:id="rId9"/>
-    <p:sldId id="269" r:id="rId10"/>
+    <p:sldId id="270" r:id="rId8"/>
+    <p:sldId id="271" r:id="rId9"/>
+    <p:sldId id="272" r:id="rId10"/>
+    <p:sldId id="273" r:id="rId11"/>
+    <p:sldId id="268" r:id="rId12"/>
+    <p:sldId id="263" r:id="rId13"/>
+    <p:sldId id="269" r:id="rId14"/>
   </p:sldIdLst>
   <p:sldSz cx="12192000" cy="6858000"/>
   <p:notesSz cx="6858000" cy="9144000"/>
@@ -2848,8 +2852,8 @@
     <dgm:cxn modelId="{387B4FDC-D5EC-9E45-8F5E-F556FBFB902C}" type="presOf" srcId="{C19F11B3-C854-44C8-A59C-A1EF451F2948}" destId="{42ED8535-C8FE-FE42-A623-E4F45D46A6D3}" srcOrd="0" destOrd="0" presId="urn:microsoft.com/office/officeart/2005/8/layout/cycle5"/>
     <dgm:cxn modelId="{84AF1FE5-CFD9-5143-B62A-DEDFA9CBB1F8}" type="presOf" srcId="{CBAED0A8-8DDB-4FDE-8589-3F912D6A2477}" destId="{E9084C0B-7BFD-6749-842E-577D48DE41CB}" srcOrd="0" destOrd="0" presId="urn:microsoft.com/office/officeart/2005/8/layout/cycle5"/>
     <dgm:cxn modelId="{1083632F-1087-4B90-BCF1-A432A32A1ABE}" srcId="{5E5FC9A1-05B3-4CBB-AAEC-F359D4918CE0}" destId="{64FCFBF7-9AD8-4798-8455-502F023AD2E3}" srcOrd="2" destOrd="0" parTransId="{859C5D4B-E2F2-43A8-BEB7-9F06F33BAE1C}" sibTransId="{66DFF4A4-FE75-48DA-A534-8FCAA8407D7F}"/>
+    <dgm:cxn modelId="{52B16BEB-BDA8-403B-A4FD-7A38FF9DC72F}" srcId="{5E5FC9A1-05B3-4CBB-AAEC-F359D4918CE0}" destId="{D14A060B-9623-4DD7-A0B9-293E9249D056}" srcOrd="1" destOrd="0" parTransId="{13C3C016-7016-4808-B925-3DDD8055EA39}" sibTransId="{CBAED0A8-8DDB-4FDE-8589-3F912D6A2477}"/>
     <dgm:cxn modelId="{F8734188-6BDB-954D-9A99-353992B7AFCC}" type="presOf" srcId="{66DFF4A4-FE75-48DA-A534-8FCAA8407D7F}" destId="{797909E6-7BA6-D24E-A6BA-17AC177DA946}" srcOrd="0" destOrd="0" presId="urn:microsoft.com/office/officeart/2005/8/layout/cycle5"/>
-    <dgm:cxn modelId="{52B16BEB-BDA8-403B-A4FD-7A38FF9DC72F}" srcId="{5E5FC9A1-05B3-4CBB-AAEC-F359D4918CE0}" destId="{D14A060B-9623-4DD7-A0B9-293E9249D056}" srcOrd="1" destOrd="0" parTransId="{13C3C016-7016-4808-B925-3DDD8055EA39}" sibTransId="{CBAED0A8-8DDB-4FDE-8589-3F912D6A2477}"/>
     <dgm:cxn modelId="{516B9C8B-DFBD-A54A-877A-0D827257F29A}" type="presOf" srcId="{64FCFBF7-9AD8-4798-8455-502F023AD2E3}" destId="{97DA00DC-1283-254A-A19A-F3FCAEAC7299}" srcOrd="0" destOrd="0" presId="urn:microsoft.com/office/officeart/2005/8/layout/cycle5"/>
     <dgm:cxn modelId="{B86513F4-B470-4FDD-8258-2D5F1340F533}" srcId="{5E5FC9A1-05B3-4CBB-AAEC-F359D4918CE0}" destId="{0E855F10-898A-407F-BBB6-1C520FC2AAE9}" srcOrd="0" destOrd="0" parTransId="{BDBD4023-4572-4B9D-8A33-693CFC0D9725}" sibTransId="{C19F11B3-C854-44C8-A59C-A1EF451F2948}"/>
     <dgm:cxn modelId="{E6A432CC-75D6-F749-A4CF-9D62AFAD5E1D}" type="presParOf" srcId="{06BE4EE5-2FDF-174B-8D1B-0E65C4F18D7D}" destId="{417D50DA-53D7-B24A-ACE8-54D2755EF7EF}" srcOrd="0" destOrd="0" presId="urn:microsoft.com/office/officeart/2005/8/layout/cycle5"/>
@@ -3370,8 +3374,8 @@
     <dgm:cxn modelId="{F8D80906-A16D-094A-BB92-D241AAF2BF7B}" type="presOf" srcId="{C0C4AB79-55D0-4748-A837-8DCB3F511BCD}" destId="{1456FA7B-4421-1744-A2D4-1A5CFB92443D}" srcOrd="0" destOrd="2" presId="urn:microsoft.com/office/officeart/2005/8/layout/hChevron3"/>
     <dgm:cxn modelId="{0F046476-7DA5-DC44-8870-615994CD5036}" type="presOf" srcId="{CB7AE3A4-F843-4E6B-A39D-5BF54546D630}" destId="{1456FA7B-4421-1744-A2D4-1A5CFB92443D}" srcOrd="0" destOrd="0" presId="urn:microsoft.com/office/officeart/2005/8/layout/hChevron3"/>
     <dgm:cxn modelId="{42E588AC-35E6-47BC-BD14-4C344A30F470}" srcId="{5C9A1FAC-AC56-4EE6-A971-A1E188304E11}" destId="{0081E9BA-FDD8-4E66-9B33-79A7AA5C9E63}" srcOrd="1" destOrd="0" parTransId="{ECC97FF0-C9BE-44D8-A48A-7F250193C9F5}" sibTransId="{769B904B-B10D-4A93-BE1F-A5BBF2822923}"/>
+    <dgm:cxn modelId="{F725135C-FD03-0143-903F-40BD3A49E362}" type="presOf" srcId="{43A3B443-B2D1-452E-AB8E-60FCBD083143}" destId="{547D18C2-F374-9748-A1C5-1AA96CCF1B38}" srcOrd="0" destOrd="1" presId="urn:microsoft.com/office/officeart/2005/8/layout/hChevron3"/>
     <dgm:cxn modelId="{569AAF6E-6E58-6D48-AA51-845D83C9A116}" type="presOf" srcId="{59C40EFF-E339-4D86-A175-40692275845E}" destId="{1456FA7B-4421-1744-A2D4-1A5CFB92443D}" srcOrd="0" destOrd="3" presId="urn:microsoft.com/office/officeart/2005/8/layout/hChevron3"/>
-    <dgm:cxn modelId="{F725135C-FD03-0143-903F-40BD3A49E362}" type="presOf" srcId="{43A3B443-B2D1-452E-AB8E-60FCBD083143}" destId="{547D18C2-F374-9748-A1C5-1AA96CCF1B38}" srcOrd="0" destOrd="1" presId="urn:microsoft.com/office/officeart/2005/8/layout/hChevron3"/>
     <dgm:cxn modelId="{5BC1F5B3-A5E3-054C-859B-758CF7F4F8E1}" type="presOf" srcId="{5C9A1FAC-AC56-4EE6-A971-A1E188304E11}" destId="{0AE7F60A-16EC-BA4D-95CE-29335343A9FD}" srcOrd="0" destOrd="0" presId="urn:microsoft.com/office/officeart/2005/8/layout/hChevron3"/>
     <dgm:cxn modelId="{AA478E93-5579-6645-83BB-79590C326B84}" type="presOf" srcId="{0081E9BA-FDD8-4E66-9B33-79A7AA5C9E63}" destId="{0AE7F60A-16EC-BA4D-95CE-29335343A9FD}" srcOrd="0" destOrd="2" presId="urn:microsoft.com/office/officeart/2005/8/layout/hChevron3"/>
     <dgm:cxn modelId="{E91BC478-E1EE-FF42-B522-9E8F287D45AD}" type="presOf" srcId="{74B238E8-CB71-497E-8415-6D61B9E5CCEC}" destId="{0AE7F60A-16EC-BA4D-95CE-29335343A9FD}" srcOrd="0" destOrd="1" presId="urn:microsoft.com/office/officeart/2005/8/layout/hChevron3"/>
@@ -3901,8 +3905,8 @@
     <dgm:cxn modelId="{4A2A0F31-63E7-4BFD-9C38-49C65501ED2D}" srcId="{C8AD1EE5-C11D-4FC7-AAEA-A953F38196E5}" destId="{478DE50D-FF8B-425C-92CF-D8732542AC06}" srcOrd="3" destOrd="0" parTransId="{101D1BE1-2D0F-4D77-B66D-8E2267A4520F}" sibTransId="{4683CA80-D1B3-4173-B718-7DC822EF00DA}"/>
     <dgm:cxn modelId="{02733F1F-E9A7-6140-A4AE-7F3033440799}" type="presOf" srcId="{BDC49A55-58E0-46A0-BD7F-BE3D82168B86}" destId="{FB2D7F55-9E12-F849-AFBF-B606A55FABCA}" srcOrd="1" destOrd="0" presId="urn:microsoft.com/office/officeart/2016/7/layout/LinearBlockProcessNumbered"/>
     <dgm:cxn modelId="{F3F88643-E63D-4A43-9F84-1E7241EE55BF}" type="presOf" srcId="{478DE50D-FF8B-425C-92CF-D8732542AC06}" destId="{DB34842A-9F97-B548-83B9-3F114A8ACA08}" srcOrd="0" destOrd="0" presId="urn:microsoft.com/office/officeart/2016/7/layout/LinearBlockProcessNumbered"/>
+    <dgm:cxn modelId="{37E2C2E3-56F0-014B-BD66-43E8ABD67CF5}" type="presOf" srcId="{C8AD1EE5-C11D-4FC7-AAEA-A953F38196E5}" destId="{9016E202-E81A-CD41-907D-C56A6B19D5DC}" srcOrd="0" destOrd="0" presId="urn:microsoft.com/office/officeart/2016/7/layout/LinearBlockProcessNumbered"/>
     <dgm:cxn modelId="{23BB42C0-CAC2-F046-9B39-E739317EBBB8}" type="presOf" srcId="{77AAA2AD-908C-49A0-B53A-264BE57A570C}" destId="{4D0308FE-5E5D-9442-9568-7603FDB9010C}" srcOrd="1" destOrd="0" presId="urn:microsoft.com/office/officeart/2016/7/layout/LinearBlockProcessNumbered"/>
-    <dgm:cxn modelId="{37E2C2E3-56F0-014B-BD66-43E8ABD67CF5}" type="presOf" srcId="{C8AD1EE5-C11D-4FC7-AAEA-A953F38196E5}" destId="{9016E202-E81A-CD41-907D-C56A6B19D5DC}" srcOrd="0" destOrd="0" presId="urn:microsoft.com/office/officeart/2016/7/layout/LinearBlockProcessNumbered"/>
     <dgm:cxn modelId="{755C0723-4150-074C-B803-AFBE8679B3D8}" type="presOf" srcId="{FD714428-E82D-42E4-A901-3D96C42A01EA}" destId="{356670F5-7DD9-134E-8841-105E332C2A28}" srcOrd="0" destOrd="0" presId="urn:microsoft.com/office/officeart/2016/7/layout/LinearBlockProcessNumbered"/>
     <dgm:cxn modelId="{58A4D6C6-B8F6-AA47-8F64-AAB3210232AA}" type="presOf" srcId="{4683CA80-D1B3-4173-B718-7DC822EF00DA}" destId="{8626C7D8-B488-7847-9AAA-D19B77B20972}" srcOrd="0" destOrd="0" presId="urn:microsoft.com/office/officeart/2016/7/layout/LinearBlockProcessNumbered"/>
     <dgm:cxn modelId="{975E1F0E-3E05-4929-8E63-65A3D0D77F5F}" srcId="{C8AD1EE5-C11D-4FC7-AAEA-A953F38196E5}" destId="{BDC49A55-58E0-46A0-BD7F-BE3D82168B86}" srcOrd="1" destOrd="0" parTransId="{2EA34A99-F3D1-43B2-AA59-5CA7A721E620}" sibTransId="{0CBB45A4-703E-417E-BBD3-C23487BA3A2C}"/>
@@ -6546,7 +6550,7 @@
   </dgm:layoutNode>
   <dgm:extLst>
     <a:ext uri="{4F341089-5ED1-44EC-B178-C955D00A3D55}">
-      <dgm1611:autoBuNodeInfoLst xmlns:dgm1611="http://schemas.microsoft.com/office/drawing/2016/11/diagram" xmlns="">
+      <dgm1611:autoBuNodeInfoLst xmlns="" xmlns:dgm1611="http://schemas.microsoft.com/office/drawing/2016/11/diagram">
         <dgm1611:autoBuNodeInfo lvl="1" ptType="sibTrans">
           <dgm1611:buPr prefix="" leadZeros="1">
             <a:buAutoNum type="arabicParenBoth"/>
@@ -13770,6 +13774,859 @@
               <a:rPr lang="en-US" dirty="0"/>
               <a:t>CS5100 Fall 2017</a:t>
             </a:r>
+          </a:p>
+        </p:txBody>
+      </p:sp>
+    </p:spTree>
+    <p:extLst>
+      <p:ext uri="{BB962C8B-B14F-4D97-AF65-F5344CB8AC3E}">
+        <p14:creationId xmlns:p14="http://schemas.microsoft.com/office/powerpoint/2010/main" val="1927784821"/>
+      </p:ext>
+    </p:extLst>
+  </p:cSld>
+  <p:clrMapOvr>
+    <a:masterClrMapping/>
+  </p:clrMapOvr>
+</p:sld>
+</file>
+
+<file path=ppt/slides/slide10.xml><?xml version="1.0" encoding="utf-8"?>
+<p:sld xmlns:a="http://schemas.openxmlformats.org/drawingml/2006/main" xmlns:r="http://schemas.openxmlformats.org/officeDocument/2006/relationships" xmlns:p="http://schemas.openxmlformats.org/presentationml/2006/main">
+  <p:cSld>
+    <p:spTree>
+      <p:nvGrpSpPr>
+        <p:cNvPr id="1" name=""/>
+        <p:cNvGrpSpPr/>
+        <p:nvPr/>
+      </p:nvGrpSpPr>
+      <p:grpSpPr>
+        <a:xfrm>
+          <a:off x="0" y="0"/>
+          <a:ext cx="0" cy="0"/>
+          <a:chOff x="0" y="0"/>
+          <a:chExt cx="0" cy="0"/>
+        </a:xfrm>
+      </p:grpSpPr>
+      <p:sp>
+        <p:nvSpPr>
+          <p:cNvPr id="2" name="Title 1"/>
+          <p:cNvSpPr>
+            <a:spLocks noGrp="1"/>
+          </p:cNvSpPr>
+          <p:nvPr>
+            <p:ph type="title"/>
+          </p:nvPr>
+        </p:nvSpPr>
+        <p:spPr/>
+        <p:txBody>
+          <a:bodyPr/>
+          <a:lstStyle/>
+          <a:p>
+            <a:r>
+              <a:rPr lang="en-US" dirty="0" smtClean="0"/>
+              <a:t>Working on the matrix!</a:t>
+            </a:r>
+            <a:endParaRPr lang="en-US" dirty="0"/>
+          </a:p>
+        </p:txBody>
+      </p:sp>
+      <p:graphicFrame>
+        <p:nvGraphicFramePr>
+          <p:cNvPr id="8" name="Table 7"/>
+          <p:cNvGraphicFramePr>
+            <a:graphicFrameLocks noGrp="1"/>
+          </p:cNvGraphicFramePr>
+          <p:nvPr/>
+        </p:nvGraphicFramePr>
+        <p:xfrm>
+          <a:off x="5486398" y="2171700"/>
+          <a:ext cx="4926695" cy="2465616"/>
+        </p:xfrm>
+        <a:graphic>
+          <a:graphicData uri="http://schemas.openxmlformats.org/drawingml/2006/table">
+            <a:tbl>
+              <a:tblPr>
+                <a:tableStyleId>{5C22544A-7EE6-4342-B048-85BDC9FD1C3A}</a:tableStyleId>
+              </a:tblPr>
+              <a:tblGrid>
+                <a:gridCol w="985339"/>
+                <a:gridCol w="985339"/>
+                <a:gridCol w="985339"/>
+                <a:gridCol w="985339"/>
+                <a:gridCol w="985339"/>
+              </a:tblGrid>
+              <a:tr h="616404">
+                <a:tc>
+                  <a:txBody>
+                    <a:bodyPr/>
+                    <a:lstStyle/>
+                    <a:p>
+                      <a:pPr algn="ctr" fontAlgn="b"/>
+                      <a:r>
+                        <a:rPr lang="mr-IN" sz="1200" u="none" strike="noStrike">
+                          <a:effectLst/>
+                        </a:rPr>
+                        <a:t>f(w1, d1)</a:t>
+                      </a:r>
+                      <a:endParaRPr lang="mr-IN" sz="1200" b="0" i="0" u="none" strike="noStrike">
+                        <a:solidFill>
+                          <a:srgbClr val="000000"/>
+                        </a:solidFill>
+                        <a:effectLst/>
+                        <a:latin typeface="Calibri" charset="0"/>
+                      </a:endParaRPr>
+                    </a:p>
+                  </a:txBody>
+                  <a:tcPr marL="6350" marR="6350" marT="6350" marB="0" anchor="b"/>
+                </a:tc>
+                <a:tc>
+                  <a:txBody>
+                    <a:bodyPr/>
+                    <a:lstStyle/>
+                    <a:p>
+                      <a:pPr algn="ctr" fontAlgn="b"/>
+                      <a:r>
+                        <a:rPr lang="mr-IN" sz="1200" u="none" strike="noStrike">
+                          <a:effectLst/>
+                        </a:rPr>
+                        <a:t>f(w2, d1)</a:t>
+                      </a:r>
+                      <a:endParaRPr lang="mr-IN" sz="1200" b="0" i="0" u="none" strike="noStrike">
+                        <a:solidFill>
+                          <a:srgbClr val="000000"/>
+                        </a:solidFill>
+                        <a:effectLst/>
+                        <a:latin typeface="Calibri" charset="0"/>
+                      </a:endParaRPr>
+                    </a:p>
+                  </a:txBody>
+                  <a:tcPr marL="6350" marR="6350" marT="6350" marB="0" anchor="b"/>
+                </a:tc>
+                <a:tc>
+                  <a:txBody>
+                    <a:bodyPr/>
+                    <a:lstStyle/>
+                    <a:p>
+                      <a:pPr algn="ctr" fontAlgn="b"/>
+                      <a:r>
+                        <a:rPr lang="mr-IN" sz="1200" u="none" strike="noStrike">
+                          <a:effectLst/>
+                        </a:rPr>
+                        <a:t>f(w3, d1)</a:t>
+                      </a:r>
+                      <a:endParaRPr lang="mr-IN" sz="1200" b="0" i="0" u="none" strike="noStrike">
+                        <a:solidFill>
+                          <a:srgbClr val="000000"/>
+                        </a:solidFill>
+                        <a:effectLst/>
+                        <a:latin typeface="Calibri" charset="0"/>
+                      </a:endParaRPr>
+                    </a:p>
+                  </a:txBody>
+                  <a:tcPr marL="6350" marR="6350" marT="6350" marB="0" anchor="b"/>
+                </a:tc>
+                <a:tc>
+                  <a:txBody>
+                    <a:bodyPr/>
+                    <a:lstStyle/>
+                    <a:p>
+                      <a:pPr algn="ctr" fontAlgn="b"/>
+                      <a:r>
+                        <a:rPr lang="mr-IN" sz="1200" u="none" strike="noStrike">
+                          <a:effectLst/>
+                        </a:rPr>
+                        <a:t>…</a:t>
+                      </a:r>
+                      <a:endParaRPr lang="mr-IN" sz="1200" b="0" i="0" u="none" strike="noStrike">
+                        <a:solidFill>
+                          <a:srgbClr val="000000"/>
+                        </a:solidFill>
+                        <a:effectLst/>
+                        <a:latin typeface="Calibri" charset="0"/>
+                      </a:endParaRPr>
+                    </a:p>
+                  </a:txBody>
+                  <a:tcPr marL="6350" marR="6350" marT="6350" marB="0" anchor="b"/>
+                </a:tc>
+                <a:tc>
+                  <a:txBody>
+                    <a:bodyPr/>
+                    <a:lstStyle/>
+                    <a:p>
+                      <a:pPr algn="ctr" fontAlgn="b"/>
+                      <a:r>
+                        <a:rPr lang="en-US" sz="1200" u="none" strike="noStrike">
+                          <a:effectLst/>
+                        </a:rPr>
+                        <a:t>f(wn, d1)</a:t>
+                      </a:r>
+                      <a:endParaRPr lang="en-US" sz="1200" b="0" i="0" u="none" strike="noStrike">
+                        <a:solidFill>
+                          <a:srgbClr val="000000"/>
+                        </a:solidFill>
+                        <a:effectLst/>
+                        <a:latin typeface="Calibri" charset="0"/>
+                      </a:endParaRPr>
+                    </a:p>
+                  </a:txBody>
+                  <a:tcPr marL="6350" marR="6350" marT="6350" marB="0" anchor="b"/>
+                </a:tc>
+              </a:tr>
+              <a:tr h="616404">
+                <a:tc>
+                  <a:txBody>
+                    <a:bodyPr/>
+                    <a:lstStyle/>
+                    <a:p>
+                      <a:pPr algn="ctr" fontAlgn="b"/>
+                      <a:r>
+                        <a:rPr lang="mr-IN" sz="1200" u="none" strike="noStrike">
+                          <a:effectLst/>
+                        </a:rPr>
+                        <a:t>f(w1, d2)</a:t>
+                      </a:r>
+                      <a:endParaRPr lang="mr-IN" sz="1200" b="0" i="0" u="none" strike="noStrike">
+                        <a:solidFill>
+                          <a:srgbClr val="000000"/>
+                        </a:solidFill>
+                        <a:effectLst/>
+                        <a:latin typeface="Calibri" charset="0"/>
+                      </a:endParaRPr>
+                    </a:p>
+                  </a:txBody>
+                  <a:tcPr marL="6350" marR="6350" marT="6350" marB="0" anchor="b"/>
+                </a:tc>
+                <a:tc>
+                  <a:txBody>
+                    <a:bodyPr/>
+                    <a:lstStyle/>
+                    <a:p>
+                      <a:pPr algn="ctr" fontAlgn="b"/>
+                      <a:r>
+                        <a:rPr lang="mr-IN" sz="1200" u="none" strike="noStrike">
+                          <a:effectLst/>
+                        </a:rPr>
+                        <a:t>…</a:t>
+                      </a:r>
+                      <a:endParaRPr lang="mr-IN" sz="1200" b="0" i="0" u="none" strike="noStrike">
+                        <a:solidFill>
+                          <a:srgbClr val="000000"/>
+                        </a:solidFill>
+                        <a:effectLst/>
+                        <a:latin typeface="Calibri" charset="0"/>
+                      </a:endParaRPr>
+                    </a:p>
+                  </a:txBody>
+                  <a:tcPr marL="6350" marR="6350" marT="6350" marB="0" anchor="b"/>
+                </a:tc>
+                <a:tc>
+                  <a:txBody>
+                    <a:bodyPr/>
+                    <a:lstStyle/>
+                    <a:p>
+                      <a:pPr algn="ctr" fontAlgn="b"/>
+                      <a:r>
+                        <a:rPr lang="mr-IN" sz="1200" u="none" strike="noStrike" dirty="0">
+                          <a:effectLst/>
+                        </a:rPr>
+                        <a:t>…</a:t>
+                      </a:r>
+                      <a:endParaRPr lang="mr-IN" sz="1200" b="0" i="0" u="none" strike="noStrike" dirty="0">
+                        <a:solidFill>
+                          <a:srgbClr val="000000"/>
+                        </a:solidFill>
+                        <a:effectLst/>
+                        <a:latin typeface="Calibri" charset="0"/>
+                      </a:endParaRPr>
+                    </a:p>
+                  </a:txBody>
+                  <a:tcPr marL="6350" marR="6350" marT="6350" marB="0" anchor="b"/>
+                </a:tc>
+                <a:tc>
+                  <a:txBody>
+                    <a:bodyPr/>
+                    <a:lstStyle/>
+                    <a:p>
+                      <a:pPr algn="ctr" fontAlgn="b"/>
+                      <a:r>
+                        <a:rPr lang="mr-IN" sz="1200" u="none" strike="noStrike">
+                          <a:effectLst/>
+                        </a:rPr>
+                        <a:t>…</a:t>
+                      </a:r>
+                      <a:endParaRPr lang="mr-IN" sz="1200" b="0" i="0" u="none" strike="noStrike">
+                        <a:solidFill>
+                          <a:srgbClr val="000000"/>
+                        </a:solidFill>
+                        <a:effectLst/>
+                        <a:latin typeface="Calibri" charset="0"/>
+                      </a:endParaRPr>
+                    </a:p>
+                  </a:txBody>
+                  <a:tcPr marL="6350" marR="6350" marT="6350" marB="0" anchor="b"/>
+                </a:tc>
+                <a:tc>
+                  <a:txBody>
+                    <a:bodyPr/>
+                    <a:lstStyle/>
+                    <a:p>
+                      <a:pPr algn="ctr" fontAlgn="b"/>
+                      <a:r>
+                        <a:rPr lang="mr-IN" sz="1200" u="none" strike="noStrike">
+                          <a:effectLst/>
+                        </a:rPr>
+                        <a:t>…</a:t>
+                      </a:r>
+                      <a:endParaRPr lang="mr-IN" sz="1200" b="0" i="0" u="none" strike="noStrike">
+                        <a:solidFill>
+                          <a:srgbClr val="000000"/>
+                        </a:solidFill>
+                        <a:effectLst/>
+                        <a:latin typeface="Calibri" charset="0"/>
+                      </a:endParaRPr>
+                    </a:p>
+                  </a:txBody>
+                  <a:tcPr marL="6350" marR="6350" marT="6350" marB="0" anchor="b"/>
+                </a:tc>
+              </a:tr>
+              <a:tr h="616404">
+                <a:tc>
+                  <a:txBody>
+                    <a:bodyPr/>
+                    <a:lstStyle/>
+                    <a:p>
+                      <a:pPr algn="ctr" fontAlgn="b"/>
+                      <a:r>
+                        <a:rPr lang="mr-IN" sz="1200" u="none" strike="noStrike">
+                          <a:effectLst/>
+                        </a:rPr>
+                        <a:t>…</a:t>
+                      </a:r>
+                      <a:endParaRPr lang="mr-IN" sz="1200" b="0" i="0" u="none" strike="noStrike">
+                        <a:solidFill>
+                          <a:srgbClr val="000000"/>
+                        </a:solidFill>
+                        <a:effectLst/>
+                        <a:latin typeface="Calibri" charset="0"/>
+                      </a:endParaRPr>
+                    </a:p>
+                  </a:txBody>
+                  <a:tcPr marL="6350" marR="6350" marT="6350" marB="0" anchor="b"/>
+                </a:tc>
+                <a:tc>
+                  <a:txBody>
+                    <a:bodyPr/>
+                    <a:lstStyle/>
+                    <a:p>
+                      <a:pPr algn="ctr" fontAlgn="b"/>
+                      <a:r>
+                        <a:rPr lang="mr-IN" sz="1200" u="none" strike="noStrike">
+                          <a:effectLst/>
+                        </a:rPr>
+                        <a:t>…</a:t>
+                      </a:r>
+                      <a:endParaRPr lang="mr-IN" sz="1200" b="0" i="0" u="none" strike="noStrike">
+                        <a:solidFill>
+                          <a:srgbClr val="000000"/>
+                        </a:solidFill>
+                        <a:effectLst/>
+                        <a:latin typeface="Calibri" charset="0"/>
+                      </a:endParaRPr>
+                    </a:p>
+                  </a:txBody>
+                  <a:tcPr marL="6350" marR="6350" marT="6350" marB="0" anchor="b"/>
+                </a:tc>
+                <a:tc>
+                  <a:txBody>
+                    <a:bodyPr/>
+                    <a:lstStyle/>
+                    <a:p>
+                      <a:pPr algn="ctr" fontAlgn="b"/>
+                      <a:r>
+                        <a:rPr lang="mr-IN" sz="1200" u="none" strike="noStrike">
+                          <a:effectLst/>
+                        </a:rPr>
+                        <a:t>…</a:t>
+                      </a:r>
+                      <a:endParaRPr lang="mr-IN" sz="1200" b="0" i="0" u="none" strike="noStrike">
+                        <a:solidFill>
+                          <a:srgbClr val="000000"/>
+                        </a:solidFill>
+                        <a:effectLst/>
+                        <a:latin typeface="Calibri" charset="0"/>
+                      </a:endParaRPr>
+                    </a:p>
+                  </a:txBody>
+                  <a:tcPr marL="6350" marR="6350" marT="6350" marB="0" anchor="b"/>
+                </a:tc>
+                <a:tc>
+                  <a:txBody>
+                    <a:bodyPr/>
+                    <a:lstStyle/>
+                    <a:p>
+                      <a:pPr algn="ctr" fontAlgn="b"/>
+                      <a:r>
+                        <a:rPr lang="mr-IN" sz="1200" u="none" strike="noStrike">
+                          <a:effectLst/>
+                        </a:rPr>
+                        <a:t>…</a:t>
+                      </a:r>
+                      <a:endParaRPr lang="mr-IN" sz="1200" b="0" i="0" u="none" strike="noStrike">
+                        <a:solidFill>
+                          <a:srgbClr val="000000"/>
+                        </a:solidFill>
+                        <a:effectLst/>
+                        <a:latin typeface="Calibri" charset="0"/>
+                      </a:endParaRPr>
+                    </a:p>
+                  </a:txBody>
+                  <a:tcPr marL="6350" marR="6350" marT="6350" marB="0" anchor="b"/>
+                </a:tc>
+                <a:tc>
+                  <a:txBody>
+                    <a:bodyPr/>
+                    <a:lstStyle/>
+                    <a:p>
+                      <a:pPr algn="ctr" fontAlgn="b"/>
+                      <a:r>
+                        <a:rPr lang="mr-IN" sz="1200" u="none" strike="noStrike">
+                          <a:effectLst/>
+                        </a:rPr>
+                        <a:t>…</a:t>
+                      </a:r>
+                      <a:endParaRPr lang="mr-IN" sz="1200" b="0" i="0" u="none" strike="noStrike">
+                        <a:solidFill>
+                          <a:srgbClr val="000000"/>
+                        </a:solidFill>
+                        <a:effectLst/>
+                        <a:latin typeface="Calibri" charset="0"/>
+                      </a:endParaRPr>
+                    </a:p>
+                  </a:txBody>
+                  <a:tcPr marL="6350" marR="6350" marT="6350" marB="0" anchor="b"/>
+                </a:tc>
+              </a:tr>
+              <a:tr h="616404">
+                <a:tc>
+                  <a:txBody>
+                    <a:bodyPr/>
+                    <a:lstStyle/>
+                    <a:p>
+                      <a:pPr algn="ctr" fontAlgn="b"/>
+                      <a:r>
+                        <a:rPr lang="mr-IN" sz="1200" u="none" strike="noStrike">
+                          <a:effectLst/>
+                        </a:rPr>
+                        <a:t>f(w1, dm)</a:t>
+                      </a:r>
+                      <a:endParaRPr lang="mr-IN" sz="1200" b="0" i="0" u="none" strike="noStrike">
+                        <a:solidFill>
+                          <a:srgbClr val="000000"/>
+                        </a:solidFill>
+                        <a:effectLst/>
+                        <a:latin typeface="Calibri" charset="0"/>
+                      </a:endParaRPr>
+                    </a:p>
+                  </a:txBody>
+                  <a:tcPr marL="6350" marR="6350" marT="6350" marB="0" anchor="b"/>
+                </a:tc>
+                <a:tc>
+                  <a:txBody>
+                    <a:bodyPr/>
+                    <a:lstStyle/>
+                    <a:p>
+                      <a:pPr algn="ctr" fontAlgn="b"/>
+                      <a:r>
+                        <a:rPr lang="mr-IN" sz="1200" u="none" strike="noStrike">
+                          <a:effectLst/>
+                        </a:rPr>
+                        <a:t>…</a:t>
+                      </a:r>
+                      <a:endParaRPr lang="mr-IN" sz="1200" b="0" i="0" u="none" strike="noStrike">
+                        <a:solidFill>
+                          <a:srgbClr val="000000"/>
+                        </a:solidFill>
+                        <a:effectLst/>
+                        <a:latin typeface="Calibri" charset="0"/>
+                      </a:endParaRPr>
+                    </a:p>
+                  </a:txBody>
+                  <a:tcPr marL="6350" marR="6350" marT="6350" marB="0" anchor="b"/>
+                </a:tc>
+                <a:tc>
+                  <a:txBody>
+                    <a:bodyPr/>
+                    <a:lstStyle/>
+                    <a:p>
+                      <a:pPr algn="ctr" fontAlgn="b"/>
+                      <a:r>
+                        <a:rPr lang="mr-IN" sz="1200" u="none" strike="noStrike">
+                          <a:effectLst/>
+                        </a:rPr>
+                        <a:t>…</a:t>
+                      </a:r>
+                      <a:endParaRPr lang="mr-IN" sz="1200" b="0" i="0" u="none" strike="noStrike">
+                        <a:solidFill>
+                          <a:srgbClr val="000000"/>
+                        </a:solidFill>
+                        <a:effectLst/>
+                        <a:latin typeface="Calibri" charset="0"/>
+                      </a:endParaRPr>
+                    </a:p>
+                  </a:txBody>
+                  <a:tcPr marL="6350" marR="6350" marT="6350" marB="0" anchor="b"/>
+                </a:tc>
+                <a:tc>
+                  <a:txBody>
+                    <a:bodyPr/>
+                    <a:lstStyle/>
+                    <a:p>
+                      <a:pPr algn="ctr" fontAlgn="b"/>
+                      <a:r>
+                        <a:rPr lang="mr-IN" sz="1200" u="none" strike="noStrike">
+                          <a:effectLst/>
+                        </a:rPr>
+                        <a:t>…</a:t>
+                      </a:r>
+                      <a:endParaRPr lang="mr-IN" sz="1200" b="0" i="0" u="none" strike="noStrike">
+                        <a:solidFill>
+                          <a:srgbClr val="000000"/>
+                        </a:solidFill>
+                        <a:effectLst/>
+                        <a:latin typeface="Calibri" charset="0"/>
+                      </a:endParaRPr>
+                    </a:p>
+                  </a:txBody>
+                  <a:tcPr marL="6350" marR="6350" marT="6350" marB="0" anchor="b"/>
+                </a:tc>
+                <a:tc>
+                  <a:txBody>
+                    <a:bodyPr/>
+                    <a:lstStyle/>
+                    <a:p>
+                      <a:pPr algn="ctr" fontAlgn="b"/>
+                      <a:r>
+                        <a:rPr lang="mr-IN" sz="1200" u="none" strike="noStrike" dirty="0" err="1">
+                          <a:effectLst/>
+                        </a:rPr>
+                        <a:t>f</a:t>
+                      </a:r>
+                      <a:r>
+                        <a:rPr lang="mr-IN" sz="1200" u="none" strike="noStrike" dirty="0">
+                          <a:effectLst/>
+                        </a:rPr>
+                        <a:t>(</a:t>
+                      </a:r>
+                      <a:r>
+                        <a:rPr lang="mr-IN" sz="1200" u="none" strike="noStrike" dirty="0" err="1">
+                          <a:effectLst/>
+                        </a:rPr>
+                        <a:t>wn</a:t>
+                      </a:r>
+                      <a:r>
+                        <a:rPr lang="mr-IN" sz="1200" u="none" strike="noStrike" dirty="0">
+                          <a:effectLst/>
+                        </a:rPr>
+                        <a:t>, </a:t>
+                      </a:r>
+                      <a:r>
+                        <a:rPr lang="mr-IN" sz="1200" u="none" strike="noStrike" dirty="0" err="1">
+                          <a:effectLst/>
+                        </a:rPr>
+                        <a:t>dm</a:t>
+                      </a:r>
+                      <a:r>
+                        <a:rPr lang="mr-IN" sz="1200" u="none" strike="noStrike" dirty="0">
+                          <a:effectLst/>
+                        </a:rPr>
+                        <a:t>)</a:t>
+                      </a:r>
+                      <a:endParaRPr lang="mr-IN" sz="1200" b="0" i="0" u="none" strike="noStrike" dirty="0">
+                        <a:solidFill>
+                          <a:srgbClr val="000000"/>
+                        </a:solidFill>
+                        <a:effectLst/>
+                        <a:latin typeface="Calibri" charset="0"/>
+                      </a:endParaRPr>
+                    </a:p>
+                  </a:txBody>
+                  <a:tcPr marL="6350" marR="6350" marT="6350" marB="0" anchor="b"/>
+                </a:tc>
+              </a:tr>
+            </a:tbl>
+          </a:graphicData>
+        </a:graphic>
+      </p:graphicFrame>
+      <p:sp>
+        <p:nvSpPr>
+          <p:cNvPr id="9" name="TextBox 8"/>
+          <p:cNvSpPr txBox="1"/>
+          <p:nvPr/>
+        </p:nvSpPr>
+        <p:spPr>
+          <a:xfrm>
+            <a:off x="1325878" y="2171700"/>
+            <a:ext cx="4160520" cy="3693319"/>
+          </a:xfrm>
+          <a:prstGeom prst="rect">
+            <a:avLst/>
+          </a:prstGeom>
+          <a:noFill/>
+        </p:spPr>
+        <p:txBody>
+          <a:bodyPr wrap="square" rtlCol="0">
+            <a:spAutoFit/>
+          </a:bodyPr>
+          <a:lstStyle/>
+          <a:p>
+            <a:r>
+              <a:rPr lang="en-US" b="1" dirty="0" smtClean="0"/>
+              <a:t>Steps:</a:t>
+            </a:r>
+          </a:p>
+          <a:p>
+            <a:endParaRPr lang="en-US" dirty="0"/>
+          </a:p>
+          <a:p>
+            <a:pPr marL="285750" indent="-285750">
+              <a:buFont typeface="Arial" charset="0"/>
+              <a:buChar char="•"/>
+            </a:pPr>
+            <a:r>
+              <a:rPr lang="en-US" dirty="0" smtClean="0"/>
+              <a:t>Counting term frequency:</a:t>
+            </a:r>
+          </a:p>
+          <a:p>
+            <a:pPr marL="742950" lvl="1" indent="-285750">
+              <a:buFont typeface="Courier New" charset="0"/>
+              <a:buChar char="o"/>
+            </a:pPr>
+            <a:r>
+              <a:rPr lang="en-US" dirty="0" smtClean="0"/>
+              <a:t>Boolean counting, naïve counting, log counting</a:t>
+            </a:r>
+          </a:p>
+          <a:p>
+            <a:pPr marL="742950" lvl="1" indent="-285750">
+              <a:buFont typeface="Courier New" charset="0"/>
+              <a:buChar char="o"/>
+            </a:pPr>
+            <a:endParaRPr lang="en-US" dirty="0" smtClean="0"/>
+          </a:p>
+          <a:p>
+            <a:pPr marL="285750" indent="-285750">
+              <a:buFont typeface="Arial" charset="0"/>
+              <a:buChar char="•"/>
+            </a:pPr>
+            <a:r>
+              <a:rPr lang="en-US" dirty="0" smtClean="0"/>
+              <a:t>Inverse-document frequency</a:t>
+            </a:r>
+          </a:p>
+          <a:p>
+            <a:pPr marL="285750" indent="-285750">
+              <a:buFont typeface="Arial" charset="0"/>
+              <a:buChar char="•"/>
+            </a:pPr>
+            <a:endParaRPr lang="en-US" dirty="0"/>
+          </a:p>
+          <a:p>
+            <a:endParaRPr lang="en-US" dirty="0"/>
+          </a:p>
+          <a:p>
+            <a:pPr marL="285750" indent="-285750">
+              <a:buFont typeface="Arial" charset="0"/>
+              <a:buChar char="•"/>
+            </a:pPr>
+            <a:r>
+              <a:rPr lang="en-US" dirty="0" smtClean="0"/>
+              <a:t>Normalization:</a:t>
+            </a:r>
+          </a:p>
+          <a:p>
+            <a:pPr marL="742950" lvl="1" indent="-285750">
+              <a:buFont typeface="Arial" charset="0"/>
+              <a:buChar char="•"/>
+            </a:pPr>
+            <a:r>
+              <a:rPr lang="en-US" dirty="0" smtClean="0"/>
+              <a:t>To avoid cases like</a:t>
+            </a:r>
+          </a:p>
+          <a:p>
+            <a:pPr marL="742950" lvl="1" indent="-285750">
+              <a:buFont typeface="Arial" charset="0"/>
+              <a:buChar char="•"/>
+            </a:pPr>
+            <a:r>
+              <a:rPr lang="en-US" smtClean="0"/>
+              <a:t>[12, 0, 32] --&gt;  [.62, 0, .92]</a:t>
+            </a:r>
+          </a:p>
+          <a:p>
+            <a:pPr marL="285750" indent="-285750">
+              <a:buFont typeface="Arial" charset="0"/>
+              <a:buChar char="•"/>
+            </a:pPr>
+            <a:r>
+              <a:rPr lang="en-US" dirty="0" smtClean="0"/>
+              <a:t>TF * IDF gives us a balanced matrix!</a:t>
+            </a:r>
+            <a:endParaRPr lang="en-US" dirty="0"/>
+          </a:p>
+        </p:txBody>
+      </p:sp>
+      <p:pic>
+        <p:nvPicPr>
+          <p:cNvPr id="4098" name="Picture 2" descr="quation.pdf"/>
+          <p:cNvPicPr>
+            <a:picLocks noChangeAspect="1" noChangeArrowheads="1"/>
+          </p:cNvPicPr>
+          <p:nvPr/>
+        </p:nvPicPr>
+        <p:blipFill>
+          <a:blip r:embed="rId2">
+            <a:extLst>
+              <a:ext uri="{28A0092B-C50C-407E-A947-70E740481C1C}">
+                <a14:useLocalDpi xmlns:a14="http://schemas.microsoft.com/office/drawing/2010/main" val="0"/>
+              </a:ext>
+            </a:extLst>
+          </a:blip>
+          <a:srcRect/>
+          <a:stretch>
+            <a:fillRect/>
+          </a:stretch>
+        </p:blipFill>
+        <p:spPr bwMode="auto">
+          <a:xfrm>
+            <a:off x="2358388" y="3657599"/>
+            <a:ext cx="3113784" cy="226457"/>
+          </a:xfrm>
+          <a:prstGeom prst="rect">
+            <a:avLst/>
+          </a:prstGeom>
+          <a:noFill/>
+          <a:extLst>
+            <a:ext uri="{909E8E84-426E-40DD-AFC4-6F175D3DCCD1}">
+              <a14:hiddenFill xmlns:a14="http://schemas.microsoft.com/office/drawing/2010/main">
+                <a:solidFill>
+                  <a:srgbClr val="FFFFFF"/>
+                </a:solidFill>
+              </a14:hiddenFill>
+            </a:ext>
+          </a:extLst>
+        </p:spPr>
+      </p:pic>
+      <p:pic>
+        <p:nvPicPr>
+          <p:cNvPr id="4100" name="Picture 4" descr="quation.pdf"/>
+          <p:cNvPicPr>
+            <a:picLocks noChangeAspect="1" noChangeArrowheads="1"/>
+          </p:cNvPicPr>
+          <p:nvPr/>
+        </p:nvPicPr>
+        <p:blipFill>
+          <a:blip r:embed="rId3">
+            <a:extLst>
+              <a:ext uri="{28A0092B-C50C-407E-A947-70E740481C1C}">
+                <a14:useLocalDpi xmlns:a14="http://schemas.microsoft.com/office/drawing/2010/main" val="0"/>
+              </a:ext>
+            </a:extLst>
+          </a:blip>
+          <a:srcRect/>
+          <a:stretch>
+            <a:fillRect/>
+          </a:stretch>
+        </p:blipFill>
+        <p:spPr bwMode="auto">
+          <a:xfrm>
+            <a:off x="2358388" y="4244339"/>
+            <a:ext cx="3143868" cy="229689"/>
+          </a:xfrm>
+          <a:prstGeom prst="rect">
+            <a:avLst/>
+          </a:prstGeom>
+          <a:noFill/>
+          <a:extLst>
+            <a:ext uri="{909E8E84-426E-40DD-AFC4-6F175D3DCCD1}">
+              <a14:hiddenFill xmlns:a14="http://schemas.microsoft.com/office/drawing/2010/main">
+                <a:solidFill>
+                  <a:srgbClr val="FFFFFF"/>
+                </a:solidFill>
+              </a14:hiddenFill>
+            </a:ext>
+          </a:extLst>
+        </p:spPr>
+      </p:pic>
+    </p:spTree>
+    <p:extLst>
+      <p:ext uri="{BB962C8B-B14F-4D97-AF65-F5344CB8AC3E}">
+        <p14:creationId xmlns:p14="http://schemas.microsoft.com/office/powerpoint/2010/main" val="1681368073"/>
+      </p:ext>
+    </p:extLst>
+  </p:cSld>
+  <p:clrMapOvr>
+    <a:masterClrMapping/>
+  </p:clrMapOvr>
+</p:sld>
+</file>
+
+<file path=ppt/slides/slide11.xml><?xml version="1.0" encoding="utf-8"?>
+<p:sld xmlns:a="http://schemas.openxmlformats.org/drawingml/2006/main" xmlns:r="http://schemas.openxmlformats.org/officeDocument/2006/relationships" xmlns:p="http://schemas.openxmlformats.org/presentationml/2006/main">
+  <p:cSld>
+    <p:spTree>
+      <p:nvGrpSpPr>
+        <p:cNvPr id="1" name=""/>
+        <p:cNvGrpSpPr/>
+        <p:nvPr/>
+      </p:nvGrpSpPr>
+      <p:grpSpPr>
+        <a:xfrm>
+          <a:off x="0" y="0"/>
+          <a:ext cx="0" cy="0"/>
+          <a:chOff x="0" y="0"/>
+          <a:chExt cx="0" cy="0"/>
+        </a:xfrm>
+      </p:grpSpPr>
+      <p:sp>
+        <p:nvSpPr>
+          <p:cNvPr id="2" name="Title 1"/>
+          <p:cNvSpPr>
+            <a:spLocks noGrp="1"/>
+          </p:cNvSpPr>
+          <p:nvPr>
+            <p:ph type="title"/>
+          </p:nvPr>
+        </p:nvSpPr>
+        <p:spPr/>
+        <p:txBody>
+          <a:bodyPr/>
+          <a:lstStyle/>
+          <a:p>
+            <a:r>
+              <a:rPr lang="en-US" dirty="0" smtClean="0"/>
+              <a:t>Results</a:t>
+            </a:r>
+            <a:endParaRPr lang="en-US" dirty="0"/>
+          </a:p>
+        </p:txBody>
+      </p:sp>
+      <p:sp>
+        <p:nvSpPr>
+          <p:cNvPr id="3" name="Content Placeholder 2"/>
+          <p:cNvSpPr>
+            <a:spLocks noGrp="1"/>
+          </p:cNvSpPr>
+          <p:nvPr>
+            <p:ph idx="1"/>
+          </p:nvPr>
+        </p:nvSpPr>
+        <p:spPr/>
+        <p:txBody>
+          <a:bodyPr/>
+          <a:lstStyle/>
+          <a:p>
             <a:endParaRPr lang="en-US" dirty="0"/>
           </a:p>
         </p:txBody>
@@ -13777,7 +14634,159 @@
     </p:spTree>
     <p:extLst>
       <p:ext uri="{BB962C8B-B14F-4D97-AF65-F5344CB8AC3E}">
-        <p14:creationId xmlns:p14="http://schemas.microsoft.com/office/powerpoint/2010/main" val="1927784821"/>
+        <p14:creationId xmlns:p14="http://schemas.microsoft.com/office/powerpoint/2010/main" val="1824086218"/>
+      </p:ext>
+    </p:extLst>
+  </p:cSld>
+  <p:clrMapOvr>
+    <a:masterClrMapping/>
+  </p:clrMapOvr>
+</p:sld>
+</file>
+
+<file path=ppt/slides/slide12.xml><?xml version="1.0" encoding="utf-8"?>
+<p:sld xmlns:a="http://schemas.openxmlformats.org/drawingml/2006/main" xmlns:r="http://schemas.openxmlformats.org/officeDocument/2006/relationships" xmlns:p="http://schemas.openxmlformats.org/presentationml/2006/main">
+  <p:cSld>
+    <p:spTree>
+      <p:nvGrpSpPr>
+        <p:cNvPr id="1" name=""/>
+        <p:cNvGrpSpPr/>
+        <p:nvPr/>
+      </p:nvGrpSpPr>
+      <p:grpSpPr>
+        <a:xfrm>
+          <a:off x="0" y="0"/>
+          <a:ext cx="0" cy="0"/>
+          <a:chOff x="0" y="0"/>
+          <a:chExt cx="0" cy="0"/>
+        </a:xfrm>
+      </p:grpSpPr>
+      <p:sp>
+        <p:nvSpPr>
+          <p:cNvPr id="2" name="Title 1"/>
+          <p:cNvSpPr>
+            <a:spLocks noGrp="1"/>
+          </p:cNvSpPr>
+          <p:nvPr>
+            <p:ph type="title"/>
+          </p:nvPr>
+        </p:nvSpPr>
+        <p:spPr/>
+        <p:txBody>
+          <a:bodyPr/>
+          <a:lstStyle/>
+          <a:p>
+            <a:r>
+              <a:rPr lang="en-US" dirty="0" smtClean="0"/>
+              <a:t>Evaluation </a:t>
+            </a:r>
+            <a:r>
+              <a:rPr lang="mr-IN" dirty="0" smtClean="0"/>
+              <a:t>–</a:t>
+            </a:r>
+            <a:r>
+              <a:rPr lang="en-US" dirty="0" smtClean="0"/>
+              <a:t> Confusion Matrix</a:t>
+            </a:r>
+            <a:endParaRPr lang="en-US" dirty="0"/>
+          </a:p>
+        </p:txBody>
+      </p:sp>
+      <p:sp>
+        <p:nvSpPr>
+          <p:cNvPr id="3" name="Content Placeholder 2"/>
+          <p:cNvSpPr>
+            <a:spLocks noGrp="1"/>
+          </p:cNvSpPr>
+          <p:nvPr>
+            <p:ph idx="1"/>
+          </p:nvPr>
+        </p:nvSpPr>
+        <p:spPr/>
+        <p:txBody>
+          <a:bodyPr/>
+          <a:lstStyle/>
+          <a:p>
+            <a:endParaRPr lang="en-US" dirty="0" smtClean="0"/>
+          </a:p>
+        </p:txBody>
+      </p:sp>
+    </p:spTree>
+    <p:extLst>
+      <p:ext uri="{BB962C8B-B14F-4D97-AF65-F5344CB8AC3E}">
+        <p14:creationId xmlns:p14="http://schemas.microsoft.com/office/powerpoint/2010/main" val="355585455"/>
+      </p:ext>
+    </p:extLst>
+  </p:cSld>
+  <p:clrMapOvr>
+    <a:masterClrMapping/>
+  </p:clrMapOvr>
+</p:sld>
+</file>
+
+<file path=ppt/slides/slide13.xml><?xml version="1.0" encoding="utf-8"?>
+<p:sld xmlns:a="http://schemas.openxmlformats.org/drawingml/2006/main" xmlns:r="http://schemas.openxmlformats.org/officeDocument/2006/relationships" xmlns:p="http://schemas.openxmlformats.org/presentationml/2006/main">
+  <p:cSld>
+    <p:spTree>
+      <p:nvGrpSpPr>
+        <p:cNvPr id="1" name=""/>
+        <p:cNvGrpSpPr/>
+        <p:nvPr/>
+      </p:nvGrpSpPr>
+      <p:grpSpPr>
+        <a:xfrm>
+          <a:off x="0" y="0"/>
+          <a:ext cx="0" cy="0"/>
+          <a:chOff x="0" y="0"/>
+          <a:chExt cx="0" cy="0"/>
+        </a:xfrm>
+      </p:grpSpPr>
+      <p:sp>
+        <p:nvSpPr>
+          <p:cNvPr id="2" name="Title 1"/>
+          <p:cNvSpPr>
+            <a:spLocks noGrp="1"/>
+          </p:cNvSpPr>
+          <p:nvPr>
+            <p:ph type="title"/>
+          </p:nvPr>
+        </p:nvSpPr>
+        <p:spPr/>
+        <p:txBody>
+          <a:bodyPr/>
+          <a:lstStyle/>
+          <a:p>
+            <a:r>
+              <a:rPr lang="en-US" dirty="0" smtClean="0"/>
+              <a:t>Division of Work</a:t>
+            </a:r>
+            <a:endParaRPr lang="en-US" dirty="0"/>
+          </a:p>
+        </p:txBody>
+      </p:sp>
+      <p:sp>
+        <p:nvSpPr>
+          <p:cNvPr id="3" name="Content Placeholder 2"/>
+          <p:cNvSpPr>
+            <a:spLocks noGrp="1"/>
+          </p:cNvSpPr>
+          <p:nvPr>
+            <p:ph idx="1"/>
+          </p:nvPr>
+        </p:nvSpPr>
+        <p:spPr/>
+        <p:txBody>
+          <a:bodyPr/>
+          <a:lstStyle/>
+          <a:p>
+            <a:endParaRPr lang="en-US"/>
+          </a:p>
+        </p:txBody>
+      </p:sp>
+    </p:spTree>
+    <p:extLst>
+      <p:ext uri="{BB962C8B-B14F-4D97-AF65-F5344CB8AC3E}">
+        <p14:creationId xmlns:p14="http://schemas.microsoft.com/office/powerpoint/2010/main" val="1988511273"/>
       </p:ext>
     </p:extLst>
   </p:cSld>
@@ -13817,7 +14826,7 @@
           <p:cNvPr id="19" name="Rectangle 18">
             <a:extLst>
               <a:ext uri="{FF2B5EF4-FFF2-40B4-BE49-F238E27FC236}">
-                <a16:creationId xmlns:a16="http://schemas.microsoft.com/office/drawing/2014/main" xmlns="" id="{9F5E263C-FB7E-4A3E-AD04-5140CD3D1D97}"/>
+                <a16:creationId xmlns="" xmlns:a16="http://schemas.microsoft.com/office/drawing/2014/main" id="{9F5E263C-FB7E-4A3E-AD04-5140CD3D1D97}"/>
               </a:ext>
             </a:extLst>
           </p:cNvPr>
@@ -13874,7 +14883,7 @@
           <p:cNvPr id="21" name="Rectangle 20">
             <a:extLst>
               <a:ext uri="{FF2B5EF4-FFF2-40B4-BE49-F238E27FC236}">
-                <a16:creationId xmlns:a16="http://schemas.microsoft.com/office/drawing/2014/main" xmlns="" id="{9E65ED8C-90F7-4EB0-ACCB-64AEF411E8B9}"/>
+                <a16:creationId xmlns="" xmlns:a16="http://schemas.microsoft.com/office/drawing/2014/main" id="{9E65ED8C-90F7-4EB0-ACCB-64AEF411E8B9}"/>
               </a:ext>
             </a:extLst>
           </p:cNvPr>
@@ -13926,7 +14935,7 @@
           <p:cNvPr id="23" name="Rectangle 22">
             <a:extLst>
               <a:ext uri="{FF2B5EF4-FFF2-40B4-BE49-F238E27FC236}">
-                <a16:creationId xmlns:a16="http://schemas.microsoft.com/office/drawing/2014/main" xmlns="" id="{6604E3BF-88F7-4D19-BEC9-8486966EA467}"/>
+                <a16:creationId xmlns="" xmlns:a16="http://schemas.microsoft.com/office/drawing/2014/main" id="{6604E3BF-88F7-4D19-BEC9-8486966EA467}"/>
               </a:ext>
             </a:extLst>
           </p:cNvPr>
@@ -14074,7 +15083,7 @@
           <p:cNvPr id="10" name="Rectangle 9">
             <a:extLst>
               <a:ext uri="{FF2B5EF4-FFF2-40B4-BE49-F238E27FC236}">
-                <a16:creationId xmlns:a16="http://schemas.microsoft.com/office/drawing/2014/main" xmlns="" id="{38247643-37AB-47DE-B7BD-7A64FEB13371}"/>
+                <a16:creationId xmlns="" xmlns:a16="http://schemas.microsoft.com/office/drawing/2014/main" id="{38247643-37AB-47DE-B7BD-7A64FEB13371}"/>
               </a:ext>
             </a:extLst>
           </p:cNvPr>
@@ -14126,7 +15135,7 @@
           <p:cNvPr id="12" name="Rectangle 11">
             <a:extLst>
               <a:ext uri="{FF2B5EF4-FFF2-40B4-BE49-F238E27FC236}">
-                <a16:creationId xmlns:a16="http://schemas.microsoft.com/office/drawing/2014/main" xmlns="" id="{AEBC3119-F8E7-4266-91B8-7A1E808B481B}"/>
+                <a16:creationId xmlns="" xmlns:a16="http://schemas.microsoft.com/office/drawing/2014/main" id="{AEBC3119-F8E7-4266-91B8-7A1E808B481B}"/>
               </a:ext>
             </a:extLst>
           </p:cNvPr>
@@ -14178,7 +15187,7 @@
           <p:cNvPr id="14" name="Straight Connector 13">
             <a:extLst>
               <a:ext uri="{FF2B5EF4-FFF2-40B4-BE49-F238E27FC236}">
-                <a16:creationId xmlns:a16="http://schemas.microsoft.com/office/drawing/2014/main" xmlns="" id="{57D15890-6502-4FAA-AB03-AFAC88EE29D1}"/>
+                <a16:creationId xmlns="" xmlns:a16="http://schemas.microsoft.com/office/drawing/2014/main" id="{57D15890-6502-4FAA-AB03-AFAC88EE29D1}"/>
               </a:ext>
             </a:extLst>
           </p:cNvPr>
@@ -14230,7 +15239,7 @@
           <p:cNvPr id="16" name="Rectangle 15">
             <a:extLst>
               <a:ext uri="{FF2B5EF4-FFF2-40B4-BE49-F238E27FC236}">
-                <a16:creationId xmlns:a16="http://schemas.microsoft.com/office/drawing/2014/main" xmlns="" id="{B80045BC-58DB-469C-8997-6C0C16B1739C}"/>
+                <a16:creationId xmlns="" xmlns:a16="http://schemas.microsoft.com/office/drawing/2014/main" id="{B80045BC-58DB-469C-8997-6C0C16B1739C}"/>
               </a:ext>
             </a:extLst>
           </p:cNvPr>
@@ -14287,7 +15296,7 @@
           <p:cNvPr id="18" name="Rectangle 17">
             <a:extLst>
               <a:ext uri="{FF2B5EF4-FFF2-40B4-BE49-F238E27FC236}">
-                <a16:creationId xmlns:a16="http://schemas.microsoft.com/office/drawing/2014/main" xmlns="" id="{00C07DB3-666C-4A9D-81CE-83B435F95BB5}"/>
+                <a16:creationId xmlns="" xmlns:a16="http://schemas.microsoft.com/office/drawing/2014/main" id="{00C07DB3-666C-4A9D-81CE-83B435F95BB5}"/>
               </a:ext>
             </a:extLst>
           </p:cNvPr>
@@ -14339,7 +15348,7 @@
           <p:cNvPr id="20" name="Rectangle 19">
             <a:extLst>
               <a:ext uri="{FF2B5EF4-FFF2-40B4-BE49-F238E27FC236}">
-                <a16:creationId xmlns:a16="http://schemas.microsoft.com/office/drawing/2014/main" xmlns="" id="{150BDA68-EBDD-443C-9B6B-03CA14AFFB3A}"/>
+                <a16:creationId xmlns="" xmlns:a16="http://schemas.microsoft.com/office/drawing/2014/main" id="{150BDA68-EBDD-443C-9B6B-03CA14AFFB3A}"/>
               </a:ext>
             </a:extLst>
           </p:cNvPr>
@@ -14391,7 +15400,7 @@
           <p:cNvPr id="22" name="Straight Connector 21">
             <a:extLst>
               <a:ext uri="{FF2B5EF4-FFF2-40B4-BE49-F238E27FC236}">
-                <a16:creationId xmlns:a16="http://schemas.microsoft.com/office/drawing/2014/main" xmlns="" id="{83EF6BB5-A95D-4C59-808C-3B64F444F29D}"/>
+                <a16:creationId xmlns="" xmlns:a16="http://schemas.microsoft.com/office/drawing/2014/main" id="{83EF6BB5-A95D-4C59-808C-3B64F444F29D}"/>
               </a:ext>
             </a:extLst>
           </p:cNvPr>
@@ -14574,7 +15583,7 @@
           <p:cNvPr id="10" name="Rectangle 9">
             <a:extLst>
               <a:ext uri="{FF2B5EF4-FFF2-40B4-BE49-F238E27FC236}">
-                <a16:creationId xmlns:a16="http://schemas.microsoft.com/office/drawing/2014/main" xmlns="" id="{9F5E263C-FB7E-4A3E-AD04-5140CD3D1D97}"/>
+                <a16:creationId xmlns="" xmlns:a16="http://schemas.microsoft.com/office/drawing/2014/main" id="{9F5E263C-FB7E-4A3E-AD04-5140CD3D1D97}"/>
               </a:ext>
             </a:extLst>
           </p:cNvPr>
@@ -14631,7 +15640,7 @@
           <p:cNvPr id="12" name="Rectangle 11">
             <a:extLst>
               <a:ext uri="{FF2B5EF4-FFF2-40B4-BE49-F238E27FC236}">
-                <a16:creationId xmlns:a16="http://schemas.microsoft.com/office/drawing/2014/main" xmlns="" id="{9E65ED8C-90F7-4EB0-ACCB-64AEF411E8B9}"/>
+                <a16:creationId xmlns="" xmlns:a16="http://schemas.microsoft.com/office/drawing/2014/main" id="{9E65ED8C-90F7-4EB0-ACCB-64AEF411E8B9}"/>
               </a:ext>
             </a:extLst>
           </p:cNvPr>
@@ -14683,7 +15692,7 @@
           <p:cNvPr id="14" name="Rectangle 13">
             <a:extLst>
               <a:ext uri="{FF2B5EF4-FFF2-40B4-BE49-F238E27FC236}">
-                <a16:creationId xmlns:a16="http://schemas.microsoft.com/office/drawing/2014/main" xmlns="" id="{6604E3BF-88F7-4D19-BEC9-8486966EA467}"/>
+                <a16:creationId xmlns="" xmlns:a16="http://schemas.microsoft.com/office/drawing/2014/main" id="{6604E3BF-88F7-4D19-BEC9-8486966EA467}"/>
               </a:ext>
             </a:extLst>
           </p:cNvPr>
@@ -15007,7 +16016,7 @@
           <a:p>
             <a:r>
               <a:rPr lang="en-US" dirty="0" smtClean="0"/>
-              <a:t>Results</a:t>
+              <a:t>Feature extraction</a:t>
             </a:r>
             <a:endParaRPr lang="en-US" dirty="0"/>
           </a:p>
@@ -15015,27 +16024,157 @@
       </p:sp>
       <p:sp>
         <p:nvSpPr>
-          <p:cNvPr id="3" name="Content Placeholder 2"/>
-          <p:cNvSpPr>
-            <a:spLocks noGrp="1"/>
-          </p:cNvSpPr>
-          <p:nvPr>
-            <p:ph idx="1"/>
-          </p:nvPr>
+          <p:cNvPr id="6" name="Rectangle 5"/>
+          <p:cNvSpPr/>
+          <p:nvPr/>
         </p:nvSpPr>
-        <p:spPr/>
+        <p:spPr>
+          <a:xfrm>
+            <a:off x="1097280" y="2412812"/>
+            <a:ext cx="10058400" cy="646331"/>
+          </a:xfrm>
+          <a:prstGeom prst="rect">
+            <a:avLst/>
+          </a:prstGeom>
+        </p:spPr>
         <p:txBody>
-          <a:bodyPr/>
+          <a:bodyPr wrap="square">
+            <a:spAutoFit/>
+          </a:bodyPr>
           <a:lstStyle/>
           <a:p>
+            <a:r>
+              <a:rPr lang="en-US" dirty="0" smtClean="0"/>
+              <a:t>There </a:t>
+            </a:r>
+            <a:r>
+              <a:rPr lang="en-US" dirty="0"/>
+              <a:t>are two fundamental truths in this world: Paul Ryan desperately wants to be president. And Paul Ryan will never be president. Today proved it.</a:t>
+            </a:r>
+          </a:p>
+        </p:txBody>
+      </p:sp>
+      <p:sp>
+        <p:nvSpPr>
+          <p:cNvPr id="8" name="TextBox 7"/>
+          <p:cNvSpPr txBox="1"/>
+          <p:nvPr/>
+        </p:nvSpPr>
+        <p:spPr>
+          <a:xfrm>
+            <a:off x="1097280" y="1890420"/>
+            <a:ext cx="2119745" cy="369332"/>
+          </a:xfrm>
+          <a:prstGeom prst="rect">
+            <a:avLst/>
+          </a:prstGeom>
+          <a:noFill/>
+        </p:spPr>
+        <p:txBody>
+          <a:bodyPr wrap="square" rtlCol="0">
+            <a:spAutoFit/>
+          </a:bodyPr>
+          <a:lstStyle/>
+          <a:p>
+            <a:r>
+              <a:rPr lang="en-US" smtClean="0"/>
+              <a:t>Document 1:</a:t>
+            </a:r>
+          </a:p>
+        </p:txBody>
+      </p:sp>
+      <p:sp>
+        <p:nvSpPr>
+          <p:cNvPr id="10" name="TextBox 9"/>
+          <p:cNvSpPr txBox="1"/>
+          <p:nvPr/>
+        </p:nvSpPr>
+        <p:spPr>
+          <a:xfrm>
+            <a:off x="1097278" y="4041957"/>
+            <a:ext cx="9681557" cy="1200329"/>
+          </a:xfrm>
+          <a:prstGeom prst="rect">
+            <a:avLst/>
+          </a:prstGeom>
+          <a:noFill/>
+        </p:spPr>
+        <p:txBody>
+          <a:bodyPr wrap="square" rtlCol="0">
+            <a:spAutoFit/>
+          </a:bodyPr>
+          <a:lstStyle/>
+          <a:p>
+            <a:pPr marL="285750" indent="-285750">
+              <a:buFont typeface="Arial" charset="0"/>
+              <a:buChar char="•"/>
+            </a:pPr>
+            <a:r>
+              <a:rPr lang="en-US" dirty="0" smtClean="0"/>
+              <a:t>Occurrence of words</a:t>
+            </a:r>
+          </a:p>
+          <a:p>
+            <a:pPr marL="285750" indent="-285750">
+              <a:buFont typeface="Arial" charset="0"/>
+              <a:buChar char="•"/>
+            </a:pPr>
+            <a:r>
+              <a:rPr lang="en-US" dirty="0" smtClean="0"/>
+              <a:t>Certain patterns</a:t>
+            </a:r>
+          </a:p>
+          <a:p>
+            <a:pPr marL="285750" indent="-285750">
+              <a:buFont typeface="Arial" charset="0"/>
+              <a:buChar char="•"/>
+            </a:pPr>
+            <a:r>
+              <a:rPr lang="en-US" dirty="0" smtClean="0"/>
+              <a:t>Specific symbols</a:t>
+            </a:r>
+          </a:p>
+          <a:p>
             <a:endParaRPr lang="en-US" dirty="0"/>
+          </a:p>
+        </p:txBody>
+      </p:sp>
+      <p:sp>
+        <p:nvSpPr>
+          <p:cNvPr id="11" name="TextBox 10"/>
+          <p:cNvSpPr txBox="1"/>
+          <p:nvPr/>
+        </p:nvSpPr>
+        <p:spPr>
+          <a:xfrm>
+            <a:off x="1097279" y="3519565"/>
+            <a:ext cx="10058402" cy="369332"/>
+          </a:xfrm>
+          <a:prstGeom prst="rect">
+            <a:avLst/>
+          </a:prstGeom>
+          <a:noFill/>
+          <a:ln>
+            <a:noFill/>
+          </a:ln>
+        </p:spPr>
+        <p:txBody>
+          <a:bodyPr wrap="square" rtlCol="0">
+            <a:spAutoFit/>
+          </a:bodyPr>
+          <a:lstStyle/>
+          <a:p>
+            <a:r>
+              <a:rPr lang="en-US" dirty="0" smtClean="0"/>
+              <a:t>Feature could be:</a:t>
+            </a:r>
           </a:p>
         </p:txBody>
       </p:sp>
     </p:spTree>
     <p:extLst>
       <p:ext uri="{BB962C8B-B14F-4D97-AF65-F5344CB8AC3E}">
-        <p14:creationId xmlns:p14="http://schemas.microsoft.com/office/powerpoint/2010/main" val="1824086218"/>
+        <p14:creationId xmlns:p14="http://schemas.microsoft.com/office/powerpoint/2010/main" val="1995843097"/>
       </p:ext>
     </p:extLst>
   </p:cSld>
@@ -15079,15 +16218,7 @@
           <a:p>
             <a:r>
               <a:rPr lang="en-US" dirty="0" smtClean="0"/>
-              <a:t>Evaluation </a:t>
-            </a:r>
-            <a:r>
-              <a:rPr lang="mr-IN" dirty="0" smtClean="0"/>
-              <a:t>–</a:t>
-            </a:r>
-            <a:r>
-              <a:rPr lang="en-US" dirty="0" smtClean="0"/>
-              <a:t> Confusion Matrix</a:t>
+              <a:t>Preprocessing</a:t>
             </a:r>
             <a:endParaRPr lang="en-US" dirty="0"/>
           </a:p>
@@ -15095,27 +16226,213 @@
       </p:sp>
       <p:sp>
         <p:nvSpPr>
-          <p:cNvPr id="3" name="Content Placeholder 2"/>
-          <p:cNvSpPr>
-            <a:spLocks noGrp="1"/>
-          </p:cNvSpPr>
-          <p:nvPr>
-            <p:ph idx="1"/>
-          </p:nvPr>
+          <p:cNvPr id="10" name="Rectangle 9"/>
+          <p:cNvSpPr/>
+          <p:nvPr/>
         </p:nvSpPr>
-        <p:spPr/>
+        <p:spPr>
+          <a:xfrm>
+            <a:off x="3325784" y="1977388"/>
+            <a:ext cx="5601392" cy="923330"/>
+          </a:xfrm>
+          <a:prstGeom prst="rect">
+            <a:avLst/>
+          </a:prstGeom>
+        </p:spPr>
+        <p:style>
+          <a:lnRef idx="2">
+            <a:schemeClr val="accent1"/>
+          </a:lnRef>
+          <a:fillRef idx="1">
+            <a:schemeClr val="lt1"/>
+          </a:fillRef>
+          <a:effectRef idx="0">
+            <a:schemeClr val="accent1"/>
+          </a:effectRef>
+          <a:fontRef idx="minor">
+            <a:schemeClr val="dk1"/>
+          </a:fontRef>
+        </p:style>
         <p:txBody>
-          <a:bodyPr/>
+          <a:bodyPr wrap="square">
+            <a:spAutoFit/>
+          </a:bodyPr>
           <a:lstStyle/>
           <a:p>
+            <a:r>
+              <a:rPr lang="en-US" dirty="0" smtClean="0"/>
+              <a:t>There </a:t>
+            </a:r>
+            <a:r>
+              <a:rPr lang="en-US" dirty="0"/>
+              <a:t>are two fundamental truths in this world: Paul Ryan desperately wants to be president. And Paul Ryan will never be president. Today proved it.</a:t>
+            </a:r>
+          </a:p>
+        </p:txBody>
+      </p:sp>
+      <p:sp>
+        <p:nvSpPr>
+          <p:cNvPr id="4" name="TextBox 3"/>
+          <p:cNvSpPr txBox="1"/>
+          <p:nvPr/>
+        </p:nvSpPr>
+        <p:spPr>
+          <a:xfrm>
+            <a:off x="1097280" y="3140746"/>
+            <a:ext cx="2943092" cy="2308324"/>
+          </a:xfrm>
+          <a:prstGeom prst="rect">
+            <a:avLst/>
+          </a:prstGeom>
+        </p:spPr>
+        <p:style>
+          <a:lnRef idx="2">
+            <a:schemeClr val="accent1"/>
+          </a:lnRef>
+          <a:fillRef idx="1">
+            <a:schemeClr val="lt1"/>
+          </a:fillRef>
+          <a:effectRef idx="0">
+            <a:schemeClr val="accent1"/>
+          </a:effectRef>
+          <a:fontRef idx="minor">
+            <a:schemeClr val="dk1"/>
+          </a:fontRef>
+        </p:style>
+        <p:txBody>
+          <a:bodyPr wrap="square" rtlCol="0">
+            <a:spAutoFit/>
+          </a:bodyPr>
+          <a:lstStyle/>
+          <a:p>
+            <a:r>
+              <a:rPr lang="en-US" dirty="0" smtClean="0"/>
+              <a:t>Stop words extraction:</a:t>
+            </a:r>
+          </a:p>
+          <a:p>
+            <a:r>
+              <a:rPr lang="en-US" dirty="0"/>
+              <a:t>the words that are frequent in our natural language but usually doesn’t have additional information, such as words like a, on, this, the, is, etc.</a:t>
+            </a:r>
+          </a:p>
+          <a:p>
+            <a:endParaRPr lang="en-US" dirty="0"/>
+          </a:p>
+        </p:txBody>
+      </p:sp>
+      <p:sp>
+        <p:nvSpPr>
+          <p:cNvPr id="11" name="TextBox 10"/>
+          <p:cNvSpPr txBox="1"/>
+          <p:nvPr/>
+        </p:nvSpPr>
+        <p:spPr>
+          <a:xfrm>
+            <a:off x="4762886" y="3140746"/>
+            <a:ext cx="2727187" cy="2585323"/>
+          </a:xfrm>
+          <a:prstGeom prst="rect">
+            <a:avLst/>
+          </a:prstGeom>
+        </p:spPr>
+        <p:style>
+          <a:lnRef idx="2">
+            <a:schemeClr val="accent1"/>
+          </a:lnRef>
+          <a:fillRef idx="1">
+            <a:schemeClr val="lt1"/>
+          </a:fillRef>
+          <a:effectRef idx="0">
+            <a:schemeClr val="accent1"/>
+          </a:effectRef>
+          <a:fontRef idx="minor">
+            <a:schemeClr val="dk1"/>
+          </a:fontRef>
+        </p:style>
+        <p:txBody>
+          <a:bodyPr wrap="square" rtlCol="0">
+            <a:spAutoFit/>
+          </a:bodyPr>
+          <a:lstStyle/>
+          <a:p>
+            <a:r>
+              <a:rPr lang="en-US" dirty="0" smtClean="0"/>
+              <a:t>Tokenization:</a:t>
+            </a:r>
+          </a:p>
+          <a:p>
+            <a:r>
+              <a:rPr lang="en-US" dirty="0"/>
+              <a:t>document will be tokenized into a list of words, with all the punctuation being taken away, all words are lower cased.</a:t>
+            </a:r>
+          </a:p>
+          <a:p>
             <a:endParaRPr lang="en-US" dirty="0" smtClean="0"/>
+          </a:p>
+          <a:p>
+            <a:endParaRPr lang="en-US" dirty="0"/>
+          </a:p>
+        </p:txBody>
+      </p:sp>
+      <p:sp>
+        <p:nvSpPr>
+          <p:cNvPr id="12" name="TextBox 11"/>
+          <p:cNvSpPr txBox="1"/>
+          <p:nvPr/>
+        </p:nvSpPr>
+        <p:spPr>
+          <a:xfrm>
+            <a:off x="8131924" y="3186912"/>
+            <a:ext cx="3023755" cy="2585323"/>
+          </a:xfrm>
+          <a:prstGeom prst="rect">
+            <a:avLst/>
+          </a:prstGeom>
+        </p:spPr>
+        <p:style>
+          <a:lnRef idx="2">
+            <a:schemeClr val="accent1"/>
+          </a:lnRef>
+          <a:fillRef idx="1">
+            <a:schemeClr val="lt1"/>
+          </a:fillRef>
+          <a:effectRef idx="0">
+            <a:schemeClr val="accent1"/>
+          </a:effectRef>
+          <a:fontRef idx="minor">
+            <a:schemeClr val="dk1"/>
+          </a:fontRef>
+        </p:style>
+        <p:txBody>
+          <a:bodyPr wrap="square" rtlCol="0">
+            <a:spAutoFit/>
+          </a:bodyPr>
+          <a:lstStyle/>
+          <a:p>
+            <a:r>
+              <a:rPr lang="en-US" dirty="0" smtClean="0"/>
+              <a:t>Stemming:</a:t>
+            </a:r>
+          </a:p>
+          <a:p>
+            <a:endParaRPr lang="en-US" dirty="0" smtClean="0"/>
+          </a:p>
+          <a:p>
+            <a:r>
+              <a:rPr lang="en-US" dirty="0"/>
+              <a:t>words that has the same roots are assigned to a same root word. For example: attack, attacking and attacked will be categorized as the same root word: attack. </a:t>
+            </a:r>
+          </a:p>
+          <a:p>
+            <a:endParaRPr lang="en-US" dirty="0"/>
           </a:p>
         </p:txBody>
       </p:sp>
     </p:spTree>
     <p:extLst>
       <p:ext uri="{BB962C8B-B14F-4D97-AF65-F5344CB8AC3E}">
-        <p14:creationId xmlns:p14="http://schemas.microsoft.com/office/powerpoint/2010/main" val="355585455"/>
+        <p14:creationId xmlns:p14="http://schemas.microsoft.com/office/powerpoint/2010/main" val="1923258264"/>
       </p:ext>
     </p:extLst>
   </p:cSld>
@@ -15159,35 +16476,612 @@
           <a:p>
             <a:r>
               <a:rPr lang="en-US" dirty="0" smtClean="0"/>
-              <a:t>Division of Work</a:t>
+              <a:t>Working on the matrix!</a:t>
             </a:r>
             <a:endParaRPr lang="en-US" dirty="0"/>
           </a:p>
         </p:txBody>
       </p:sp>
+      <p:graphicFrame>
+        <p:nvGraphicFramePr>
+          <p:cNvPr id="8" name="Table 7"/>
+          <p:cNvGraphicFramePr>
+            <a:graphicFrameLocks noGrp="1"/>
+          </p:cNvGraphicFramePr>
+          <p:nvPr>
+            <p:extLst>
+              <p:ext uri="{D42A27DB-BD31-4B8C-83A1-F6EECF244321}">
+                <p14:modId xmlns:p14="http://schemas.microsoft.com/office/powerpoint/2010/main" val="2099379237"/>
+              </p:ext>
+            </p:extLst>
+          </p:nvPr>
+        </p:nvGraphicFramePr>
+        <p:xfrm>
+          <a:off x="5486398" y="2171700"/>
+          <a:ext cx="4926695" cy="2465616"/>
+        </p:xfrm>
+        <a:graphic>
+          <a:graphicData uri="http://schemas.openxmlformats.org/drawingml/2006/table">
+            <a:tbl>
+              <a:tblPr>
+                <a:tableStyleId>{5C22544A-7EE6-4342-B048-85BDC9FD1C3A}</a:tableStyleId>
+              </a:tblPr>
+              <a:tblGrid>
+                <a:gridCol w="985339"/>
+                <a:gridCol w="985339"/>
+                <a:gridCol w="985339"/>
+                <a:gridCol w="985339"/>
+                <a:gridCol w="985339"/>
+              </a:tblGrid>
+              <a:tr h="616404">
+                <a:tc>
+                  <a:txBody>
+                    <a:bodyPr/>
+                    <a:lstStyle/>
+                    <a:p>
+                      <a:pPr algn="ctr" fontAlgn="b"/>
+                      <a:r>
+                        <a:rPr lang="mr-IN" sz="1200" u="none" strike="noStrike">
+                          <a:effectLst/>
+                        </a:rPr>
+                        <a:t>f(w1, d1)</a:t>
+                      </a:r>
+                      <a:endParaRPr lang="mr-IN" sz="1200" b="0" i="0" u="none" strike="noStrike">
+                        <a:solidFill>
+                          <a:srgbClr val="000000"/>
+                        </a:solidFill>
+                        <a:effectLst/>
+                        <a:latin typeface="Calibri" charset="0"/>
+                      </a:endParaRPr>
+                    </a:p>
+                  </a:txBody>
+                  <a:tcPr marL="6350" marR="6350" marT="6350" marB="0" anchor="b"/>
+                </a:tc>
+                <a:tc>
+                  <a:txBody>
+                    <a:bodyPr/>
+                    <a:lstStyle/>
+                    <a:p>
+                      <a:pPr algn="ctr" fontAlgn="b"/>
+                      <a:r>
+                        <a:rPr lang="mr-IN" sz="1200" u="none" strike="noStrike">
+                          <a:effectLst/>
+                        </a:rPr>
+                        <a:t>f(w2, d1)</a:t>
+                      </a:r>
+                      <a:endParaRPr lang="mr-IN" sz="1200" b="0" i="0" u="none" strike="noStrike">
+                        <a:solidFill>
+                          <a:srgbClr val="000000"/>
+                        </a:solidFill>
+                        <a:effectLst/>
+                        <a:latin typeface="Calibri" charset="0"/>
+                      </a:endParaRPr>
+                    </a:p>
+                  </a:txBody>
+                  <a:tcPr marL="6350" marR="6350" marT="6350" marB="0" anchor="b"/>
+                </a:tc>
+                <a:tc>
+                  <a:txBody>
+                    <a:bodyPr/>
+                    <a:lstStyle/>
+                    <a:p>
+                      <a:pPr algn="ctr" fontAlgn="b"/>
+                      <a:r>
+                        <a:rPr lang="mr-IN" sz="1200" u="none" strike="noStrike">
+                          <a:effectLst/>
+                        </a:rPr>
+                        <a:t>f(w3, d1)</a:t>
+                      </a:r>
+                      <a:endParaRPr lang="mr-IN" sz="1200" b="0" i="0" u="none" strike="noStrike">
+                        <a:solidFill>
+                          <a:srgbClr val="000000"/>
+                        </a:solidFill>
+                        <a:effectLst/>
+                        <a:latin typeface="Calibri" charset="0"/>
+                      </a:endParaRPr>
+                    </a:p>
+                  </a:txBody>
+                  <a:tcPr marL="6350" marR="6350" marT="6350" marB="0" anchor="b"/>
+                </a:tc>
+                <a:tc>
+                  <a:txBody>
+                    <a:bodyPr/>
+                    <a:lstStyle/>
+                    <a:p>
+                      <a:pPr algn="ctr" fontAlgn="b"/>
+                      <a:r>
+                        <a:rPr lang="mr-IN" sz="1200" u="none" strike="noStrike">
+                          <a:effectLst/>
+                        </a:rPr>
+                        <a:t>…</a:t>
+                      </a:r>
+                      <a:endParaRPr lang="mr-IN" sz="1200" b="0" i="0" u="none" strike="noStrike">
+                        <a:solidFill>
+                          <a:srgbClr val="000000"/>
+                        </a:solidFill>
+                        <a:effectLst/>
+                        <a:latin typeface="Calibri" charset="0"/>
+                      </a:endParaRPr>
+                    </a:p>
+                  </a:txBody>
+                  <a:tcPr marL="6350" marR="6350" marT="6350" marB="0" anchor="b"/>
+                </a:tc>
+                <a:tc>
+                  <a:txBody>
+                    <a:bodyPr/>
+                    <a:lstStyle/>
+                    <a:p>
+                      <a:pPr algn="ctr" fontAlgn="b"/>
+                      <a:r>
+                        <a:rPr lang="en-US" sz="1200" u="none" strike="noStrike">
+                          <a:effectLst/>
+                        </a:rPr>
+                        <a:t>f(wn, d1)</a:t>
+                      </a:r>
+                      <a:endParaRPr lang="en-US" sz="1200" b="0" i="0" u="none" strike="noStrike">
+                        <a:solidFill>
+                          <a:srgbClr val="000000"/>
+                        </a:solidFill>
+                        <a:effectLst/>
+                        <a:latin typeface="Calibri" charset="0"/>
+                      </a:endParaRPr>
+                    </a:p>
+                  </a:txBody>
+                  <a:tcPr marL="6350" marR="6350" marT="6350" marB="0" anchor="b"/>
+                </a:tc>
+              </a:tr>
+              <a:tr h="616404">
+                <a:tc>
+                  <a:txBody>
+                    <a:bodyPr/>
+                    <a:lstStyle/>
+                    <a:p>
+                      <a:pPr algn="ctr" fontAlgn="b"/>
+                      <a:r>
+                        <a:rPr lang="mr-IN" sz="1200" u="none" strike="noStrike">
+                          <a:effectLst/>
+                        </a:rPr>
+                        <a:t>f(w1, d2)</a:t>
+                      </a:r>
+                      <a:endParaRPr lang="mr-IN" sz="1200" b="0" i="0" u="none" strike="noStrike">
+                        <a:solidFill>
+                          <a:srgbClr val="000000"/>
+                        </a:solidFill>
+                        <a:effectLst/>
+                        <a:latin typeface="Calibri" charset="0"/>
+                      </a:endParaRPr>
+                    </a:p>
+                  </a:txBody>
+                  <a:tcPr marL="6350" marR="6350" marT="6350" marB="0" anchor="b"/>
+                </a:tc>
+                <a:tc>
+                  <a:txBody>
+                    <a:bodyPr/>
+                    <a:lstStyle/>
+                    <a:p>
+                      <a:pPr algn="ctr" fontAlgn="b"/>
+                      <a:r>
+                        <a:rPr lang="mr-IN" sz="1200" u="none" strike="noStrike">
+                          <a:effectLst/>
+                        </a:rPr>
+                        <a:t>…</a:t>
+                      </a:r>
+                      <a:endParaRPr lang="mr-IN" sz="1200" b="0" i="0" u="none" strike="noStrike">
+                        <a:solidFill>
+                          <a:srgbClr val="000000"/>
+                        </a:solidFill>
+                        <a:effectLst/>
+                        <a:latin typeface="Calibri" charset="0"/>
+                      </a:endParaRPr>
+                    </a:p>
+                  </a:txBody>
+                  <a:tcPr marL="6350" marR="6350" marT="6350" marB="0" anchor="b"/>
+                </a:tc>
+                <a:tc>
+                  <a:txBody>
+                    <a:bodyPr/>
+                    <a:lstStyle/>
+                    <a:p>
+                      <a:pPr algn="ctr" fontAlgn="b"/>
+                      <a:r>
+                        <a:rPr lang="mr-IN" sz="1200" u="none" strike="noStrike" dirty="0">
+                          <a:effectLst/>
+                        </a:rPr>
+                        <a:t>…</a:t>
+                      </a:r>
+                      <a:endParaRPr lang="mr-IN" sz="1200" b="0" i="0" u="none" strike="noStrike" dirty="0">
+                        <a:solidFill>
+                          <a:srgbClr val="000000"/>
+                        </a:solidFill>
+                        <a:effectLst/>
+                        <a:latin typeface="Calibri" charset="0"/>
+                      </a:endParaRPr>
+                    </a:p>
+                  </a:txBody>
+                  <a:tcPr marL="6350" marR="6350" marT="6350" marB="0" anchor="b"/>
+                </a:tc>
+                <a:tc>
+                  <a:txBody>
+                    <a:bodyPr/>
+                    <a:lstStyle/>
+                    <a:p>
+                      <a:pPr algn="ctr" fontAlgn="b"/>
+                      <a:r>
+                        <a:rPr lang="mr-IN" sz="1200" u="none" strike="noStrike">
+                          <a:effectLst/>
+                        </a:rPr>
+                        <a:t>…</a:t>
+                      </a:r>
+                      <a:endParaRPr lang="mr-IN" sz="1200" b="0" i="0" u="none" strike="noStrike">
+                        <a:solidFill>
+                          <a:srgbClr val="000000"/>
+                        </a:solidFill>
+                        <a:effectLst/>
+                        <a:latin typeface="Calibri" charset="0"/>
+                      </a:endParaRPr>
+                    </a:p>
+                  </a:txBody>
+                  <a:tcPr marL="6350" marR="6350" marT="6350" marB="0" anchor="b"/>
+                </a:tc>
+                <a:tc>
+                  <a:txBody>
+                    <a:bodyPr/>
+                    <a:lstStyle/>
+                    <a:p>
+                      <a:pPr algn="ctr" fontAlgn="b"/>
+                      <a:r>
+                        <a:rPr lang="mr-IN" sz="1200" u="none" strike="noStrike">
+                          <a:effectLst/>
+                        </a:rPr>
+                        <a:t>…</a:t>
+                      </a:r>
+                      <a:endParaRPr lang="mr-IN" sz="1200" b="0" i="0" u="none" strike="noStrike">
+                        <a:solidFill>
+                          <a:srgbClr val="000000"/>
+                        </a:solidFill>
+                        <a:effectLst/>
+                        <a:latin typeface="Calibri" charset="0"/>
+                      </a:endParaRPr>
+                    </a:p>
+                  </a:txBody>
+                  <a:tcPr marL="6350" marR="6350" marT="6350" marB="0" anchor="b"/>
+                </a:tc>
+              </a:tr>
+              <a:tr h="616404">
+                <a:tc>
+                  <a:txBody>
+                    <a:bodyPr/>
+                    <a:lstStyle/>
+                    <a:p>
+                      <a:pPr algn="ctr" fontAlgn="b"/>
+                      <a:r>
+                        <a:rPr lang="mr-IN" sz="1200" u="none" strike="noStrike">
+                          <a:effectLst/>
+                        </a:rPr>
+                        <a:t>…</a:t>
+                      </a:r>
+                      <a:endParaRPr lang="mr-IN" sz="1200" b="0" i="0" u="none" strike="noStrike">
+                        <a:solidFill>
+                          <a:srgbClr val="000000"/>
+                        </a:solidFill>
+                        <a:effectLst/>
+                        <a:latin typeface="Calibri" charset="0"/>
+                      </a:endParaRPr>
+                    </a:p>
+                  </a:txBody>
+                  <a:tcPr marL="6350" marR="6350" marT="6350" marB="0" anchor="b"/>
+                </a:tc>
+                <a:tc>
+                  <a:txBody>
+                    <a:bodyPr/>
+                    <a:lstStyle/>
+                    <a:p>
+                      <a:pPr algn="ctr" fontAlgn="b"/>
+                      <a:r>
+                        <a:rPr lang="mr-IN" sz="1200" u="none" strike="noStrike">
+                          <a:effectLst/>
+                        </a:rPr>
+                        <a:t>…</a:t>
+                      </a:r>
+                      <a:endParaRPr lang="mr-IN" sz="1200" b="0" i="0" u="none" strike="noStrike">
+                        <a:solidFill>
+                          <a:srgbClr val="000000"/>
+                        </a:solidFill>
+                        <a:effectLst/>
+                        <a:latin typeface="Calibri" charset="0"/>
+                      </a:endParaRPr>
+                    </a:p>
+                  </a:txBody>
+                  <a:tcPr marL="6350" marR="6350" marT="6350" marB="0" anchor="b"/>
+                </a:tc>
+                <a:tc>
+                  <a:txBody>
+                    <a:bodyPr/>
+                    <a:lstStyle/>
+                    <a:p>
+                      <a:pPr algn="ctr" fontAlgn="b"/>
+                      <a:r>
+                        <a:rPr lang="mr-IN" sz="1200" u="none" strike="noStrike">
+                          <a:effectLst/>
+                        </a:rPr>
+                        <a:t>…</a:t>
+                      </a:r>
+                      <a:endParaRPr lang="mr-IN" sz="1200" b="0" i="0" u="none" strike="noStrike">
+                        <a:solidFill>
+                          <a:srgbClr val="000000"/>
+                        </a:solidFill>
+                        <a:effectLst/>
+                        <a:latin typeface="Calibri" charset="0"/>
+                      </a:endParaRPr>
+                    </a:p>
+                  </a:txBody>
+                  <a:tcPr marL="6350" marR="6350" marT="6350" marB="0" anchor="b"/>
+                </a:tc>
+                <a:tc>
+                  <a:txBody>
+                    <a:bodyPr/>
+                    <a:lstStyle/>
+                    <a:p>
+                      <a:pPr algn="ctr" fontAlgn="b"/>
+                      <a:r>
+                        <a:rPr lang="mr-IN" sz="1200" u="none" strike="noStrike">
+                          <a:effectLst/>
+                        </a:rPr>
+                        <a:t>…</a:t>
+                      </a:r>
+                      <a:endParaRPr lang="mr-IN" sz="1200" b="0" i="0" u="none" strike="noStrike">
+                        <a:solidFill>
+                          <a:srgbClr val="000000"/>
+                        </a:solidFill>
+                        <a:effectLst/>
+                        <a:latin typeface="Calibri" charset="0"/>
+                      </a:endParaRPr>
+                    </a:p>
+                  </a:txBody>
+                  <a:tcPr marL="6350" marR="6350" marT="6350" marB="0" anchor="b"/>
+                </a:tc>
+                <a:tc>
+                  <a:txBody>
+                    <a:bodyPr/>
+                    <a:lstStyle/>
+                    <a:p>
+                      <a:pPr algn="ctr" fontAlgn="b"/>
+                      <a:r>
+                        <a:rPr lang="mr-IN" sz="1200" u="none" strike="noStrike">
+                          <a:effectLst/>
+                        </a:rPr>
+                        <a:t>…</a:t>
+                      </a:r>
+                      <a:endParaRPr lang="mr-IN" sz="1200" b="0" i="0" u="none" strike="noStrike">
+                        <a:solidFill>
+                          <a:srgbClr val="000000"/>
+                        </a:solidFill>
+                        <a:effectLst/>
+                        <a:latin typeface="Calibri" charset="0"/>
+                      </a:endParaRPr>
+                    </a:p>
+                  </a:txBody>
+                  <a:tcPr marL="6350" marR="6350" marT="6350" marB="0" anchor="b"/>
+                </a:tc>
+              </a:tr>
+              <a:tr h="616404">
+                <a:tc>
+                  <a:txBody>
+                    <a:bodyPr/>
+                    <a:lstStyle/>
+                    <a:p>
+                      <a:pPr algn="ctr" fontAlgn="b"/>
+                      <a:r>
+                        <a:rPr lang="mr-IN" sz="1200" u="none" strike="noStrike">
+                          <a:effectLst/>
+                        </a:rPr>
+                        <a:t>f(w1, dm)</a:t>
+                      </a:r>
+                      <a:endParaRPr lang="mr-IN" sz="1200" b="0" i="0" u="none" strike="noStrike">
+                        <a:solidFill>
+                          <a:srgbClr val="000000"/>
+                        </a:solidFill>
+                        <a:effectLst/>
+                        <a:latin typeface="Calibri" charset="0"/>
+                      </a:endParaRPr>
+                    </a:p>
+                  </a:txBody>
+                  <a:tcPr marL="6350" marR="6350" marT="6350" marB="0" anchor="b"/>
+                </a:tc>
+                <a:tc>
+                  <a:txBody>
+                    <a:bodyPr/>
+                    <a:lstStyle/>
+                    <a:p>
+                      <a:pPr algn="ctr" fontAlgn="b"/>
+                      <a:r>
+                        <a:rPr lang="mr-IN" sz="1200" u="none" strike="noStrike">
+                          <a:effectLst/>
+                        </a:rPr>
+                        <a:t>…</a:t>
+                      </a:r>
+                      <a:endParaRPr lang="mr-IN" sz="1200" b="0" i="0" u="none" strike="noStrike">
+                        <a:solidFill>
+                          <a:srgbClr val="000000"/>
+                        </a:solidFill>
+                        <a:effectLst/>
+                        <a:latin typeface="Calibri" charset="0"/>
+                      </a:endParaRPr>
+                    </a:p>
+                  </a:txBody>
+                  <a:tcPr marL="6350" marR="6350" marT="6350" marB="0" anchor="b"/>
+                </a:tc>
+                <a:tc>
+                  <a:txBody>
+                    <a:bodyPr/>
+                    <a:lstStyle/>
+                    <a:p>
+                      <a:pPr algn="ctr" fontAlgn="b"/>
+                      <a:r>
+                        <a:rPr lang="mr-IN" sz="1200" u="none" strike="noStrike">
+                          <a:effectLst/>
+                        </a:rPr>
+                        <a:t>…</a:t>
+                      </a:r>
+                      <a:endParaRPr lang="mr-IN" sz="1200" b="0" i="0" u="none" strike="noStrike">
+                        <a:solidFill>
+                          <a:srgbClr val="000000"/>
+                        </a:solidFill>
+                        <a:effectLst/>
+                        <a:latin typeface="Calibri" charset="0"/>
+                      </a:endParaRPr>
+                    </a:p>
+                  </a:txBody>
+                  <a:tcPr marL="6350" marR="6350" marT="6350" marB="0" anchor="b"/>
+                </a:tc>
+                <a:tc>
+                  <a:txBody>
+                    <a:bodyPr/>
+                    <a:lstStyle/>
+                    <a:p>
+                      <a:pPr algn="ctr" fontAlgn="b"/>
+                      <a:r>
+                        <a:rPr lang="mr-IN" sz="1200" u="none" strike="noStrike">
+                          <a:effectLst/>
+                        </a:rPr>
+                        <a:t>…</a:t>
+                      </a:r>
+                      <a:endParaRPr lang="mr-IN" sz="1200" b="0" i="0" u="none" strike="noStrike">
+                        <a:solidFill>
+                          <a:srgbClr val="000000"/>
+                        </a:solidFill>
+                        <a:effectLst/>
+                        <a:latin typeface="Calibri" charset="0"/>
+                      </a:endParaRPr>
+                    </a:p>
+                  </a:txBody>
+                  <a:tcPr marL="6350" marR="6350" marT="6350" marB="0" anchor="b"/>
+                </a:tc>
+                <a:tc>
+                  <a:txBody>
+                    <a:bodyPr/>
+                    <a:lstStyle/>
+                    <a:p>
+                      <a:pPr algn="ctr" fontAlgn="b"/>
+                      <a:r>
+                        <a:rPr lang="mr-IN" sz="1200" u="none" strike="noStrike" dirty="0" err="1">
+                          <a:effectLst/>
+                        </a:rPr>
+                        <a:t>f</a:t>
+                      </a:r>
+                      <a:r>
+                        <a:rPr lang="mr-IN" sz="1200" u="none" strike="noStrike" dirty="0">
+                          <a:effectLst/>
+                        </a:rPr>
+                        <a:t>(</a:t>
+                      </a:r>
+                      <a:r>
+                        <a:rPr lang="mr-IN" sz="1200" u="none" strike="noStrike" dirty="0" err="1">
+                          <a:effectLst/>
+                        </a:rPr>
+                        <a:t>wn</a:t>
+                      </a:r>
+                      <a:r>
+                        <a:rPr lang="mr-IN" sz="1200" u="none" strike="noStrike" dirty="0">
+                          <a:effectLst/>
+                        </a:rPr>
+                        <a:t>, </a:t>
+                      </a:r>
+                      <a:r>
+                        <a:rPr lang="mr-IN" sz="1200" u="none" strike="noStrike" dirty="0" err="1">
+                          <a:effectLst/>
+                        </a:rPr>
+                        <a:t>dm</a:t>
+                      </a:r>
+                      <a:r>
+                        <a:rPr lang="mr-IN" sz="1200" u="none" strike="noStrike" dirty="0">
+                          <a:effectLst/>
+                        </a:rPr>
+                        <a:t>)</a:t>
+                      </a:r>
+                      <a:endParaRPr lang="mr-IN" sz="1200" b="0" i="0" u="none" strike="noStrike" dirty="0">
+                        <a:solidFill>
+                          <a:srgbClr val="000000"/>
+                        </a:solidFill>
+                        <a:effectLst/>
+                        <a:latin typeface="Calibri" charset="0"/>
+                      </a:endParaRPr>
+                    </a:p>
+                  </a:txBody>
+                  <a:tcPr marL="6350" marR="6350" marT="6350" marB="0" anchor="b"/>
+                </a:tc>
+              </a:tr>
+            </a:tbl>
+          </a:graphicData>
+        </a:graphic>
+      </p:graphicFrame>
       <p:sp>
         <p:nvSpPr>
-          <p:cNvPr id="3" name="Content Placeholder 2"/>
-          <p:cNvSpPr>
-            <a:spLocks noGrp="1"/>
-          </p:cNvSpPr>
-          <p:nvPr>
-            <p:ph idx="1"/>
-          </p:nvPr>
+          <p:cNvPr id="9" name="TextBox 8"/>
+          <p:cNvSpPr txBox="1"/>
+          <p:nvPr/>
         </p:nvSpPr>
-        <p:spPr/>
+        <p:spPr>
+          <a:xfrm>
+            <a:off x="1097280" y="2171700"/>
+            <a:ext cx="2952206" cy="2031325"/>
+          </a:xfrm>
+          <a:prstGeom prst="rect">
+            <a:avLst/>
+          </a:prstGeom>
+          <a:noFill/>
+        </p:spPr>
         <p:txBody>
-          <a:bodyPr/>
+          <a:bodyPr wrap="square" rtlCol="0">
+            <a:spAutoFit/>
+          </a:bodyPr>
           <a:lstStyle/>
           <a:p>
-            <a:endParaRPr lang="en-US"/>
+            <a:r>
+              <a:rPr lang="en-US" dirty="0" smtClean="0"/>
+              <a:t>Construct a matrix with:</a:t>
+            </a:r>
+          </a:p>
+          <a:p>
+            <a:endParaRPr lang="en-US" dirty="0"/>
+          </a:p>
+          <a:p>
+            <a:pPr marL="285750" indent="-285750">
+              <a:buFont typeface="Arial" charset="0"/>
+              <a:buChar char="•"/>
+            </a:pPr>
+            <a:r>
+              <a:rPr lang="en-US" dirty="0" err="1" smtClean="0"/>
+              <a:t>Num</a:t>
+            </a:r>
+            <a:r>
+              <a:rPr lang="en-US" dirty="0" smtClean="0"/>
+              <a:t> of document rows</a:t>
+            </a:r>
+            <a:endParaRPr lang="en-US" dirty="0"/>
+          </a:p>
+          <a:p>
+            <a:pPr marL="285750" indent="-285750">
+              <a:buFont typeface="Arial" charset="0"/>
+              <a:buChar char="•"/>
+            </a:pPr>
+            <a:r>
+              <a:rPr lang="en-US" dirty="0" smtClean="0"/>
+              <a:t>Length of vocabulary columns</a:t>
+            </a:r>
+          </a:p>
+          <a:p>
+            <a:endParaRPr lang="en-US" dirty="0"/>
+          </a:p>
+          <a:p>
+            <a:endParaRPr lang="en-US" dirty="0"/>
           </a:p>
         </p:txBody>
       </p:sp>
     </p:spTree>
     <p:extLst>
       <p:ext uri="{BB962C8B-B14F-4D97-AF65-F5344CB8AC3E}">
-        <p14:creationId xmlns:p14="http://schemas.microsoft.com/office/powerpoint/2010/main" val="1988511273"/>
+        <p14:creationId xmlns:p14="http://schemas.microsoft.com/office/powerpoint/2010/main" val="1007347461"/>
       </p:ext>
     </p:extLst>
   </p:cSld>

--- a/presentations/FakeNews_Final.pptx
+++ b/presentations/FakeNews_Final.pptx
@@ -6550,7 +6550,7 @@
   </dgm:layoutNode>
   <dgm:extLst>
     <a:ext uri="{4F341089-5ED1-44EC-B178-C955D00A3D55}">
-      <dgm1611:autoBuNodeInfoLst xmlns="" xmlns:dgm1611="http://schemas.microsoft.com/office/drawing/2016/11/diagram">
+      <dgm1611:autoBuNodeInfoLst xmlns:dgm1611="http://schemas.microsoft.com/office/drawing/2016/11/diagram" xmlns="">
         <dgm1611:autoBuNodeInfo lvl="1" ptType="sibTrans">
           <dgm1611:buPr prefix="" leadZeros="1">
             <a:buAutoNum type="arabicParenBoth"/>
@@ -14612,25 +14612,182 @@
           </a:p>
         </p:txBody>
       </p:sp>
-      <p:sp>
-        <p:nvSpPr>
-          <p:cNvPr id="3" name="Content Placeholder 2"/>
-          <p:cNvSpPr>
-            <a:spLocks noGrp="1"/>
-          </p:cNvSpPr>
+      <p:graphicFrame>
+        <p:nvGraphicFramePr>
+          <p:cNvPr id="4" name="Content Placeholder 3"/>
+          <p:cNvGraphicFramePr>
+            <a:graphicFrameLocks noGrp="1"/>
+          </p:cNvGraphicFramePr>
           <p:nvPr>
             <p:ph idx="1"/>
+            <p:extLst>
+              <p:ext uri="{D42A27DB-BD31-4B8C-83A1-F6EECF244321}">
+                <p14:modId xmlns:p14="http://schemas.microsoft.com/office/powerpoint/2010/main" val="2003727147"/>
+              </p:ext>
+            </p:extLst>
           </p:nvPr>
-        </p:nvSpPr>
-        <p:spPr/>
-        <p:txBody>
-          <a:bodyPr/>
-          <a:lstStyle/>
-          <a:p>
-            <a:endParaRPr lang="en-US" dirty="0"/>
-          </a:p>
-        </p:txBody>
-      </p:sp>
+        </p:nvGraphicFramePr>
+        <p:xfrm>
+          <a:off x="1096963" y="1846263"/>
+          <a:ext cx="10058400" cy="1483360"/>
+        </p:xfrm>
+        <a:graphic>
+          <a:graphicData uri="http://schemas.openxmlformats.org/drawingml/2006/table">
+            <a:tbl>
+              <a:tblPr firstRow="1" bandRow="1">
+                <a:tableStyleId>{5C22544A-7EE6-4342-B048-85BDC9FD1C3A}</a:tableStyleId>
+              </a:tblPr>
+              <a:tblGrid>
+                <a:gridCol w="5029200"/>
+                <a:gridCol w="5029200"/>
+              </a:tblGrid>
+              <a:tr h="370840">
+                <a:tc>
+                  <a:txBody>
+                    <a:bodyPr/>
+                    <a:lstStyle/>
+                    <a:p>
+                      <a:r>
+                        <a:rPr lang="en-US" dirty="0" smtClean="0"/>
+                        <a:t>Model</a:t>
+                      </a:r>
+                      <a:endParaRPr lang="en-US" dirty="0"/>
+                    </a:p>
+                  </a:txBody>
+                  <a:tcPr/>
+                </a:tc>
+                <a:tc>
+                  <a:txBody>
+                    <a:bodyPr/>
+                    <a:lstStyle/>
+                    <a:p>
+                      <a:r>
+                        <a:rPr lang="en-US" dirty="0" smtClean="0"/>
+                        <a:t>Accuracy</a:t>
+                      </a:r>
+                      <a:endParaRPr lang="en-US" dirty="0"/>
+                    </a:p>
+                  </a:txBody>
+                  <a:tcPr/>
+                </a:tc>
+              </a:tr>
+              <a:tr h="370840">
+                <a:tc>
+                  <a:txBody>
+                    <a:bodyPr/>
+                    <a:lstStyle/>
+                    <a:p>
+                      <a:r>
+                        <a:rPr lang="en-US" dirty="0" smtClean="0"/>
+                        <a:t>Naïve Bayes</a:t>
+                      </a:r>
+                      <a:r>
+                        <a:rPr lang="en-US" baseline="0" dirty="0" smtClean="0"/>
+                        <a:t>  (own implementation)</a:t>
+                      </a:r>
+                      <a:endParaRPr lang="en-US" dirty="0"/>
+                    </a:p>
+                  </a:txBody>
+                  <a:tcPr/>
+                </a:tc>
+                <a:tc>
+                  <a:txBody>
+                    <a:bodyPr/>
+                    <a:lstStyle/>
+                    <a:p>
+                      <a:endParaRPr lang="en-US" dirty="0"/>
+                    </a:p>
+                  </a:txBody>
+                  <a:tcPr/>
+                </a:tc>
+              </a:tr>
+              <a:tr h="370840">
+                <a:tc>
+                  <a:txBody>
+                    <a:bodyPr/>
+                    <a:lstStyle/>
+                    <a:p>
+                      <a:r>
+                        <a:rPr lang="en-US" dirty="0" smtClean="0"/>
+                        <a:t>Naïve</a:t>
+                      </a:r>
+                      <a:r>
+                        <a:rPr lang="en-US" baseline="0" dirty="0" smtClean="0"/>
+                        <a:t> Bayes Multiplier  (count vector)</a:t>
+                      </a:r>
+                    </a:p>
+                  </a:txBody>
+                  <a:tcPr/>
+                </a:tc>
+                <a:tc>
+                  <a:txBody>
+                    <a:bodyPr/>
+                    <a:lstStyle/>
+                    <a:p>
+                      <a:r>
+                        <a:rPr lang="nb-NO" dirty="0" smtClean="0"/>
+                        <a:t>0.884</a:t>
+                      </a:r>
+                      <a:endParaRPr lang="en-US" dirty="0"/>
+                    </a:p>
+                  </a:txBody>
+                  <a:tcPr/>
+                </a:tc>
+              </a:tr>
+              <a:tr h="370840">
+                <a:tc>
+                  <a:txBody>
+                    <a:bodyPr/>
+                    <a:lstStyle/>
+                    <a:p>
+                      <a:pPr marL="0" marR="0" indent="0" algn="l" defTabSz="914400" rtl="0" eaLnBrk="1" fontAlgn="auto" latinLnBrk="0" hangingPunct="1">
+                        <a:lnSpc>
+                          <a:spcPct val="100000"/>
+                        </a:lnSpc>
+                        <a:spcBef>
+                          <a:spcPts val="0"/>
+                        </a:spcBef>
+                        <a:spcAft>
+                          <a:spcPts val="0"/>
+                        </a:spcAft>
+                        <a:buClrTx/>
+                        <a:buSzTx/>
+                        <a:buFontTx/>
+                        <a:buNone/>
+                        <a:tabLst/>
+                        <a:defRPr/>
+                      </a:pPr>
+                      <a:r>
+                        <a:rPr lang="en-US" dirty="0" smtClean="0"/>
+                        <a:t>Naïve</a:t>
+                      </a:r>
+                      <a:r>
+                        <a:rPr lang="en-US" baseline="0" dirty="0" smtClean="0"/>
+                        <a:t> Bayes Multiplier (TF-IDF)</a:t>
+                      </a:r>
+                    </a:p>
+                  </a:txBody>
+                  <a:tcPr/>
+                </a:tc>
+                <a:tc>
+                  <a:txBody>
+                    <a:bodyPr/>
+                    <a:lstStyle/>
+                    <a:p>
+                      <a:r>
+                        <a:rPr lang="nb-NO" dirty="0" smtClean="0"/>
+                        <a:t>0.815</a:t>
+                      </a:r>
+                      <a:endParaRPr lang="en-US" dirty="0"/>
+                    </a:p>
+                  </a:txBody>
+                  <a:tcPr/>
+                </a:tc>
+              </a:tr>
+            </a:tbl>
+          </a:graphicData>
+        </a:graphic>
+      </p:graphicFrame>
     </p:spTree>
     <p:extLst>
       <p:ext uri="{BB962C8B-B14F-4D97-AF65-F5344CB8AC3E}">
@@ -14692,22 +14849,122 @@
           </a:p>
         </p:txBody>
       </p:sp>
-      <p:sp>
-        <p:nvSpPr>
-          <p:cNvPr id="3" name="Content Placeholder 2"/>
-          <p:cNvSpPr>
-            <a:spLocks noGrp="1"/>
-          </p:cNvSpPr>
+      <p:pic>
+        <p:nvPicPr>
+          <p:cNvPr id="5" name="Content Placeholder 4"/>
+          <p:cNvPicPr>
+            <a:picLocks noGrp="1" noChangeAspect="1"/>
+          </p:cNvPicPr>
           <p:nvPr>
             <p:ph idx="1"/>
           </p:nvPr>
+        </p:nvPicPr>
+        <p:blipFill>
+          <a:blip r:embed="rId2">
+            <a:extLst>
+              <a:ext uri="{28A0092B-C50C-407E-A947-70E740481C1C}">
+                <a14:useLocalDpi xmlns:a14="http://schemas.microsoft.com/office/drawing/2010/main" val="0"/>
+              </a:ext>
+            </a:extLst>
+          </a:blip>
+          <a:stretch>
+            <a:fillRect/>
+          </a:stretch>
+        </p:blipFill>
+        <p:spPr>
+          <a:xfrm>
+            <a:off x="6697980" y="1973917"/>
+            <a:ext cx="4457700" cy="3848100"/>
+          </a:xfrm>
+        </p:spPr>
+      </p:pic>
+      <p:pic>
+        <p:nvPicPr>
+          <p:cNvPr id="6" name="Picture 5"/>
+          <p:cNvPicPr>
+            <a:picLocks noChangeAspect="1"/>
+          </p:cNvPicPr>
+          <p:nvPr/>
+        </p:nvPicPr>
+        <p:blipFill>
+          <a:blip r:embed="rId3">
+            <a:extLst>
+              <a:ext uri="{28A0092B-C50C-407E-A947-70E740481C1C}">
+                <a14:useLocalDpi xmlns:a14="http://schemas.microsoft.com/office/drawing/2010/main" val="0"/>
+              </a:ext>
+            </a:extLst>
+          </a:blip>
+          <a:stretch>
+            <a:fillRect/>
+          </a:stretch>
+        </p:blipFill>
+        <p:spPr>
+          <a:xfrm>
+            <a:off x="1097280" y="1999317"/>
+            <a:ext cx="4432300" cy="3822700"/>
+          </a:xfrm>
+          <a:prstGeom prst="rect">
+            <a:avLst/>
+          </a:prstGeom>
+        </p:spPr>
+      </p:pic>
+      <p:sp>
+        <p:nvSpPr>
+          <p:cNvPr id="7" name="TextBox 6"/>
+          <p:cNvSpPr txBox="1"/>
+          <p:nvPr/>
         </p:nvSpPr>
-        <p:spPr/>
+        <p:spPr>
+          <a:xfrm>
+            <a:off x="2581947" y="5899308"/>
+            <a:ext cx="1462965" cy="369332"/>
+          </a:xfrm>
+          <a:prstGeom prst="rect">
+            <a:avLst/>
+          </a:prstGeom>
+          <a:noFill/>
+        </p:spPr>
         <p:txBody>
-          <a:bodyPr/>
+          <a:bodyPr wrap="none" rtlCol="0">
+            <a:spAutoFit/>
+          </a:bodyPr>
           <a:lstStyle/>
           <a:p>
-            <a:endParaRPr lang="en-US" dirty="0" smtClean="0"/>
+            <a:r>
+              <a:rPr lang="en-US" smtClean="0"/>
+              <a:t>Bag-of-Words</a:t>
+            </a:r>
+            <a:endParaRPr lang="en-US"/>
+          </a:p>
+        </p:txBody>
+      </p:sp>
+      <p:sp>
+        <p:nvSpPr>
+          <p:cNvPr id="8" name="TextBox 7"/>
+          <p:cNvSpPr txBox="1"/>
+          <p:nvPr/>
+        </p:nvSpPr>
+        <p:spPr>
+          <a:xfrm>
+            <a:off x="8537139" y="5938082"/>
+            <a:ext cx="779381" cy="369332"/>
+          </a:xfrm>
+          <a:prstGeom prst="rect">
+            <a:avLst/>
+          </a:prstGeom>
+          <a:noFill/>
+        </p:spPr>
+        <p:txBody>
+          <a:bodyPr wrap="none" rtlCol="0">
+            <a:spAutoFit/>
+          </a:bodyPr>
+          <a:lstStyle/>
+          <a:p>
+            <a:r>
+              <a:rPr lang="en-US" smtClean="0"/>
+              <a:t>TF-IDF</a:t>
+            </a:r>
+            <a:endParaRPr lang="en-US"/>
           </a:p>
         </p:txBody>
       </p:sp>
@@ -14826,7 +15083,7 @@
           <p:cNvPr id="19" name="Rectangle 18">
             <a:extLst>
               <a:ext uri="{FF2B5EF4-FFF2-40B4-BE49-F238E27FC236}">
-                <a16:creationId xmlns="" xmlns:a16="http://schemas.microsoft.com/office/drawing/2014/main" id="{9F5E263C-FB7E-4A3E-AD04-5140CD3D1D97}"/>
+                <a16:creationId xmlns:a16="http://schemas.microsoft.com/office/drawing/2014/main" xmlns="" id="{9F5E263C-FB7E-4A3E-AD04-5140CD3D1D97}"/>
               </a:ext>
             </a:extLst>
           </p:cNvPr>
@@ -14883,7 +15140,7 @@
           <p:cNvPr id="21" name="Rectangle 20">
             <a:extLst>
               <a:ext uri="{FF2B5EF4-FFF2-40B4-BE49-F238E27FC236}">
-                <a16:creationId xmlns="" xmlns:a16="http://schemas.microsoft.com/office/drawing/2014/main" id="{9E65ED8C-90F7-4EB0-ACCB-64AEF411E8B9}"/>
+                <a16:creationId xmlns:a16="http://schemas.microsoft.com/office/drawing/2014/main" xmlns="" id="{9E65ED8C-90F7-4EB0-ACCB-64AEF411E8B9}"/>
               </a:ext>
             </a:extLst>
           </p:cNvPr>
@@ -14935,7 +15192,7 @@
           <p:cNvPr id="23" name="Rectangle 22">
             <a:extLst>
               <a:ext uri="{FF2B5EF4-FFF2-40B4-BE49-F238E27FC236}">
-                <a16:creationId xmlns="" xmlns:a16="http://schemas.microsoft.com/office/drawing/2014/main" id="{6604E3BF-88F7-4D19-BEC9-8486966EA467}"/>
+                <a16:creationId xmlns:a16="http://schemas.microsoft.com/office/drawing/2014/main" xmlns="" id="{6604E3BF-88F7-4D19-BEC9-8486966EA467}"/>
               </a:ext>
             </a:extLst>
           </p:cNvPr>
@@ -15083,7 +15340,7 @@
           <p:cNvPr id="10" name="Rectangle 9">
             <a:extLst>
               <a:ext uri="{FF2B5EF4-FFF2-40B4-BE49-F238E27FC236}">
-                <a16:creationId xmlns="" xmlns:a16="http://schemas.microsoft.com/office/drawing/2014/main" id="{38247643-37AB-47DE-B7BD-7A64FEB13371}"/>
+                <a16:creationId xmlns:a16="http://schemas.microsoft.com/office/drawing/2014/main" xmlns="" id="{38247643-37AB-47DE-B7BD-7A64FEB13371}"/>
               </a:ext>
             </a:extLst>
           </p:cNvPr>
@@ -15135,7 +15392,7 @@
           <p:cNvPr id="12" name="Rectangle 11">
             <a:extLst>
               <a:ext uri="{FF2B5EF4-FFF2-40B4-BE49-F238E27FC236}">
-                <a16:creationId xmlns="" xmlns:a16="http://schemas.microsoft.com/office/drawing/2014/main" id="{AEBC3119-F8E7-4266-91B8-7A1E808B481B}"/>
+                <a16:creationId xmlns:a16="http://schemas.microsoft.com/office/drawing/2014/main" xmlns="" id="{AEBC3119-F8E7-4266-91B8-7A1E808B481B}"/>
               </a:ext>
             </a:extLst>
           </p:cNvPr>
@@ -15187,7 +15444,7 @@
           <p:cNvPr id="14" name="Straight Connector 13">
             <a:extLst>
               <a:ext uri="{FF2B5EF4-FFF2-40B4-BE49-F238E27FC236}">
-                <a16:creationId xmlns="" xmlns:a16="http://schemas.microsoft.com/office/drawing/2014/main" id="{57D15890-6502-4FAA-AB03-AFAC88EE29D1}"/>
+                <a16:creationId xmlns:a16="http://schemas.microsoft.com/office/drawing/2014/main" xmlns="" id="{57D15890-6502-4FAA-AB03-AFAC88EE29D1}"/>
               </a:ext>
             </a:extLst>
           </p:cNvPr>
@@ -15239,7 +15496,7 @@
           <p:cNvPr id="16" name="Rectangle 15">
             <a:extLst>
               <a:ext uri="{FF2B5EF4-FFF2-40B4-BE49-F238E27FC236}">
-                <a16:creationId xmlns="" xmlns:a16="http://schemas.microsoft.com/office/drawing/2014/main" id="{B80045BC-58DB-469C-8997-6C0C16B1739C}"/>
+                <a16:creationId xmlns:a16="http://schemas.microsoft.com/office/drawing/2014/main" xmlns="" id="{B80045BC-58DB-469C-8997-6C0C16B1739C}"/>
               </a:ext>
             </a:extLst>
           </p:cNvPr>
@@ -15296,7 +15553,7 @@
           <p:cNvPr id="18" name="Rectangle 17">
             <a:extLst>
               <a:ext uri="{FF2B5EF4-FFF2-40B4-BE49-F238E27FC236}">
-                <a16:creationId xmlns="" xmlns:a16="http://schemas.microsoft.com/office/drawing/2014/main" id="{00C07DB3-666C-4A9D-81CE-83B435F95BB5}"/>
+                <a16:creationId xmlns:a16="http://schemas.microsoft.com/office/drawing/2014/main" xmlns="" id="{00C07DB3-666C-4A9D-81CE-83B435F95BB5}"/>
               </a:ext>
             </a:extLst>
           </p:cNvPr>
@@ -15348,7 +15605,7 @@
           <p:cNvPr id="20" name="Rectangle 19">
             <a:extLst>
               <a:ext uri="{FF2B5EF4-FFF2-40B4-BE49-F238E27FC236}">
-                <a16:creationId xmlns="" xmlns:a16="http://schemas.microsoft.com/office/drawing/2014/main" id="{150BDA68-EBDD-443C-9B6B-03CA14AFFB3A}"/>
+                <a16:creationId xmlns:a16="http://schemas.microsoft.com/office/drawing/2014/main" xmlns="" id="{150BDA68-EBDD-443C-9B6B-03CA14AFFB3A}"/>
               </a:ext>
             </a:extLst>
           </p:cNvPr>
@@ -15400,7 +15657,7 @@
           <p:cNvPr id="22" name="Straight Connector 21">
             <a:extLst>
               <a:ext uri="{FF2B5EF4-FFF2-40B4-BE49-F238E27FC236}">
-                <a16:creationId xmlns="" xmlns:a16="http://schemas.microsoft.com/office/drawing/2014/main" id="{83EF6BB5-A95D-4C59-808C-3B64F444F29D}"/>
+                <a16:creationId xmlns:a16="http://schemas.microsoft.com/office/drawing/2014/main" xmlns="" id="{83EF6BB5-A95D-4C59-808C-3B64F444F29D}"/>
               </a:ext>
             </a:extLst>
           </p:cNvPr>
@@ -15524,15 +15781,29 @@
           </a:bodyPr>
           <a:lstStyle/>
           <a:p>
+            <a:endParaRPr lang="en-US" dirty="0" smtClean="0"/>
+          </a:p>
+          <a:p>
+            <a:r>
+              <a:rPr lang="en-US" dirty="0" smtClean="0"/>
+              <a:t>In </a:t>
+            </a:r>
             <a:r>
               <a:rPr lang="en-US" dirty="0"/>
-              <a:t>In late 2016, the top 20 fake news stories on Facebook were reported to outperform the top 20 real news stories</a:t>
+              <a:t>late 2016, the top 20 fake news stories on Facebook were reported to outperform the top 20 real news stories</a:t>
             </a:r>
           </a:p>
           <a:p>
+            <a:endParaRPr lang="en-US" dirty="0" smtClean="0"/>
+          </a:p>
+          <a:p>
+            <a:r>
+              <a:rPr lang="en-US" dirty="0" smtClean="0"/>
+              <a:t>‘Fake News’ </a:t>
+            </a:r>
             <a:r>
               <a:rPr lang="en-US" dirty="0"/>
-              <a:t>’Fake News' was a headline in 27,000 articles in 2016</a:t>
+              <a:t>was a headline in 27,000 articles in 2016</a:t>
             </a:r>
           </a:p>
           <a:p>
@@ -15583,7 +15854,7 @@
           <p:cNvPr id="10" name="Rectangle 9">
             <a:extLst>
               <a:ext uri="{FF2B5EF4-FFF2-40B4-BE49-F238E27FC236}">
-                <a16:creationId xmlns="" xmlns:a16="http://schemas.microsoft.com/office/drawing/2014/main" id="{9F5E263C-FB7E-4A3E-AD04-5140CD3D1D97}"/>
+                <a16:creationId xmlns:a16="http://schemas.microsoft.com/office/drawing/2014/main" xmlns="" id="{9F5E263C-FB7E-4A3E-AD04-5140CD3D1D97}"/>
               </a:ext>
             </a:extLst>
           </p:cNvPr>
@@ -15640,7 +15911,7 @@
           <p:cNvPr id="12" name="Rectangle 11">
             <a:extLst>
               <a:ext uri="{FF2B5EF4-FFF2-40B4-BE49-F238E27FC236}">
-                <a16:creationId xmlns="" xmlns:a16="http://schemas.microsoft.com/office/drawing/2014/main" id="{9E65ED8C-90F7-4EB0-ACCB-64AEF411E8B9}"/>
+                <a16:creationId xmlns:a16="http://schemas.microsoft.com/office/drawing/2014/main" xmlns="" id="{9E65ED8C-90F7-4EB0-ACCB-64AEF411E8B9}"/>
               </a:ext>
             </a:extLst>
           </p:cNvPr>
@@ -15692,7 +15963,7 @@
           <p:cNvPr id="14" name="Rectangle 13">
             <a:extLst>
               <a:ext uri="{FF2B5EF4-FFF2-40B4-BE49-F238E27FC236}">
-                <a16:creationId xmlns="" xmlns:a16="http://schemas.microsoft.com/office/drawing/2014/main" id="{6604E3BF-88F7-4D19-BEC9-8486966EA467}"/>
+                <a16:creationId xmlns:a16="http://schemas.microsoft.com/office/drawing/2014/main" xmlns="" id="{6604E3BF-88F7-4D19-BEC9-8486966EA467}"/>
               </a:ext>
             </a:extLst>
           </p:cNvPr>

--- a/presentations/FakeNews_Final.pptx
+++ b/presentations/FakeNews_Final.pptx
@@ -12,7 +12,7 @@
     <p:sldId id="257" r:id="rId3"/>
     <p:sldId id="259" r:id="rId4"/>
     <p:sldId id="261" r:id="rId5"/>
-    <p:sldId id="266" r:id="rId6"/>
+    <p:sldId id="274" r:id="rId6"/>
     <p:sldId id="264" r:id="rId7"/>
     <p:sldId id="270" r:id="rId8"/>
     <p:sldId id="271" r:id="rId9"/>
@@ -3582,12 +3582,12 @@
         <a:lstStyle/>
         <a:p>
           <a:r>
-            <a:rPr lang="en-US" dirty="0"/>
-            <a:t>Random </a:t>
+            <a:rPr lang="en-US" dirty="0" smtClean="0"/>
+            <a:t>Run and evaluate Random Forest + other models </a:t>
           </a:r>
           <a:r>
             <a:rPr lang="en-US" dirty="0" smtClean="0"/>
-            <a:t>Forest that classifies fake news and real news</a:t>
+            <a:t>that classifies fake news and real news</a:t>
           </a:r>
           <a:endParaRPr lang="en-US" dirty="0"/>
         </a:p>
@@ -5734,12 +5734,12 @@
             </a:spcAft>
           </a:pPr>
           <a:r>
-            <a:rPr lang="en-US" sz="1400" kern="1200" dirty="0"/>
-            <a:t>Random </a:t>
+            <a:rPr lang="en-US" sz="1400" kern="1200" dirty="0" smtClean="0"/>
+            <a:t>Run and evaluate Random Forest + other models </a:t>
           </a:r>
           <a:r>
             <a:rPr lang="en-US" sz="1400" kern="1200" dirty="0" smtClean="0"/>
-            <a:t>Forest that classifies fake news and real news</a:t>
+            <a:t>that classifies fake news and real news</a:t>
           </a:r>
           <a:endParaRPr lang="en-US" sz="1400" kern="1200" dirty="0"/>
         </a:p>
@@ -14622,14 +14622,14 @@
             <p:ph idx="1"/>
             <p:extLst>
               <p:ext uri="{D42A27DB-BD31-4B8C-83A1-F6EECF244321}">
-                <p14:modId xmlns:p14="http://schemas.microsoft.com/office/powerpoint/2010/main" val="2003727147"/>
+                <p14:modId xmlns:p14="http://schemas.microsoft.com/office/powerpoint/2010/main" val="688810692"/>
               </p:ext>
             </p:extLst>
           </p:nvPr>
         </p:nvGraphicFramePr>
         <p:xfrm>
           <a:off x="1096963" y="1846263"/>
-          <a:ext cx="10058400" cy="1483360"/>
+          <a:ext cx="10058400" cy="3708400"/>
         </p:xfrm>
         <a:graphic>
           <a:graphicData uri="http://schemas.openxmlformats.org/drawingml/2006/table">
@@ -14695,6 +14695,10 @@
                     <a:bodyPr/>
                     <a:lstStyle/>
                     <a:p>
+                      <a:r>
+                        <a:rPr lang="en-US" dirty="0" smtClean="0"/>
+                        <a:t>0.</a:t>
+                      </a:r>
                       <a:endParaRPr lang="en-US" dirty="0"/>
                     </a:p>
                   </a:txBody>
@@ -14726,7 +14730,7 @@
                     <a:p>
                       <a:r>
                         <a:rPr lang="nb-NO" dirty="0" smtClean="0"/>
-                        <a:t>0.884</a:t>
+                        <a:t>0.888</a:t>
                       </a:r>
                       <a:endParaRPr lang="en-US" dirty="0"/>
                     </a:p>
@@ -14776,7 +14780,283 @@
                     <a:p>
                       <a:r>
                         <a:rPr lang="nb-NO" dirty="0" smtClean="0"/>
-                        <a:t>0.815</a:t>
+                        <a:t>0.835</a:t>
+                      </a:r>
+                      <a:endParaRPr lang="en-US" dirty="0"/>
+                    </a:p>
+                  </a:txBody>
+                  <a:tcPr/>
+                </a:tc>
+              </a:tr>
+              <a:tr h="370840">
+                <a:tc>
+                  <a:txBody>
+                    <a:bodyPr/>
+                    <a:lstStyle/>
+                    <a:p>
+                      <a:pPr marL="0" marR="0" indent="0" algn="l" defTabSz="914400" rtl="0" eaLnBrk="1" fontAlgn="auto" latinLnBrk="0" hangingPunct="1">
+                        <a:lnSpc>
+                          <a:spcPct val="100000"/>
+                        </a:lnSpc>
+                        <a:spcBef>
+                          <a:spcPts val="0"/>
+                        </a:spcBef>
+                        <a:spcAft>
+                          <a:spcPts val="0"/>
+                        </a:spcAft>
+                        <a:buClrTx/>
+                        <a:buSzTx/>
+                        <a:buFontTx/>
+                        <a:buNone/>
+                        <a:tabLst/>
+                        <a:defRPr/>
+                      </a:pPr>
+                      <a:r>
+                        <a:rPr lang="en-US" baseline="0" dirty="0" smtClean="0"/>
+                        <a:t>Random Forest (CV)</a:t>
+                      </a:r>
+                    </a:p>
+                  </a:txBody>
+                  <a:tcPr/>
+                </a:tc>
+                <a:tc>
+                  <a:txBody>
+                    <a:bodyPr/>
+                    <a:lstStyle/>
+                    <a:p>
+                      <a:r>
+                        <a:rPr lang="en-US" dirty="0" smtClean="0"/>
+                        <a:t>0.839</a:t>
+                      </a:r>
+                      <a:endParaRPr lang="en-US" dirty="0"/>
+                    </a:p>
+                  </a:txBody>
+                  <a:tcPr/>
+                </a:tc>
+              </a:tr>
+              <a:tr h="370840">
+                <a:tc>
+                  <a:txBody>
+                    <a:bodyPr/>
+                    <a:lstStyle/>
+                    <a:p>
+                      <a:pPr marL="0" marR="0" indent="0" algn="l" defTabSz="914400" rtl="0" eaLnBrk="1" fontAlgn="auto" latinLnBrk="0" hangingPunct="1">
+                        <a:lnSpc>
+                          <a:spcPct val="100000"/>
+                        </a:lnSpc>
+                        <a:spcBef>
+                          <a:spcPts val="0"/>
+                        </a:spcBef>
+                        <a:spcAft>
+                          <a:spcPts val="0"/>
+                        </a:spcAft>
+                        <a:buClrTx/>
+                        <a:buSzTx/>
+                        <a:buFontTx/>
+                        <a:buNone/>
+                        <a:tabLst/>
+                        <a:defRPr/>
+                      </a:pPr>
+                      <a:r>
+                        <a:rPr lang="en-US" baseline="0" dirty="0" smtClean="0"/>
+                        <a:t>Random Forest (TF-IDF)</a:t>
+                      </a:r>
+                    </a:p>
+                  </a:txBody>
+                  <a:tcPr/>
+                </a:tc>
+                <a:tc>
+                  <a:txBody>
+                    <a:bodyPr/>
+                    <a:lstStyle/>
+                    <a:p>
+                      <a:r>
+                        <a:rPr lang="en-US" dirty="0" smtClean="0"/>
+                        <a:t>0.838</a:t>
+                      </a:r>
+                      <a:endParaRPr lang="en-US" dirty="0"/>
+                    </a:p>
+                  </a:txBody>
+                  <a:tcPr/>
+                </a:tc>
+              </a:tr>
+              <a:tr h="370840">
+                <a:tc>
+                  <a:txBody>
+                    <a:bodyPr/>
+                    <a:lstStyle/>
+                    <a:p>
+                      <a:pPr marL="0" marR="0" indent="0" algn="l" defTabSz="914400" rtl="0" eaLnBrk="1" fontAlgn="auto" latinLnBrk="0" hangingPunct="1">
+                        <a:lnSpc>
+                          <a:spcPct val="100000"/>
+                        </a:lnSpc>
+                        <a:spcBef>
+                          <a:spcPts val="0"/>
+                        </a:spcBef>
+                        <a:spcAft>
+                          <a:spcPts val="0"/>
+                        </a:spcAft>
+                        <a:buClrTx/>
+                        <a:buSzTx/>
+                        <a:buFontTx/>
+                        <a:buNone/>
+                        <a:tabLst/>
+                        <a:defRPr/>
+                      </a:pPr>
+                      <a:r>
+                        <a:rPr lang="en-US" baseline="0" dirty="0" smtClean="0"/>
+                        <a:t>SVM (CV)</a:t>
+                      </a:r>
+                    </a:p>
+                  </a:txBody>
+                  <a:tcPr/>
+                </a:tc>
+                <a:tc>
+                  <a:txBody>
+                    <a:bodyPr/>
+                    <a:lstStyle/>
+                    <a:p>
+                      <a:r>
+                        <a:rPr lang="en-US" dirty="0" smtClean="0"/>
+                        <a:t>0.930</a:t>
+                      </a:r>
+                      <a:endParaRPr lang="en-US" dirty="0"/>
+                    </a:p>
+                  </a:txBody>
+                  <a:tcPr/>
+                </a:tc>
+              </a:tr>
+              <a:tr h="370840">
+                <a:tc>
+                  <a:txBody>
+                    <a:bodyPr/>
+                    <a:lstStyle/>
+                    <a:p>
+                      <a:pPr marL="0" marR="0" indent="0" algn="l" defTabSz="914400" rtl="0" eaLnBrk="1" fontAlgn="auto" latinLnBrk="0" hangingPunct="1">
+                        <a:lnSpc>
+                          <a:spcPct val="100000"/>
+                        </a:lnSpc>
+                        <a:spcBef>
+                          <a:spcPts val="0"/>
+                        </a:spcBef>
+                        <a:spcAft>
+                          <a:spcPts val="0"/>
+                        </a:spcAft>
+                        <a:buClrTx/>
+                        <a:buSzTx/>
+                        <a:buFontTx/>
+                        <a:buNone/>
+                        <a:tabLst/>
+                        <a:defRPr/>
+                      </a:pPr>
+                      <a:r>
+                        <a:rPr lang="en-US" baseline="0" dirty="0" smtClean="0"/>
+                        <a:t>SVM (TF-IDF)</a:t>
+                      </a:r>
+                    </a:p>
+                  </a:txBody>
+                  <a:tcPr/>
+                </a:tc>
+                <a:tc>
+                  <a:txBody>
+                    <a:bodyPr/>
+                    <a:lstStyle/>
+                    <a:p>
+                      <a:r>
+                        <a:rPr lang="en-US" dirty="0" smtClean="0"/>
+                        <a:t>0.870</a:t>
+                      </a:r>
+                      <a:endParaRPr lang="en-US" dirty="0"/>
+                    </a:p>
+                  </a:txBody>
+                  <a:tcPr/>
+                </a:tc>
+              </a:tr>
+              <a:tr h="370840">
+                <a:tc>
+                  <a:txBody>
+                    <a:bodyPr/>
+                    <a:lstStyle/>
+                    <a:p>
+                      <a:pPr marL="0" marR="0" indent="0" algn="l" defTabSz="914400" rtl="0" eaLnBrk="1" fontAlgn="auto" latinLnBrk="0" hangingPunct="1">
+                        <a:lnSpc>
+                          <a:spcPct val="100000"/>
+                        </a:lnSpc>
+                        <a:spcBef>
+                          <a:spcPts val="0"/>
+                        </a:spcBef>
+                        <a:spcAft>
+                          <a:spcPts val="0"/>
+                        </a:spcAft>
+                        <a:buClrTx/>
+                        <a:buSzTx/>
+                        <a:buFontTx/>
+                        <a:buNone/>
+                        <a:tabLst/>
+                        <a:defRPr/>
+                      </a:pPr>
+                      <a:r>
+                        <a:rPr lang="en-US" baseline="0" dirty="0" smtClean="0"/>
+                        <a:t>Linear Regression (CV)</a:t>
+                      </a:r>
+                    </a:p>
+                  </a:txBody>
+                  <a:tcPr/>
+                </a:tc>
+                <a:tc>
+                  <a:txBody>
+                    <a:bodyPr/>
+                    <a:lstStyle/>
+                    <a:p>
+                      <a:r>
+                        <a:rPr lang="en-US" dirty="0" smtClean="0"/>
+                        <a:t>0.923</a:t>
+                      </a:r>
+                      <a:endParaRPr lang="en-US" dirty="0"/>
+                    </a:p>
+                  </a:txBody>
+                  <a:tcPr/>
+                </a:tc>
+              </a:tr>
+              <a:tr h="370840">
+                <a:tc>
+                  <a:txBody>
+                    <a:bodyPr/>
+                    <a:lstStyle/>
+                    <a:p>
+                      <a:pPr marL="0" marR="0" indent="0" algn="l" defTabSz="914400" rtl="0" eaLnBrk="1" fontAlgn="auto" latinLnBrk="0" hangingPunct="1">
+                        <a:lnSpc>
+                          <a:spcPct val="100000"/>
+                        </a:lnSpc>
+                        <a:spcBef>
+                          <a:spcPts val="0"/>
+                        </a:spcBef>
+                        <a:spcAft>
+                          <a:spcPts val="0"/>
+                        </a:spcAft>
+                        <a:buClrTx/>
+                        <a:buSzTx/>
+                        <a:buFontTx/>
+                        <a:buNone/>
+                        <a:tabLst/>
+                        <a:defRPr/>
+                      </a:pPr>
+                      <a:r>
+                        <a:rPr lang="en-US" baseline="0" dirty="0" smtClean="0"/>
+                        <a:t>Linear Regression (TF-IDF)</a:t>
+                      </a:r>
+                    </a:p>
+                  </a:txBody>
+                  <a:tcPr/>
+                </a:tc>
+                <a:tc>
+                  <a:txBody>
+                    <a:bodyPr/>
+                    <a:lstStyle/>
+                    <a:p>
+                      <a:r>
+                        <a:rPr lang="en-US" dirty="0" smtClean="0"/>
+                        <a:t>0.851</a:t>
                       </a:r>
                       <a:endParaRPr lang="en-US" dirty="0"/>
                     </a:p>
@@ -14828,7 +15108,12 @@
             <p:ph type="title"/>
           </p:nvPr>
         </p:nvSpPr>
-        <p:spPr/>
+        <p:spPr>
+          <a:xfrm>
+            <a:off x="1097280" y="286603"/>
+            <a:ext cx="10058400" cy="1450757"/>
+          </a:xfrm>
+        </p:spPr>
         <p:txBody>
           <a:bodyPr/>
           <a:lstStyle/>
@@ -14851,7 +15136,7 @@
       </p:sp>
       <p:pic>
         <p:nvPicPr>
-          <p:cNvPr id="5" name="Content Placeholder 4"/>
+          <p:cNvPr id="10" name="Content Placeholder 9"/>
           <p:cNvPicPr>
             <a:picLocks noGrp="1" noChangeAspect="1"/>
           </p:cNvPicPr>
@@ -14873,14 +15158,194 @@
         </p:blipFill>
         <p:spPr>
           <a:xfrm>
-            <a:off x="6697980" y="1973917"/>
-            <a:ext cx="4457700" cy="3848100"/>
+            <a:off x="962014" y="2109151"/>
+            <a:ext cx="2429382" cy="2099731"/>
           </a:xfrm>
         </p:spPr>
       </p:pic>
+      <p:sp>
+        <p:nvSpPr>
+          <p:cNvPr id="11" name="TextBox 10"/>
+          <p:cNvSpPr txBox="1"/>
+          <p:nvPr/>
+        </p:nvSpPr>
+        <p:spPr>
+          <a:xfrm>
+            <a:off x="395785" y="2797791"/>
+            <a:ext cx="439544" cy="369332"/>
+          </a:xfrm>
+          <a:prstGeom prst="rect">
+            <a:avLst/>
+          </a:prstGeom>
+          <a:noFill/>
+        </p:spPr>
+        <p:txBody>
+          <a:bodyPr wrap="none" rtlCol="0">
+            <a:spAutoFit/>
+          </a:bodyPr>
+          <a:lstStyle/>
+          <a:p>
+            <a:r>
+              <a:rPr lang="en-US" dirty="0" smtClean="0"/>
+              <a:t>CV</a:t>
+            </a:r>
+            <a:endParaRPr lang="en-US" dirty="0"/>
+          </a:p>
+        </p:txBody>
+      </p:sp>
+      <p:sp>
+        <p:nvSpPr>
+          <p:cNvPr id="12" name="TextBox 11"/>
+          <p:cNvSpPr txBox="1"/>
+          <p:nvPr/>
+        </p:nvSpPr>
+        <p:spPr>
+          <a:xfrm>
+            <a:off x="286603" y="5145206"/>
+            <a:ext cx="779381" cy="369332"/>
+          </a:xfrm>
+          <a:prstGeom prst="rect">
+            <a:avLst/>
+          </a:prstGeom>
+          <a:noFill/>
+        </p:spPr>
+        <p:txBody>
+          <a:bodyPr wrap="none" rtlCol="0">
+            <a:spAutoFit/>
+          </a:bodyPr>
+          <a:lstStyle/>
+          <a:p>
+            <a:r>
+              <a:rPr lang="en-US" dirty="0" smtClean="0"/>
+              <a:t>TF-IDF</a:t>
+            </a:r>
+            <a:endParaRPr lang="en-US" dirty="0"/>
+          </a:p>
+        </p:txBody>
+      </p:sp>
+      <p:sp>
+        <p:nvSpPr>
+          <p:cNvPr id="13" name="TextBox 12"/>
+          <p:cNvSpPr txBox="1"/>
+          <p:nvPr/>
+        </p:nvSpPr>
+        <p:spPr>
+          <a:xfrm>
+            <a:off x="1645189" y="1756867"/>
+            <a:ext cx="1305807" cy="369332"/>
+          </a:xfrm>
+          <a:prstGeom prst="rect">
+            <a:avLst/>
+          </a:prstGeom>
+          <a:noFill/>
+        </p:spPr>
+        <p:txBody>
+          <a:bodyPr wrap="none" rtlCol="0">
+            <a:spAutoFit/>
+          </a:bodyPr>
+          <a:lstStyle/>
+          <a:p>
+            <a:r>
+              <a:rPr lang="en-US" dirty="0" smtClean="0"/>
+              <a:t>Naïve Bayes</a:t>
+            </a:r>
+            <a:endParaRPr lang="en-US" dirty="0"/>
+          </a:p>
+        </p:txBody>
+      </p:sp>
+      <p:sp>
+        <p:nvSpPr>
+          <p:cNvPr id="14" name="TextBox 13"/>
+          <p:cNvSpPr txBox="1"/>
+          <p:nvPr/>
+        </p:nvSpPr>
+        <p:spPr>
+          <a:xfrm>
+            <a:off x="4278672" y="1737360"/>
+            <a:ext cx="1747103" cy="369332"/>
+          </a:xfrm>
+          <a:prstGeom prst="rect">
+            <a:avLst/>
+          </a:prstGeom>
+          <a:noFill/>
+        </p:spPr>
+        <p:txBody>
+          <a:bodyPr wrap="square" rtlCol="0">
+            <a:spAutoFit/>
+          </a:bodyPr>
+          <a:lstStyle/>
+          <a:p>
+            <a:r>
+              <a:rPr lang="en-US" dirty="0" smtClean="0"/>
+              <a:t>Random Forest</a:t>
+            </a:r>
+            <a:endParaRPr lang="en-US" dirty="0"/>
+          </a:p>
+        </p:txBody>
+      </p:sp>
+      <p:sp>
+        <p:nvSpPr>
+          <p:cNvPr id="15" name="TextBox 14"/>
+          <p:cNvSpPr txBox="1"/>
+          <p:nvPr/>
+        </p:nvSpPr>
+        <p:spPr>
+          <a:xfrm>
+            <a:off x="7424536" y="1737360"/>
+            <a:ext cx="682388" cy="369332"/>
+          </a:xfrm>
+          <a:prstGeom prst="rect">
+            <a:avLst/>
+          </a:prstGeom>
+          <a:noFill/>
+        </p:spPr>
+        <p:txBody>
+          <a:bodyPr wrap="square" rtlCol="0">
+            <a:spAutoFit/>
+          </a:bodyPr>
+          <a:lstStyle/>
+          <a:p>
+            <a:r>
+              <a:rPr lang="en-US" dirty="0" smtClean="0"/>
+              <a:t>SVM</a:t>
+            </a:r>
+            <a:endParaRPr lang="en-US" dirty="0"/>
+          </a:p>
+        </p:txBody>
+      </p:sp>
+      <p:sp>
+        <p:nvSpPr>
+          <p:cNvPr id="16" name="TextBox 15"/>
+          <p:cNvSpPr txBox="1"/>
+          <p:nvPr/>
+        </p:nvSpPr>
+        <p:spPr>
+          <a:xfrm>
+            <a:off x="9535079" y="1721876"/>
+            <a:ext cx="1974533" cy="369332"/>
+          </a:xfrm>
+          <a:prstGeom prst="rect">
+            <a:avLst/>
+          </a:prstGeom>
+          <a:noFill/>
+        </p:spPr>
+        <p:txBody>
+          <a:bodyPr wrap="square" rtlCol="0">
+            <a:spAutoFit/>
+          </a:bodyPr>
+          <a:lstStyle/>
+          <a:p>
+            <a:r>
+              <a:rPr lang="en-US" smtClean="0"/>
+              <a:t>Linear Regression</a:t>
+            </a:r>
+            <a:endParaRPr lang="en-US" dirty="0"/>
+          </a:p>
+        </p:txBody>
+      </p:sp>
       <p:pic>
         <p:nvPicPr>
-          <p:cNvPr id="6" name="Picture 5"/>
+          <p:cNvPr id="17" name="Picture 16"/>
           <p:cNvPicPr>
             <a:picLocks noChangeAspect="1"/>
           </p:cNvPicPr>
@@ -14900,74 +15365,194 @@
         </p:blipFill>
         <p:spPr>
           <a:xfrm>
-            <a:off x="1097280" y="1999317"/>
-            <a:ext cx="4432300" cy="3822700"/>
+            <a:off x="957665" y="4208882"/>
+            <a:ext cx="2470201" cy="2071552"/>
           </a:xfrm>
           <a:prstGeom prst="rect">
             <a:avLst/>
           </a:prstGeom>
         </p:spPr>
       </p:pic>
-      <p:sp>
-        <p:nvSpPr>
-          <p:cNvPr id="7" name="TextBox 6"/>
-          <p:cNvSpPr txBox="1"/>
+      <p:pic>
+        <p:nvPicPr>
+          <p:cNvPr id="18" name="Picture 17"/>
+          <p:cNvPicPr>
+            <a:picLocks noChangeAspect="1"/>
+          </p:cNvPicPr>
           <p:nvPr/>
-        </p:nvSpPr>
+        </p:nvPicPr>
+        <p:blipFill>
+          <a:blip r:embed="rId4">
+            <a:extLst>
+              <a:ext uri="{28A0092B-C50C-407E-A947-70E740481C1C}">
+                <a14:useLocalDpi xmlns:a14="http://schemas.microsoft.com/office/drawing/2010/main" val="0"/>
+              </a:ext>
+            </a:extLst>
+          </a:blip>
+          <a:stretch>
+            <a:fillRect/>
+          </a:stretch>
+        </p:blipFill>
         <p:spPr>
           <a:xfrm>
-            <a:off x="2581947" y="5899308"/>
-            <a:ext cx="1462965" cy="369332"/>
+            <a:off x="3690991" y="2126199"/>
+            <a:ext cx="2526406" cy="2101677"/>
           </a:xfrm>
           <a:prstGeom prst="rect">
             <a:avLst/>
           </a:prstGeom>
-          <a:noFill/>
         </p:spPr>
-        <p:txBody>
-          <a:bodyPr wrap="none" rtlCol="0">
-            <a:spAutoFit/>
-          </a:bodyPr>
-          <a:lstStyle/>
-          <a:p>
-            <a:r>
-              <a:rPr lang="en-US" smtClean="0"/>
-              <a:t>Bag-of-Words</a:t>
-            </a:r>
-            <a:endParaRPr lang="en-US"/>
-          </a:p>
-        </p:txBody>
-      </p:sp>
-      <p:sp>
-        <p:nvSpPr>
-          <p:cNvPr id="8" name="TextBox 7"/>
-          <p:cNvSpPr txBox="1"/>
+      </p:pic>
+      <p:pic>
+        <p:nvPicPr>
+          <p:cNvPr id="19" name="Picture 18"/>
+          <p:cNvPicPr>
+            <a:picLocks noChangeAspect="1"/>
+          </p:cNvPicPr>
           <p:nvPr/>
-        </p:nvSpPr>
+        </p:nvPicPr>
+        <p:blipFill>
+          <a:blip r:embed="rId5">
+            <a:extLst>
+              <a:ext uri="{28A0092B-C50C-407E-A947-70E740481C1C}">
+                <a14:useLocalDpi xmlns:a14="http://schemas.microsoft.com/office/drawing/2010/main" val="0"/>
+              </a:ext>
+            </a:extLst>
+          </a:blip>
+          <a:stretch>
+            <a:fillRect/>
+          </a:stretch>
+        </p:blipFill>
         <p:spPr>
           <a:xfrm>
-            <a:off x="8537139" y="5938082"/>
-            <a:ext cx="779381" cy="369332"/>
+            <a:off x="3690991" y="4223534"/>
+            <a:ext cx="2526406" cy="2080147"/>
           </a:xfrm>
           <a:prstGeom prst="rect">
             <a:avLst/>
           </a:prstGeom>
-          <a:noFill/>
         </p:spPr>
-        <p:txBody>
-          <a:bodyPr wrap="none" rtlCol="0">
-            <a:spAutoFit/>
-          </a:bodyPr>
-          <a:lstStyle/>
-          <a:p>
-            <a:r>
-              <a:rPr lang="en-US" smtClean="0"/>
-              <a:t>TF-IDF</a:t>
-            </a:r>
-            <a:endParaRPr lang="en-US"/>
-          </a:p>
-        </p:txBody>
-      </p:sp>
+      </p:pic>
+      <p:pic>
+        <p:nvPicPr>
+          <p:cNvPr id="20" name="Picture 19"/>
+          <p:cNvPicPr>
+            <a:picLocks noChangeAspect="1"/>
+          </p:cNvPicPr>
+          <p:nvPr/>
+        </p:nvPicPr>
+        <p:blipFill>
+          <a:blip r:embed="rId6">
+            <a:extLst>
+              <a:ext uri="{28A0092B-C50C-407E-A947-70E740481C1C}">
+                <a14:useLocalDpi xmlns:a14="http://schemas.microsoft.com/office/drawing/2010/main" val="0"/>
+              </a:ext>
+            </a:extLst>
+          </a:blip>
+          <a:stretch>
+            <a:fillRect/>
+          </a:stretch>
+        </p:blipFill>
+        <p:spPr>
+          <a:xfrm>
+            <a:off x="6516992" y="2075724"/>
+            <a:ext cx="2497477" cy="2167898"/>
+          </a:xfrm>
+          <a:prstGeom prst="rect">
+            <a:avLst/>
+          </a:prstGeom>
+        </p:spPr>
+      </p:pic>
+      <p:pic>
+        <p:nvPicPr>
+          <p:cNvPr id="21" name="Picture 20"/>
+          <p:cNvPicPr>
+            <a:picLocks noChangeAspect="1"/>
+          </p:cNvPicPr>
+          <p:nvPr/>
+        </p:nvPicPr>
+        <p:blipFill>
+          <a:blip r:embed="rId7">
+            <a:extLst>
+              <a:ext uri="{28A0092B-C50C-407E-A947-70E740481C1C}">
+                <a14:useLocalDpi xmlns:a14="http://schemas.microsoft.com/office/drawing/2010/main" val="0"/>
+              </a:ext>
+            </a:extLst>
+          </a:blip>
+          <a:stretch>
+            <a:fillRect/>
+          </a:stretch>
+        </p:blipFill>
+        <p:spPr>
+          <a:xfrm>
+            <a:off x="6516992" y="4206610"/>
+            <a:ext cx="2512177" cy="2113993"/>
+          </a:xfrm>
+          <a:prstGeom prst="rect">
+            <a:avLst/>
+          </a:prstGeom>
+        </p:spPr>
+      </p:pic>
+      <p:pic>
+        <p:nvPicPr>
+          <p:cNvPr id="22" name="Picture 21"/>
+          <p:cNvPicPr>
+            <a:picLocks noChangeAspect="1"/>
+          </p:cNvPicPr>
+          <p:nvPr/>
+        </p:nvPicPr>
+        <p:blipFill>
+          <a:blip r:embed="rId8">
+            <a:extLst>
+              <a:ext uri="{28A0092B-C50C-407E-A947-70E740481C1C}">
+                <a14:useLocalDpi xmlns:a14="http://schemas.microsoft.com/office/drawing/2010/main" val="0"/>
+              </a:ext>
+            </a:extLst>
+          </a:blip>
+          <a:stretch>
+            <a:fillRect/>
+          </a:stretch>
+        </p:blipFill>
+        <p:spPr>
+          <a:xfrm>
+            <a:off x="9196771" y="2059185"/>
+            <a:ext cx="2391503" cy="2066992"/>
+          </a:xfrm>
+          <a:prstGeom prst="rect">
+            <a:avLst/>
+          </a:prstGeom>
+        </p:spPr>
+      </p:pic>
+      <p:pic>
+        <p:nvPicPr>
+          <p:cNvPr id="23" name="Picture 22"/>
+          <p:cNvPicPr>
+            <a:picLocks noChangeAspect="1"/>
+          </p:cNvPicPr>
+          <p:nvPr/>
+        </p:nvPicPr>
+        <p:blipFill>
+          <a:blip r:embed="rId9">
+            <a:extLst>
+              <a:ext uri="{28A0092B-C50C-407E-A947-70E740481C1C}">
+                <a14:useLocalDpi xmlns:a14="http://schemas.microsoft.com/office/drawing/2010/main" val="0"/>
+              </a:ext>
+            </a:extLst>
+          </a:blip>
+          <a:stretch>
+            <a:fillRect/>
+          </a:stretch>
+        </p:blipFill>
+        <p:spPr>
+          <a:xfrm>
+            <a:off x="9215459" y="4317936"/>
+            <a:ext cx="2372815" cy="2023872"/>
+          </a:xfrm>
+          <a:prstGeom prst="rect">
+            <a:avLst/>
+          </a:prstGeom>
+        </p:spPr>
+      </p:pic>
     </p:spTree>
     <p:extLst>
       <p:ext uri="{BB962C8B-B14F-4D97-AF65-F5344CB8AC3E}">
@@ -16115,7 +16700,7 @@
           <a:p>
             <a:r>
               <a:rPr lang="en-US" dirty="0" smtClean="0"/>
-              <a:t>Goal</a:t>
+              <a:t> Goal</a:t>
             </a:r>
             <a:endParaRPr lang="en-US" dirty="0"/>
           </a:p>
@@ -16123,7 +16708,7 @@
       </p:sp>
       <p:sp>
         <p:nvSpPr>
-          <p:cNvPr id="3" name="Subtitle 2"/>
+          <p:cNvPr id="3" name="Content Placeholder 2"/>
           <p:cNvSpPr>
             <a:spLocks noGrp="1"/>
           </p:cNvSpPr>
@@ -16133,25 +16718,36 @@
         </p:nvSpPr>
         <p:spPr/>
         <p:txBody>
-          <a:bodyPr/>
+          <a:bodyPr>
+            <a:normAutofit/>
+          </a:bodyPr>
           <a:lstStyle/>
           <a:p>
+            <a:pPr algn="ctr"/>
+            <a:endParaRPr lang="en-US" sz="4400" dirty="0" smtClean="0"/>
+          </a:p>
+          <a:p>
+            <a:pPr algn="ctr"/>
             <a:r>
-              <a:rPr lang="en-US" dirty="0"/>
-              <a:t>Build a model that can differentiate between “Real” news and “Fake” </a:t>
+              <a:rPr lang="en-US" sz="4400" dirty="0" smtClean="0"/>
+              <a:t>Build a </a:t>
             </a:r>
             <a:r>
-              <a:rPr lang="en-US" dirty="0" smtClean="0"/>
+              <a:rPr lang="en-US" sz="4400" dirty="0"/>
+              <a:t>model that can differentiate between “Real” news vs “Fake” </a:t>
+            </a:r>
+            <a:r>
+              <a:rPr lang="en-US" sz="4400" dirty="0" smtClean="0"/>
               <a:t>news</a:t>
             </a:r>
-            <a:endParaRPr lang="en-US" dirty="0"/>
+            <a:endParaRPr lang="en-US" sz="4400" dirty="0"/>
           </a:p>
         </p:txBody>
       </p:sp>
     </p:spTree>
     <p:extLst>
       <p:ext uri="{BB962C8B-B14F-4D97-AF65-F5344CB8AC3E}">
-        <p14:creationId xmlns:p14="http://schemas.microsoft.com/office/powerpoint/2010/main" val="193167628"/>
+        <p14:creationId xmlns:p14="http://schemas.microsoft.com/office/powerpoint/2010/main" val="1741049216"/>
       </p:ext>
     </p:extLst>
   </p:cSld>
@@ -16225,7 +16821,7 @@
             <p:ph idx="1"/>
             <p:extLst>
               <p:ext uri="{D42A27DB-BD31-4B8C-83A1-F6EECF244321}">
-                <p14:modId xmlns:p14="http://schemas.microsoft.com/office/powerpoint/2010/main" val="773187502"/>
+                <p14:modId xmlns:p14="http://schemas.microsoft.com/office/powerpoint/2010/main" val="1496323233"/>
               </p:ext>
             </p:extLst>
           </p:nvPr>

--- a/presentations/FakeNews_Final.pptx
+++ b/presentations/FakeNews_Final.pptx
@@ -5,7 +5,7 @@
     <p:sldMasterId id="2147483684" r:id="rId1"/>
   </p:sldMasterIdLst>
   <p:notesMasterIdLst>
-    <p:notesMasterId r:id="rId15"/>
+    <p:notesMasterId r:id="rId16"/>
   </p:notesMasterIdLst>
   <p:sldIdLst>
     <p:sldId id="267" r:id="rId2"/>
@@ -21,6 +21,7 @@
     <p:sldId id="268" r:id="rId12"/>
     <p:sldId id="263" r:id="rId13"/>
     <p:sldId id="269" r:id="rId14"/>
+    <p:sldId id="275" r:id="rId15"/>
   </p:sldIdLst>
   <p:sldSz cx="12192000" cy="6858000"/>
   <p:notesSz cx="6858000" cy="9144000"/>
@@ -2582,6 +2583,813 @@
   <dgm:styleLbl name="fgShp">
     <dgm:fillClrLst meth="repeat">
       <a:schemeClr val="accent2">
+        <a:tint val="60000"/>
+      </a:schemeClr>
+    </dgm:fillClrLst>
+    <dgm:linClrLst meth="repeat">
+      <a:schemeClr val="lt1"/>
+    </dgm:linClrLst>
+    <dgm:effectClrLst/>
+    <dgm:txLinClrLst/>
+    <dgm:txFillClrLst meth="repeat">
+      <a:schemeClr val="dk1"/>
+    </dgm:txFillClrLst>
+    <dgm:txEffectClrLst/>
+  </dgm:styleLbl>
+  <dgm:styleLbl name="revTx">
+    <dgm:fillClrLst meth="repeat">
+      <a:schemeClr val="lt1">
+        <a:alpha val="0"/>
+      </a:schemeClr>
+    </dgm:fillClrLst>
+    <dgm:linClrLst meth="repeat">
+      <a:schemeClr val="dk1">
+        <a:alpha val="0"/>
+      </a:schemeClr>
+    </dgm:linClrLst>
+    <dgm:effectClrLst/>
+    <dgm:txLinClrLst/>
+    <dgm:txFillClrLst meth="repeat">
+      <a:schemeClr val="tx1"/>
+    </dgm:txFillClrLst>
+    <dgm:txEffectClrLst/>
+  </dgm:styleLbl>
+</dgm:colorsDef>
+</file>
+
+<file path=ppt/diagrams/colors4.xml><?xml version="1.0" encoding="utf-8"?>
+<dgm:colorsDef xmlns:dgm="http://schemas.openxmlformats.org/drawingml/2006/diagram" xmlns:a="http://schemas.openxmlformats.org/drawingml/2006/main" uniqueId="urn:microsoft.com/office/officeart/2005/8/colors/accent1_1">
+  <dgm:title val=""/>
+  <dgm:desc val=""/>
+  <dgm:catLst>
+    <dgm:cat type="accent1" pri="11100"/>
+  </dgm:catLst>
+  <dgm:styleLbl name="node0">
+    <dgm:fillClrLst meth="repeat">
+      <a:schemeClr val="lt1"/>
+    </dgm:fillClrLst>
+    <dgm:linClrLst meth="repeat">
+      <a:schemeClr val="accent1">
+        <a:shade val="80000"/>
+      </a:schemeClr>
+    </dgm:linClrLst>
+    <dgm:effectClrLst/>
+    <dgm:txLinClrLst/>
+    <dgm:txFillClrLst meth="repeat">
+      <a:schemeClr val="dk1"/>
+    </dgm:txFillClrLst>
+    <dgm:txEffectClrLst/>
+  </dgm:styleLbl>
+  <dgm:styleLbl name="alignNode1">
+    <dgm:fillClrLst meth="repeat">
+      <a:schemeClr val="lt1"/>
+    </dgm:fillClrLst>
+    <dgm:linClrLst meth="repeat">
+      <a:schemeClr val="accent1">
+        <a:shade val="80000"/>
+      </a:schemeClr>
+    </dgm:linClrLst>
+    <dgm:effectClrLst/>
+    <dgm:txLinClrLst/>
+    <dgm:txFillClrLst meth="repeat">
+      <a:schemeClr val="dk1"/>
+    </dgm:txFillClrLst>
+    <dgm:txEffectClrLst/>
+  </dgm:styleLbl>
+  <dgm:styleLbl name="node1">
+    <dgm:fillClrLst meth="repeat">
+      <a:schemeClr val="lt1"/>
+    </dgm:fillClrLst>
+    <dgm:linClrLst meth="repeat">
+      <a:schemeClr val="accent1">
+        <a:shade val="80000"/>
+      </a:schemeClr>
+    </dgm:linClrLst>
+    <dgm:effectClrLst/>
+    <dgm:txLinClrLst/>
+    <dgm:txFillClrLst meth="repeat">
+      <a:schemeClr val="dk1"/>
+    </dgm:txFillClrLst>
+    <dgm:txEffectClrLst/>
+  </dgm:styleLbl>
+  <dgm:styleLbl name="lnNode1">
+    <dgm:fillClrLst meth="repeat">
+      <a:schemeClr val="lt1"/>
+    </dgm:fillClrLst>
+    <dgm:linClrLst meth="repeat">
+      <a:schemeClr val="accent1">
+        <a:shade val="80000"/>
+      </a:schemeClr>
+    </dgm:linClrLst>
+    <dgm:effectClrLst/>
+    <dgm:txLinClrLst/>
+    <dgm:txFillClrLst meth="repeat">
+      <a:schemeClr val="dk1"/>
+    </dgm:txFillClrLst>
+    <dgm:txEffectClrLst/>
+  </dgm:styleLbl>
+  <dgm:styleLbl name="vennNode1">
+    <dgm:fillClrLst meth="repeat">
+      <a:schemeClr val="lt1">
+        <a:alpha val="50000"/>
+      </a:schemeClr>
+    </dgm:fillClrLst>
+    <dgm:linClrLst meth="repeat">
+      <a:schemeClr val="accent1">
+        <a:shade val="80000"/>
+      </a:schemeClr>
+    </dgm:linClrLst>
+    <dgm:effectClrLst/>
+    <dgm:txLinClrLst/>
+    <dgm:txFillClrLst/>
+    <dgm:txEffectClrLst/>
+  </dgm:styleLbl>
+  <dgm:styleLbl name="node2">
+    <dgm:fillClrLst meth="repeat">
+      <a:schemeClr val="lt1"/>
+    </dgm:fillClrLst>
+    <dgm:linClrLst meth="repeat">
+      <a:schemeClr val="accent1">
+        <a:shade val="80000"/>
+      </a:schemeClr>
+    </dgm:linClrLst>
+    <dgm:effectClrLst/>
+    <dgm:txLinClrLst/>
+    <dgm:txFillClrLst meth="repeat">
+      <a:schemeClr val="dk1"/>
+    </dgm:txFillClrLst>
+    <dgm:txEffectClrLst/>
+  </dgm:styleLbl>
+  <dgm:styleLbl name="node3">
+    <dgm:fillClrLst meth="repeat">
+      <a:schemeClr val="lt1"/>
+    </dgm:fillClrLst>
+    <dgm:linClrLst meth="repeat">
+      <a:schemeClr val="accent1">
+        <a:shade val="80000"/>
+      </a:schemeClr>
+    </dgm:linClrLst>
+    <dgm:effectClrLst/>
+    <dgm:txLinClrLst/>
+    <dgm:txFillClrLst meth="repeat">
+      <a:schemeClr val="dk1"/>
+    </dgm:txFillClrLst>
+    <dgm:txEffectClrLst/>
+  </dgm:styleLbl>
+  <dgm:styleLbl name="node4">
+    <dgm:fillClrLst meth="repeat">
+      <a:schemeClr val="lt1"/>
+    </dgm:fillClrLst>
+    <dgm:linClrLst meth="repeat">
+      <a:schemeClr val="accent1">
+        <a:shade val="80000"/>
+      </a:schemeClr>
+    </dgm:linClrLst>
+    <dgm:effectClrLst/>
+    <dgm:txLinClrLst/>
+    <dgm:txFillClrLst meth="repeat">
+      <a:schemeClr val="dk1"/>
+    </dgm:txFillClrLst>
+    <dgm:txEffectClrLst/>
+  </dgm:styleLbl>
+  <dgm:styleLbl name="fgImgPlace1">
+    <dgm:fillClrLst meth="repeat">
+      <a:schemeClr val="accent1">
+        <a:tint val="40000"/>
+      </a:schemeClr>
+    </dgm:fillClrLst>
+    <dgm:linClrLst meth="repeat">
+      <a:schemeClr val="accent1">
+        <a:shade val="80000"/>
+      </a:schemeClr>
+    </dgm:linClrLst>
+    <dgm:effectClrLst/>
+    <dgm:txLinClrLst/>
+    <dgm:txFillClrLst meth="repeat">
+      <a:schemeClr val="lt1"/>
+    </dgm:txFillClrLst>
+    <dgm:txEffectClrLst/>
+  </dgm:styleLbl>
+  <dgm:styleLbl name="alignImgPlace1">
+    <dgm:fillClrLst meth="repeat">
+      <a:schemeClr val="accent1">
+        <a:tint val="40000"/>
+      </a:schemeClr>
+    </dgm:fillClrLst>
+    <dgm:linClrLst meth="repeat">
+      <a:schemeClr val="accent1">
+        <a:shade val="80000"/>
+      </a:schemeClr>
+    </dgm:linClrLst>
+    <dgm:effectClrLst/>
+    <dgm:txLinClrLst/>
+    <dgm:txFillClrLst meth="repeat">
+      <a:schemeClr val="lt1"/>
+    </dgm:txFillClrLst>
+    <dgm:txEffectClrLst/>
+  </dgm:styleLbl>
+  <dgm:styleLbl name="bgImgPlace1">
+    <dgm:fillClrLst meth="repeat">
+      <a:schemeClr val="accent1">
+        <a:tint val="40000"/>
+      </a:schemeClr>
+    </dgm:fillClrLst>
+    <dgm:linClrLst meth="repeat">
+      <a:schemeClr val="accent1">
+        <a:shade val="80000"/>
+      </a:schemeClr>
+    </dgm:linClrLst>
+    <dgm:effectClrLst/>
+    <dgm:txLinClrLst/>
+    <dgm:txFillClrLst meth="repeat">
+      <a:schemeClr val="lt1"/>
+    </dgm:txFillClrLst>
+    <dgm:txEffectClrLst/>
+  </dgm:styleLbl>
+  <dgm:styleLbl name="sibTrans2D1">
+    <dgm:fillClrLst meth="repeat">
+      <a:schemeClr val="accent1">
+        <a:tint val="60000"/>
+      </a:schemeClr>
+    </dgm:fillClrLst>
+    <dgm:linClrLst meth="repeat">
+      <a:schemeClr val="accent1">
+        <a:tint val="60000"/>
+      </a:schemeClr>
+    </dgm:linClrLst>
+    <dgm:effectClrLst/>
+    <dgm:txLinClrLst/>
+    <dgm:txFillClrLst meth="repeat">
+      <a:schemeClr val="dk1"/>
+    </dgm:txFillClrLst>
+    <dgm:txEffectClrLst/>
+  </dgm:styleLbl>
+  <dgm:styleLbl name="fgSibTrans2D1">
+    <dgm:fillClrLst meth="repeat">
+      <a:schemeClr val="accent1">
+        <a:tint val="60000"/>
+      </a:schemeClr>
+    </dgm:fillClrLst>
+    <dgm:linClrLst meth="repeat">
+      <a:schemeClr val="accent1">
+        <a:tint val="60000"/>
+      </a:schemeClr>
+    </dgm:linClrLst>
+    <dgm:effectClrLst/>
+    <dgm:txLinClrLst/>
+    <dgm:txFillClrLst meth="repeat">
+      <a:schemeClr val="dk1"/>
+    </dgm:txFillClrLst>
+    <dgm:txEffectClrLst/>
+  </dgm:styleLbl>
+  <dgm:styleLbl name="bgSibTrans2D1">
+    <dgm:fillClrLst meth="repeat">
+      <a:schemeClr val="accent1">
+        <a:tint val="60000"/>
+      </a:schemeClr>
+    </dgm:fillClrLst>
+    <dgm:linClrLst meth="repeat">
+      <a:schemeClr val="accent1">
+        <a:tint val="60000"/>
+      </a:schemeClr>
+    </dgm:linClrLst>
+    <dgm:effectClrLst/>
+    <dgm:txLinClrLst/>
+    <dgm:txFillClrLst meth="repeat">
+      <a:schemeClr val="dk1"/>
+    </dgm:txFillClrLst>
+    <dgm:txEffectClrLst/>
+  </dgm:styleLbl>
+  <dgm:styleLbl name="sibTrans1D1">
+    <dgm:fillClrLst meth="repeat">
+      <a:schemeClr val="accent1"/>
+    </dgm:fillClrLst>
+    <dgm:linClrLst meth="repeat">
+      <a:schemeClr val="accent1"/>
+    </dgm:linClrLst>
+    <dgm:effectClrLst/>
+    <dgm:txLinClrLst/>
+    <dgm:txFillClrLst meth="repeat">
+      <a:schemeClr val="tx1"/>
+    </dgm:txFillClrLst>
+    <dgm:txEffectClrLst/>
+  </dgm:styleLbl>
+  <dgm:styleLbl name="callout">
+    <dgm:fillClrLst meth="repeat">
+      <a:schemeClr val="accent1"/>
+    </dgm:fillClrLst>
+    <dgm:linClrLst meth="repeat">
+      <a:schemeClr val="accent1"/>
+    </dgm:linClrLst>
+    <dgm:effectClrLst/>
+    <dgm:txLinClrLst/>
+    <dgm:txFillClrLst meth="repeat">
+      <a:schemeClr val="tx1"/>
+    </dgm:txFillClrLst>
+    <dgm:txEffectClrLst/>
+  </dgm:styleLbl>
+  <dgm:styleLbl name="asst0">
+    <dgm:fillClrLst meth="repeat">
+      <a:schemeClr val="lt1"/>
+    </dgm:fillClrLst>
+    <dgm:linClrLst meth="repeat">
+      <a:schemeClr val="accent1">
+        <a:shade val="80000"/>
+      </a:schemeClr>
+    </dgm:linClrLst>
+    <dgm:effectClrLst/>
+    <dgm:txLinClrLst/>
+    <dgm:txFillClrLst meth="repeat">
+      <a:schemeClr val="dk1"/>
+    </dgm:txFillClrLst>
+    <dgm:txEffectClrLst/>
+  </dgm:styleLbl>
+  <dgm:styleLbl name="asst1">
+    <dgm:fillClrLst meth="repeat">
+      <a:schemeClr val="lt1"/>
+    </dgm:fillClrLst>
+    <dgm:linClrLst meth="repeat">
+      <a:schemeClr val="accent1">
+        <a:shade val="80000"/>
+      </a:schemeClr>
+    </dgm:linClrLst>
+    <dgm:effectClrLst/>
+    <dgm:txLinClrLst/>
+    <dgm:txFillClrLst meth="repeat">
+      <a:schemeClr val="dk1"/>
+    </dgm:txFillClrLst>
+    <dgm:txEffectClrLst/>
+  </dgm:styleLbl>
+  <dgm:styleLbl name="asst2">
+    <dgm:fillClrLst meth="repeat">
+      <a:schemeClr val="lt1"/>
+    </dgm:fillClrLst>
+    <dgm:linClrLst meth="repeat">
+      <a:schemeClr val="accent1">
+        <a:shade val="80000"/>
+      </a:schemeClr>
+    </dgm:linClrLst>
+    <dgm:effectClrLst/>
+    <dgm:txLinClrLst/>
+    <dgm:txFillClrLst meth="repeat">
+      <a:schemeClr val="dk1"/>
+    </dgm:txFillClrLst>
+    <dgm:txEffectClrLst/>
+  </dgm:styleLbl>
+  <dgm:styleLbl name="asst3">
+    <dgm:fillClrLst meth="repeat">
+      <a:schemeClr val="lt1"/>
+    </dgm:fillClrLst>
+    <dgm:linClrLst meth="repeat">
+      <a:schemeClr val="accent1">
+        <a:shade val="80000"/>
+      </a:schemeClr>
+    </dgm:linClrLst>
+    <dgm:effectClrLst/>
+    <dgm:txLinClrLst/>
+    <dgm:txFillClrLst meth="repeat">
+      <a:schemeClr val="dk1"/>
+    </dgm:txFillClrLst>
+    <dgm:txEffectClrLst/>
+  </dgm:styleLbl>
+  <dgm:styleLbl name="asst4">
+    <dgm:fillClrLst meth="repeat">
+      <a:schemeClr val="lt1"/>
+    </dgm:fillClrLst>
+    <dgm:linClrLst meth="repeat">
+      <a:schemeClr val="accent1">
+        <a:shade val="80000"/>
+      </a:schemeClr>
+    </dgm:linClrLst>
+    <dgm:effectClrLst/>
+    <dgm:txLinClrLst/>
+    <dgm:txFillClrLst meth="repeat">
+      <a:schemeClr val="dk1"/>
+    </dgm:txFillClrLst>
+    <dgm:txEffectClrLst/>
+  </dgm:styleLbl>
+  <dgm:styleLbl name="parChTrans2D1">
+    <dgm:fillClrLst meth="repeat">
+      <a:schemeClr val="accent1">
+        <a:tint val="60000"/>
+      </a:schemeClr>
+    </dgm:fillClrLst>
+    <dgm:linClrLst meth="repeat">
+      <a:schemeClr val="accent1">
+        <a:tint val="60000"/>
+      </a:schemeClr>
+    </dgm:linClrLst>
+    <dgm:effectClrLst/>
+    <dgm:txLinClrLst/>
+    <dgm:txFillClrLst/>
+    <dgm:txEffectClrLst/>
+  </dgm:styleLbl>
+  <dgm:styleLbl name="parChTrans2D2">
+    <dgm:fillClrLst meth="repeat">
+      <a:schemeClr val="accent1"/>
+    </dgm:fillClrLst>
+    <dgm:linClrLst meth="repeat">
+      <a:schemeClr val="accent1"/>
+    </dgm:linClrLst>
+    <dgm:effectClrLst/>
+    <dgm:txLinClrLst/>
+    <dgm:txFillClrLst/>
+    <dgm:txEffectClrLst/>
+  </dgm:styleLbl>
+  <dgm:styleLbl name="parChTrans2D3">
+    <dgm:fillClrLst meth="repeat">
+      <a:schemeClr val="accent1"/>
+    </dgm:fillClrLst>
+    <dgm:linClrLst meth="repeat">
+      <a:schemeClr val="accent1"/>
+    </dgm:linClrLst>
+    <dgm:effectClrLst/>
+    <dgm:txLinClrLst/>
+    <dgm:txFillClrLst/>
+    <dgm:txEffectClrLst/>
+  </dgm:styleLbl>
+  <dgm:styleLbl name="parChTrans2D4">
+    <dgm:fillClrLst meth="repeat">
+      <a:schemeClr val="accent1"/>
+    </dgm:fillClrLst>
+    <dgm:linClrLst meth="repeat">
+      <a:schemeClr val="accent1"/>
+    </dgm:linClrLst>
+    <dgm:effectClrLst/>
+    <dgm:txLinClrLst/>
+    <dgm:txFillClrLst meth="repeat">
+      <a:schemeClr val="lt1"/>
+    </dgm:txFillClrLst>
+    <dgm:txEffectClrLst/>
+  </dgm:styleLbl>
+  <dgm:styleLbl name="parChTrans1D1">
+    <dgm:fillClrLst meth="repeat">
+      <a:schemeClr val="accent1"/>
+    </dgm:fillClrLst>
+    <dgm:linClrLst meth="repeat">
+      <a:schemeClr val="accent1">
+        <a:shade val="60000"/>
+      </a:schemeClr>
+    </dgm:linClrLst>
+    <dgm:effectClrLst/>
+    <dgm:txLinClrLst/>
+    <dgm:txFillClrLst meth="repeat">
+      <a:schemeClr val="tx1"/>
+    </dgm:txFillClrLst>
+    <dgm:txEffectClrLst/>
+  </dgm:styleLbl>
+  <dgm:styleLbl name="parChTrans1D2">
+    <dgm:fillClrLst meth="repeat">
+      <a:schemeClr val="accent1"/>
+    </dgm:fillClrLst>
+    <dgm:linClrLst meth="repeat">
+      <a:schemeClr val="accent1">
+        <a:shade val="60000"/>
+      </a:schemeClr>
+    </dgm:linClrLst>
+    <dgm:effectClrLst/>
+    <dgm:txLinClrLst/>
+    <dgm:txFillClrLst meth="repeat">
+      <a:schemeClr val="tx1"/>
+    </dgm:txFillClrLst>
+    <dgm:txEffectClrLst/>
+  </dgm:styleLbl>
+  <dgm:styleLbl name="parChTrans1D3">
+    <dgm:fillClrLst meth="repeat">
+      <a:schemeClr val="accent1"/>
+    </dgm:fillClrLst>
+    <dgm:linClrLst meth="repeat">
+      <a:schemeClr val="accent1">
+        <a:shade val="80000"/>
+      </a:schemeClr>
+    </dgm:linClrLst>
+    <dgm:effectClrLst/>
+    <dgm:txLinClrLst/>
+    <dgm:txFillClrLst meth="repeat">
+      <a:schemeClr val="tx1"/>
+    </dgm:txFillClrLst>
+    <dgm:txEffectClrLst/>
+  </dgm:styleLbl>
+  <dgm:styleLbl name="parChTrans1D4">
+    <dgm:fillClrLst meth="repeat">
+      <a:schemeClr val="accent1"/>
+    </dgm:fillClrLst>
+    <dgm:linClrLst meth="repeat">
+      <a:schemeClr val="accent1">
+        <a:shade val="80000"/>
+      </a:schemeClr>
+    </dgm:linClrLst>
+    <dgm:effectClrLst/>
+    <dgm:txLinClrLst/>
+    <dgm:txFillClrLst meth="repeat">
+      <a:schemeClr val="tx1"/>
+    </dgm:txFillClrLst>
+    <dgm:txEffectClrLst/>
+  </dgm:styleLbl>
+  <dgm:styleLbl name="fgAcc1">
+    <dgm:fillClrLst meth="repeat">
+      <a:schemeClr val="accent1">
+        <a:alpha val="90000"/>
+        <a:tint val="40000"/>
+      </a:schemeClr>
+    </dgm:fillClrLst>
+    <dgm:linClrLst meth="repeat">
+      <a:schemeClr val="accent1"/>
+    </dgm:linClrLst>
+    <dgm:effectClrLst/>
+    <dgm:txLinClrLst/>
+    <dgm:txFillClrLst meth="repeat">
+      <a:schemeClr val="dk1"/>
+    </dgm:txFillClrLst>
+    <dgm:txEffectClrLst/>
+  </dgm:styleLbl>
+  <dgm:styleLbl name="conFgAcc1">
+    <dgm:fillClrLst meth="repeat">
+      <a:schemeClr val="accent1">
+        <a:alpha val="90000"/>
+        <a:tint val="40000"/>
+      </a:schemeClr>
+    </dgm:fillClrLst>
+    <dgm:linClrLst meth="repeat">
+      <a:schemeClr val="accent1"/>
+    </dgm:linClrLst>
+    <dgm:effectClrLst/>
+    <dgm:txLinClrLst/>
+    <dgm:txFillClrLst meth="repeat">
+      <a:schemeClr val="dk1"/>
+    </dgm:txFillClrLst>
+    <dgm:txEffectClrLst/>
+  </dgm:styleLbl>
+  <dgm:styleLbl name="alignAcc1">
+    <dgm:fillClrLst meth="repeat">
+      <a:schemeClr val="accent1">
+        <a:alpha val="90000"/>
+        <a:tint val="40000"/>
+      </a:schemeClr>
+    </dgm:fillClrLst>
+    <dgm:linClrLst meth="repeat">
+      <a:schemeClr val="accent1"/>
+    </dgm:linClrLst>
+    <dgm:effectClrLst/>
+    <dgm:txLinClrLst/>
+    <dgm:txFillClrLst meth="repeat">
+      <a:schemeClr val="dk1"/>
+    </dgm:txFillClrLst>
+    <dgm:txEffectClrLst/>
+  </dgm:styleLbl>
+  <dgm:styleLbl name="trAlignAcc1">
+    <dgm:fillClrLst meth="repeat">
+      <a:schemeClr val="accent1">
+        <a:alpha val="40000"/>
+        <a:tint val="40000"/>
+      </a:schemeClr>
+    </dgm:fillClrLst>
+    <dgm:linClrLst meth="repeat">
+      <a:schemeClr val="accent1"/>
+    </dgm:linClrLst>
+    <dgm:effectClrLst/>
+    <dgm:txLinClrLst/>
+    <dgm:txFillClrLst meth="repeat">
+      <a:schemeClr val="dk1"/>
+    </dgm:txFillClrLst>
+    <dgm:txEffectClrLst/>
+  </dgm:styleLbl>
+  <dgm:styleLbl name="bgAcc1">
+    <dgm:fillClrLst meth="repeat">
+      <a:schemeClr val="accent1">
+        <a:alpha val="90000"/>
+        <a:tint val="40000"/>
+      </a:schemeClr>
+    </dgm:fillClrLst>
+    <dgm:linClrLst meth="repeat">
+      <a:schemeClr val="accent1"/>
+    </dgm:linClrLst>
+    <dgm:effectClrLst/>
+    <dgm:txLinClrLst/>
+    <dgm:txFillClrLst meth="repeat">
+      <a:schemeClr val="dk1"/>
+    </dgm:txFillClrLst>
+    <dgm:txEffectClrLst/>
+  </dgm:styleLbl>
+  <dgm:styleLbl name="solidFgAcc1">
+    <dgm:fillClrLst meth="repeat">
+      <a:schemeClr val="lt1"/>
+    </dgm:fillClrLst>
+    <dgm:linClrLst meth="repeat">
+      <a:schemeClr val="accent1"/>
+    </dgm:linClrLst>
+    <dgm:effectClrLst/>
+    <dgm:txLinClrLst/>
+    <dgm:txFillClrLst meth="repeat">
+      <a:schemeClr val="dk1"/>
+    </dgm:txFillClrLst>
+    <dgm:txEffectClrLst/>
+  </dgm:styleLbl>
+  <dgm:styleLbl name="solidAlignAcc1">
+    <dgm:fillClrLst meth="repeat">
+      <a:schemeClr val="lt1"/>
+    </dgm:fillClrLst>
+    <dgm:linClrLst meth="repeat">
+      <a:schemeClr val="accent1"/>
+    </dgm:linClrLst>
+    <dgm:effectClrLst/>
+    <dgm:txLinClrLst/>
+    <dgm:txFillClrLst meth="repeat">
+      <a:schemeClr val="dk1"/>
+    </dgm:txFillClrLst>
+    <dgm:txEffectClrLst/>
+  </dgm:styleLbl>
+  <dgm:styleLbl name="solidBgAcc1">
+    <dgm:fillClrLst meth="repeat">
+      <a:schemeClr val="lt1"/>
+    </dgm:fillClrLst>
+    <dgm:linClrLst meth="repeat">
+      <a:schemeClr val="accent1"/>
+    </dgm:linClrLst>
+    <dgm:effectClrLst/>
+    <dgm:txLinClrLst/>
+    <dgm:txFillClrLst meth="repeat">
+      <a:schemeClr val="dk1"/>
+    </dgm:txFillClrLst>
+    <dgm:txEffectClrLst/>
+  </dgm:styleLbl>
+  <dgm:styleLbl name="fgAccFollowNode1">
+    <dgm:fillClrLst meth="repeat">
+      <a:schemeClr val="lt1">
+        <a:alpha val="90000"/>
+        <a:tint val="40000"/>
+      </a:schemeClr>
+    </dgm:fillClrLst>
+    <dgm:linClrLst meth="repeat">
+      <a:schemeClr val="accent1">
+        <a:alpha val="90000"/>
+      </a:schemeClr>
+    </dgm:linClrLst>
+    <dgm:effectClrLst/>
+    <dgm:txLinClrLst/>
+    <dgm:txFillClrLst meth="repeat">
+      <a:schemeClr val="dk1"/>
+    </dgm:txFillClrLst>
+    <dgm:txEffectClrLst/>
+  </dgm:styleLbl>
+  <dgm:styleLbl name="alignAccFollowNode1">
+    <dgm:fillClrLst meth="repeat">
+      <a:schemeClr val="lt1">
+        <a:alpha val="90000"/>
+        <a:tint val="40000"/>
+      </a:schemeClr>
+    </dgm:fillClrLst>
+    <dgm:linClrLst meth="repeat">
+      <a:schemeClr val="accent1">
+        <a:alpha val="90000"/>
+      </a:schemeClr>
+    </dgm:linClrLst>
+    <dgm:effectClrLst/>
+    <dgm:txLinClrLst/>
+    <dgm:txFillClrLst meth="repeat">
+      <a:schemeClr val="dk1"/>
+    </dgm:txFillClrLst>
+    <dgm:txEffectClrLst/>
+  </dgm:styleLbl>
+  <dgm:styleLbl name="bgAccFollowNode1">
+    <dgm:fillClrLst meth="repeat">
+      <a:schemeClr val="lt1">
+        <a:alpha val="90000"/>
+        <a:tint val="40000"/>
+      </a:schemeClr>
+    </dgm:fillClrLst>
+    <dgm:linClrLst meth="repeat">
+      <a:schemeClr val="accent1">
+        <a:alpha val="90000"/>
+      </a:schemeClr>
+    </dgm:linClrLst>
+    <dgm:effectClrLst/>
+    <dgm:txLinClrLst/>
+    <dgm:txFillClrLst meth="repeat">
+      <a:schemeClr val="dk1"/>
+    </dgm:txFillClrLst>
+    <dgm:txEffectClrLst/>
+  </dgm:styleLbl>
+  <dgm:styleLbl name="fgAcc0">
+    <dgm:fillClrLst meth="repeat">
+      <a:schemeClr val="accent1">
+        <a:alpha val="90000"/>
+        <a:tint val="40000"/>
+      </a:schemeClr>
+    </dgm:fillClrLst>
+    <dgm:linClrLst meth="repeat">
+      <a:schemeClr val="accent1"/>
+    </dgm:linClrLst>
+    <dgm:effectClrLst/>
+    <dgm:txLinClrLst/>
+    <dgm:txFillClrLst meth="repeat">
+      <a:schemeClr val="dk1"/>
+    </dgm:txFillClrLst>
+    <dgm:txEffectClrLst/>
+  </dgm:styleLbl>
+  <dgm:styleLbl name="fgAcc2">
+    <dgm:fillClrLst meth="repeat">
+      <a:schemeClr val="accent1">
+        <a:alpha val="90000"/>
+        <a:tint val="40000"/>
+      </a:schemeClr>
+    </dgm:fillClrLst>
+    <dgm:linClrLst meth="repeat">
+      <a:schemeClr val="accent1"/>
+    </dgm:linClrLst>
+    <dgm:effectClrLst/>
+    <dgm:txLinClrLst/>
+    <dgm:txFillClrLst meth="repeat">
+      <a:schemeClr val="dk1"/>
+    </dgm:txFillClrLst>
+    <dgm:txEffectClrLst/>
+  </dgm:styleLbl>
+  <dgm:styleLbl name="fgAcc3">
+    <dgm:fillClrLst meth="repeat">
+      <a:schemeClr val="accent1">
+        <a:alpha val="90000"/>
+        <a:tint val="40000"/>
+      </a:schemeClr>
+    </dgm:fillClrLst>
+    <dgm:linClrLst meth="repeat">
+      <a:schemeClr val="accent1"/>
+    </dgm:linClrLst>
+    <dgm:effectClrLst/>
+    <dgm:txLinClrLst/>
+    <dgm:txFillClrLst meth="repeat">
+      <a:schemeClr val="dk1"/>
+    </dgm:txFillClrLst>
+    <dgm:txEffectClrLst/>
+  </dgm:styleLbl>
+  <dgm:styleLbl name="fgAcc4">
+    <dgm:fillClrLst meth="repeat">
+      <a:schemeClr val="accent1">
+        <a:alpha val="90000"/>
+        <a:tint val="40000"/>
+      </a:schemeClr>
+    </dgm:fillClrLst>
+    <dgm:linClrLst meth="repeat">
+      <a:schemeClr val="accent1"/>
+    </dgm:linClrLst>
+    <dgm:effectClrLst/>
+    <dgm:txLinClrLst/>
+    <dgm:txFillClrLst meth="repeat">
+      <a:schemeClr val="dk1"/>
+    </dgm:txFillClrLst>
+    <dgm:txEffectClrLst/>
+  </dgm:styleLbl>
+  <dgm:styleLbl name="bgShp">
+    <dgm:fillClrLst meth="repeat">
+      <a:schemeClr val="accent1">
+        <a:tint val="40000"/>
+      </a:schemeClr>
+    </dgm:fillClrLst>
+    <dgm:linClrLst meth="repeat">
+      <a:schemeClr val="accent1"/>
+    </dgm:linClrLst>
+    <dgm:effectClrLst/>
+    <dgm:txLinClrLst/>
+    <dgm:txFillClrLst meth="repeat">
+      <a:schemeClr val="dk1"/>
+    </dgm:txFillClrLst>
+    <dgm:txEffectClrLst/>
+  </dgm:styleLbl>
+  <dgm:styleLbl name="dkBgShp">
+    <dgm:fillClrLst meth="repeat">
+      <a:schemeClr val="accent1">
+        <a:shade val="80000"/>
+      </a:schemeClr>
+    </dgm:fillClrLst>
+    <dgm:linClrLst meth="repeat">
+      <a:schemeClr val="accent1"/>
+    </dgm:linClrLst>
+    <dgm:effectClrLst/>
+    <dgm:txLinClrLst/>
+    <dgm:txFillClrLst meth="repeat">
+      <a:schemeClr val="lt1"/>
+    </dgm:txFillClrLst>
+    <dgm:txEffectClrLst/>
+  </dgm:styleLbl>
+  <dgm:styleLbl name="trBgShp">
+    <dgm:fillClrLst meth="repeat">
+      <a:schemeClr val="accent1">
+        <a:tint val="50000"/>
+        <a:alpha val="40000"/>
+      </a:schemeClr>
+    </dgm:fillClrLst>
+    <dgm:linClrLst meth="repeat">
+      <a:schemeClr val="accent1"/>
+    </dgm:linClrLst>
+    <dgm:effectClrLst/>
+    <dgm:txLinClrLst/>
+    <dgm:txFillClrLst meth="repeat">
+      <a:schemeClr val="lt1"/>
+    </dgm:txFillClrLst>
+    <dgm:txEffectClrLst/>
+  </dgm:styleLbl>
+  <dgm:styleLbl name="fgShp">
+    <dgm:fillClrLst meth="repeat">
+      <a:schemeClr val="accent1">
         <a:tint val="60000"/>
       </a:schemeClr>
     </dgm:fillClrLst>
@@ -2880,7 +3688,7 @@
 <dgm:dataModel xmlns:dgm="http://schemas.openxmlformats.org/drawingml/2006/diagram" xmlns:a="http://schemas.openxmlformats.org/drawingml/2006/main">
   <dgm:ptLst>
     <dgm:pt modelId="{602435B6-2442-4B7D-B00D-8AA9F0B3E390}" type="doc">
-      <dgm:prSet loTypeId="urn:microsoft.com/office/officeart/2005/8/layout/hChevron3" loCatId="process" qsTypeId="urn:microsoft.com/office/officeart/2005/8/quickstyle/simple3" qsCatId="simple" csTypeId="urn:microsoft.com/office/officeart/2005/8/colors/accent3_3" csCatId="accent3"/>
+      <dgm:prSet loTypeId="urn:microsoft.com/office/officeart/2005/8/layout/hChevron3" loCatId="process" qsTypeId="urn:microsoft.com/office/officeart/2005/8/quickstyle/simple3" qsCatId="simple" csTypeId="urn:microsoft.com/office/officeart/2005/8/colors/accent3_3" csCatId="accent3" phldr="1"/>
       <dgm:spPr/>
       <dgm:t>
         <a:bodyPr/>
@@ -3042,7 +3850,7 @@
         <a:lstStyle/>
         <a:p>
           <a:r>
-            <a:rPr lang="en-US"/>
+            <a:rPr lang="en-US" dirty="0"/>
             <a:t>Filtering</a:t>
           </a:r>
         </a:p>
@@ -3150,7 +3958,7 @@
         <a:lstStyle/>
         <a:p>
           <a:r>
-            <a:rPr lang="en-US"/>
+            <a:rPr lang="en-US" dirty="0"/>
             <a:t>TF-IDF</a:t>
           </a:r>
         </a:p>
@@ -3222,7 +4030,7 @@
         <a:lstStyle/>
         <a:p>
           <a:r>
-            <a:rPr lang="en-US"/>
+            <a:rPr lang="en-US" dirty="0"/>
             <a:t>Bayes</a:t>
           </a:r>
         </a:p>
@@ -3258,9 +4066,10 @@
         <a:lstStyle/>
         <a:p>
           <a:r>
-            <a:rPr lang="en-US"/>
-            <a:t>Neural Networks</a:t>
+            <a:rPr lang="en-US" dirty="0" smtClean="0"/>
+            <a:t>Gradient-boosted decision trees</a:t>
           </a:r>
+          <a:endParaRPr lang="en-US" dirty="0"/>
         </a:p>
       </dgm:t>
     </dgm:pt>
@@ -3276,6 +4085,117 @@
       </dgm:t>
     </dgm:pt>
     <dgm:pt modelId="{AE37AE4B-E0AE-4D39-B3DB-BFFB77EF1D45}" type="sibTrans" cxnId="{079545D2-E122-4429-A9F7-554A06F72D58}">
+      <dgm:prSet/>
+      <dgm:spPr/>
+      <dgm:t>
+        <a:bodyPr/>
+        <a:lstStyle/>
+        <a:p>
+          <a:endParaRPr lang="en-US"/>
+        </a:p>
+      </dgm:t>
+    </dgm:pt>
+    <dgm:pt modelId="{019F078E-8FAE-D947-81CE-8E1DE438C2B8}">
+      <dgm:prSet/>
+      <dgm:spPr/>
+      <dgm:t>
+        <a:bodyPr/>
+        <a:lstStyle/>
+        <a:p>
+          <a:r>
+            <a:rPr lang="en-US" dirty="0" smtClean="0"/>
+            <a:t>Deep neural network</a:t>
+          </a:r>
+          <a:endParaRPr lang="en-US" dirty="0"/>
+        </a:p>
+      </dgm:t>
+    </dgm:pt>
+    <dgm:pt modelId="{6C5D2820-4E17-C547-AA4F-09F175F23FD8}" type="parTrans" cxnId="{A356474A-4221-354C-B791-318E8606D017}">
+      <dgm:prSet/>
+      <dgm:spPr/>
+      <dgm:t>
+        <a:bodyPr/>
+        <a:lstStyle/>
+        <a:p>
+          <a:endParaRPr lang="en-US"/>
+        </a:p>
+      </dgm:t>
+    </dgm:pt>
+    <dgm:pt modelId="{6FB34F27-4A5D-0547-A3CB-637278525885}" type="sibTrans" cxnId="{A356474A-4221-354C-B791-318E8606D017}">
+      <dgm:prSet/>
+      <dgm:spPr/>
+      <dgm:t>
+        <a:bodyPr/>
+        <a:lstStyle/>
+        <a:p>
+          <a:endParaRPr lang="en-US"/>
+        </a:p>
+      </dgm:t>
+    </dgm:pt>
+    <dgm:pt modelId="{9DA3BCFD-9947-EE4C-985F-DC6E38907EE5}">
+      <dgm:prSet/>
+      <dgm:spPr/>
+      <dgm:t>
+        <a:bodyPr/>
+        <a:lstStyle/>
+        <a:p>
+          <a:r>
+            <a:rPr lang="en-US" dirty="0" smtClean="0"/>
+            <a:t>Word2Vec</a:t>
+          </a:r>
+          <a:endParaRPr lang="en-US" dirty="0"/>
+        </a:p>
+      </dgm:t>
+    </dgm:pt>
+    <dgm:pt modelId="{7F68F65B-9971-6F4E-9528-59AA1BC38AC0}" type="parTrans" cxnId="{A8CB4FCE-1743-0549-973C-CEAC4AFB6113}">
+      <dgm:prSet/>
+      <dgm:spPr/>
+      <dgm:t>
+        <a:bodyPr/>
+        <a:lstStyle/>
+        <a:p>
+          <a:endParaRPr lang="en-US"/>
+        </a:p>
+      </dgm:t>
+    </dgm:pt>
+    <dgm:pt modelId="{81B4F4D4-F574-1D42-9303-6D3EAA48BEBB}" type="sibTrans" cxnId="{A8CB4FCE-1743-0549-973C-CEAC4AFB6113}">
+      <dgm:prSet/>
+      <dgm:spPr/>
+      <dgm:t>
+        <a:bodyPr/>
+        <a:lstStyle/>
+        <a:p>
+          <a:endParaRPr lang="en-US"/>
+        </a:p>
+      </dgm:t>
+    </dgm:pt>
+    <dgm:pt modelId="{F53C306A-7E20-D943-A0B8-15B65EC501AC}">
+      <dgm:prSet/>
+      <dgm:spPr/>
+      <dgm:t>
+        <a:bodyPr/>
+        <a:lstStyle/>
+        <a:p>
+          <a:r>
+            <a:rPr lang="en-US" dirty="0" smtClean="0"/>
+            <a:t>Translation</a:t>
+          </a:r>
+          <a:endParaRPr lang="en-US" dirty="0"/>
+        </a:p>
+      </dgm:t>
+    </dgm:pt>
+    <dgm:pt modelId="{516F7FDF-610C-D349-9D33-FBFDCC8FA8D8}" type="parTrans" cxnId="{4BA54980-1E94-8A48-B4C8-A13BEDEB95E8}">
+      <dgm:prSet/>
+      <dgm:spPr/>
+      <dgm:t>
+        <a:bodyPr/>
+        <a:lstStyle/>
+        <a:p>
+          <a:endParaRPr lang="en-US"/>
+        </a:p>
+      </dgm:t>
+    </dgm:pt>
+    <dgm:pt modelId="{BE2AF604-D8EF-E345-9F41-D3473913BE03}" type="sibTrans" cxnId="{4BA54980-1E94-8A48-B4C8-A13BEDEB95E8}">
       <dgm:prSet/>
       <dgm:spPr/>
       <dgm:t>
@@ -3359,6 +4279,7 @@
   <dgm:cxnLst>
     <dgm:cxn modelId="{1FA9FEFD-0CC3-48E6-8895-F9D40CC5219A}" srcId="{CB7AE3A4-F843-4E6B-A39D-5BF54546D630}" destId="{59C40EFF-E339-4D86-A175-40692275845E}" srcOrd="2" destOrd="0" parTransId="{AF6BD019-CFA1-47FD-BEDC-0FA22A2822B7}" sibTransId="{F1298826-52B4-4DE5-B3A7-AB1D4ABA83AB}"/>
     <dgm:cxn modelId="{929FC921-E24C-4347-B68D-82577BEB028E}" srcId="{CB7AE3A4-F843-4E6B-A39D-5BF54546D630}" destId="{C0C4AB79-55D0-4748-A837-8DCB3F511BCD}" srcOrd="1" destOrd="0" parTransId="{62E3611C-73C3-4AA6-865C-BBBCF8162646}" sibTransId="{7555C6A6-54F4-4FEE-8876-F0F04E98D137}"/>
+    <dgm:cxn modelId="{A356474A-4221-354C-B791-318E8606D017}" srcId="{01B94872-614F-4FE8-86FD-40B7A9B0FA8C}" destId="{019F078E-8FAE-D947-81CE-8E1DE438C2B8}" srcOrd="2" destOrd="0" parTransId="{6C5D2820-4E17-C547-AA4F-09F175F23FD8}" sibTransId="{6FB34F27-4A5D-0547-A3CB-637278525885}"/>
     <dgm:cxn modelId="{9D6BEA8E-9F96-4613-AE6A-A4752489FB19}" srcId="{CB7AE3A4-F843-4E6B-A39D-5BF54546D630}" destId="{4D6C343D-3736-4A9F-9618-9403B167E8F8}" srcOrd="0" destOrd="0" parTransId="{9B921330-B608-4290-8266-2FF183B1F066}" sibTransId="{8AB3FF81-1F64-46FB-BACE-B131CF03885E}"/>
     <dgm:cxn modelId="{43F77CBE-CDDC-E744-9417-7A35C86E2509}" type="presOf" srcId="{4D6C343D-3736-4A9F-9618-9403B167E8F8}" destId="{1456FA7B-4421-1744-A2D4-1A5CFB92443D}" srcOrd="0" destOrd="1" presId="urn:microsoft.com/office/officeart/2005/8/layout/hChevron3"/>
     <dgm:cxn modelId="{0053EE99-F189-CA4E-8B47-6DC0727D0540}" type="presOf" srcId="{FD0A2110-9993-49CA-AF9F-E521A6BA2880}" destId="{547D18C2-F374-9748-A1C5-1AA96CCF1B38}" srcOrd="0" destOrd="2" presId="urn:microsoft.com/office/officeart/2005/8/layout/hChevron3"/>
@@ -3375,11 +4296,16 @@
     <dgm:cxn modelId="{0F046476-7DA5-DC44-8870-615994CD5036}" type="presOf" srcId="{CB7AE3A4-F843-4E6B-A39D-5BF54546D630}" destId="{1456FA7B-4421-1744-A2D4-1A5CFB92443D}" srcOrd="0" destOrd="0" presId="urn:microsoft.com/office/officeart/2005/8/layout/hChevron3"/>
     <dgm:cxn modelId="{42E588AC-35E6-47BC-BD14-4C344A30F470}" srcId="{5C9A1FAC-AC56-4EE6-A971-A1E188304E11}" destId="{0081E9BA-FDD8-4E66-9B33-79A7AA5C9E63}" srcOrd="1" destOrd="0" parTransId="{ECC97FF0-C9BE-44D8-A48A-7F250193C9F5}" sibTransId="{769B904B-B10D-4A93-BE1F-A5BBF2822923}"/>
     <dgm:cxn modelId="{F725135C-FD03-0143-903F-40BD3A49E362}" type="presOf" srcId="{43A3B443-B2D1-452E-AB8E-60FCBD083143}" destId="{547D18C2-F374-9748-A1C5-1AA96CCF1B38}" srcOrd="0" destOrd="1" presId="urn:microsoft.com/office/officeart/2005/8/layout/hChevron3"/>
+    <dgm:cxn modelId="{A8CB4FCE-1743-0549-973C-CEAC4AFB6113}" srcId="{5C9A1FAC-AC56-4EE6-A971-A1E188304E11}" destId="{9DA3BCFD-9947-EE4C-985F-DC6E38907EE5}" srcOrd="2" destOrd="0" parTransId="{7F68F65B-9971-6F4E-9528-59AA1BC38AC0}" sibTransId="{81B4F4D4-F574-1D42-9303-6D3EAA48BEBB}"/>
     <dgm:cxn modelId="{569AAF6E-6E58-6D48-AA51-845D83C9A116}" type="presOf" srcId="{59C40EFF-E339-4D86-A175-40692275845E}" destId="{1456FA7B-4421-1744-A2D4-1A5CFB92443D}" srcOrd="0" destOrd="3" presId="urn:microsoft.com/office/officeart/2005/8/layout/hChevron3"/>
+    <dgm:cxn modelId="{940610EC-DDCC-3248-8558-8CC3F5FFAC66}" type="presOf" srcId="{019F078E-8FAE-D947-81CE-8E1DE438C2B8}" destId="{547D18C2-F374-9748-A1C5-1AA96CCF1B38}" srcOrd="0" destOrd="3" presId="urn:microsoft.com/office/officeart/2005/8/layout/hChevron3"/>
     <dgm:cxn modelId="{5BC1F5B3-A5E3-054C-859B-758CF7F4F8E1}" type="presOf" srcId="{5C9A1FAC-AC56-4EE6-A971-A1E188304E11}" destId="{0AE7F60A-16EC-BA4D-95CE-29335343A9FD}" srcOrd="0" destOrd="0" presId="urn:microsoft.com/office/officeart/2005/8/layout/hChevron3"/>
     <dgm:cxn modelId="{AA478E93-5579-6645-83BB-79590C326B84}" type="presOf" srcId="{0081E9BA-FDD8-4E66-9B33-79A7AA5C9E63}" destId="{0AE7F60A-16EC-BA4D-95CE-29335343A9FD}" srcOrd="0" destOrd="2" presId="urn:microsoft.com/office/officeart/2005/8/layout/hChevron3"/>
+    <dgm:cxn modelId="{880F4278-D6F3-984F-9D46-E14C760C4669}" type="presOf" srcId="{F53C306A-7E20-D943-A0B8-15B65EC501AC}" destId="{1456FA7B-4421-1744-A2D4-1A5CFB92443D}" srcOrd="0" destOrd="5" presId="urn:microsoft.com/office/officeart/2005/8/layout/hChevron3"/>
     <dgm:cxn modelId="{E91BC478-E1EE-FF42-B522-9E8F287D45AD}" type="presOf" srcId="{74B238E8-CB71-497E-8415-6D61B9E5CCEC}" destId="{0AE7F60A-16EC-BA4D-95CE-29335343A9FD}" srcOrd="0" destOrd="1" presId="urn:microsoft.com/office/officeart/2005/8/layout/hChevron3"/>
     <dgm:cxn modelId="{1D392AD3-323C-46F6-B6A4-6A752F66D0C1}" srcId="{01B94872-614F-4FE8-86FD-40B7A9B0FA8C}" destId="{43A3B443-B2D1-452E-AB8E-60FCBD083143}" srcOrd="0" destOrd="0" parTransId="{94D856C9-4350-4169-B887-295414E41FE6}" sibTransId="{70632DCB-3E61-43B0-985D-C03081807910}"/>
+    <dgm:cxn modelId="{31B53547-F8F4-2C4F-A4CA-E2BDC91B7C7B}" type="presOf" srcId="{9DA3BCFD-9947-EE4C-985F-DC6E38907EE5}" destId="{0AE7F60A-16EC-BA4D-95CE-29335343A9FD}" srcOrd="0" destOrd="3" presId="urn:microsoft.com/office/officeart/2005/8/layout/hChevron3"/>
+    <dgm:cxn modelId="{4BA54980-1E94-8A48-B4C8-A13BEDEB95E8}" srcId="{CB7AE3A4-F843-4E6B-A39D-5BF54546D630}" destId="{F53C306A-7E20-D943-A0B8-15B65EC501AC}" srcOrd="4" destOrd="0" parTransId="{516F7FDF-610C-D349-9D33-FBFDCC8FA8D8}" sibTransId="{BE2AF604-D8EF-E345-9F41-D3473913BE03}"/>
     <dgm:cxn modelId="{9E0CAC60-EA38-5D41-B7C8-5121F80A6CF2}" type="presParOf" srcId="{03A40EAE-C7F4-6D4A-9304-A6B04591364F}" destId="{1456FA7B-4421-1744-A2D4-1A5CFB92443D}" srcOrd="0" destOrd="0" presId="urn:microsoft.com/office/officeart/2005/8/layout/hChevron3"/>
     <dgm:cxn modelId="{96CDF5BC-996D-1F4B-8FD2-9331D78B66CE}" type="presParOf" srcId="{03A40EAE-C7F4-6D4A-9304-A6B04591364F}" destId="{57FBD266-8796-1D45-89A2-6227DBBAC68E}" srcOrd="1" destOrd="0" presId="urn:microsoft.com/office/officeart/2005/8/layout/hChevron3"/>
     <dgm:cxn modelId="{876E7C34-048E-F04C-A5C7-0C19DAF0110B}" type="presParOf" srcId="{03A40EAE-C7F4-6D4A-9304-A6B04591364F}" destId="{0AE7F60A-16EC-BA4D-95CE-29335343A9FD}" srcOrd="2" destOrd="0" presId="urn:microsoft.com/office/officeart/2005/8/layout/hChevron3"/>
@@ -3947,6 +4873,294 @@
     <dgm:cxn modelId="{B322F9E6-B799-9049-8F1D-8196B01AD73A}" type="presParOf" srcId="{AE5FDE30-87C6-E24E-9AD2-80C38D2B4D20}" destId="{92796B2C-37D4-174D-B96E-F9C278F5DFFC}" srcOrd="0" destOrd="0" presId="urn:microsoft.com/office/officeart/2016/7/layout/LinearBlockProcessNumbered"/>
     <dgm:cxn modelId="{08C19A03-732D-9B4C-A9F3-4B825D42ED33}" type="presParOf" srcId="{AE5FDE30-87C6-E24E-9AD2-80C38D2B4D20}" destId="{343CC53B-EA03-BF4C-BC32-3D5CBFF3CCA9}" srcOrd="1" destOrd="0" presId="urn:microsoft.com/office/officeart/2016/7/layout/LinearBlockProcessNumbered"/>
     <dgm:cxn modelId="{1B9E7FBE-247E-4A48-A4CC-C3930E89AAF8}" type="presParOf" srcId="{AE5FDE30-87C6-E24E-9AD2-80C38D2B4D20}" destId="{4D0308FE-5E5D-9442-9568-7603FDB9010C}" srcOrd="2" destOrd="0" presId="urn:microsoft.com/office/officeart/2016/7/layout/LinearBlockProcessNumbered"/>
+  </dgm:cxnLst>
+  <dgm:bg/>
+  <dgm:whole/>
+  <dgm:extLst>
+    <a:ext uri="http://schemas.microsoft.com/office/drawing/2008/diagram">
+      <dsp:dataModelExt xmlns:dsp="http://schemas.microsoft.com/office/drawing/2008/diagram" relId="rId6" minVer="http://schemas.openxmlformats.org/drawingml/2006/diagram"/>
+    </a:ext>
+  </dgm:extLst>
+</dgm:dataModel>
+</file>
+
+<file path=ppt/diagrams/data4.xml><?xml version="1.0" encoding="utf-8"?>
+<dgm:dataModel xmlns:dgm="http://schemas.openxmlformats.org/drawingml/2006/diagram" xmlns:a="http://schemas.openxmlformats.org/drawingml/2006/main">
+  <dgm:ptLst>
+    <dgm:pt modelId="{5AC1DA55-964E-4455-8A74-94C01CEFDBB5}" type="doc">
+      <dgm:prSet loTypeId="urn:microsoft.com/office/officeart/2005/8/layout/vList2" loCatId="list" qsTypeId="urn:microsoft.com/office/officeart/2005/8/quickstyle/simple2" qsCatId="simple" csTypeId="urn:microsoft.com/office/officeart/2005/8/colors/accent1_1" csCatId="accent1" phldr="1"/>
+      <dgm:spPr/>
+      <dgm:t>
+        <a:bodyPr/>
+        <a:lstStyle/>
+        <a:p>
+          <a:endParaRPr lang="en-US"/>
+        </a:p>
+      </dgm:t>
+    </dgm:pt>
+    <dgm:pt modelId="{56FB5EE0-2DE9-422C-8F23-E1B0DB9E52D6}">
+      <dgm:prSet/>
+      <dgm:spPr/>
+      <dgm:t>
+        <a:bodyPr/>
+        <a:lstStyle/>
+        <a:p>
+          <a:r>
+            <a:rPr lang="en-US" dirty="0"/>
+            <a:t>MNB Implementation – </a:t>
+          </a:r>
+          <a:r>
+            <a:rPr lang="en-US" dirty="0" smtClean="0"/>
+            <a:t>All</a:t>
+          </a:r>
+          <a:endParaRPr lang="en-US" dirty="0"/>
+        </a:p>
+      </dgm:t>
+    </dgm:pt>
+    <dgm:pt modelId="{068ACD14-C535-48B5-9362-A841DCDB05A3}" type="parTrans" cxnId="{D6CF65A1-8B89-41F2-ABA2-13072643C04F}">
+      <dgm:prSet/>
+      <dgm:spPr/>
+      <dgm:t>
+        <a:bodyPr/>
+        <a:lstStyle/>
+        <a:p>
+          <a:endParaRPr lang="en-US"/>
+        </a:p>
+      </dgm:t>
+    </dgm:pt>
+    <dgm:pt modelId="{752D7353-C2E0-4B92-AE16-9B5BF3537BBB}" type="sibTrans" cxnId="{D6CF65A1-8B89-41F2-ABA2-13072643C04F}">
+      <dgm:prSet/>
+      <dgm:spPr/>
+      <dgm:t>
+        <a:bodyPr/>
+        <a:lstStyle/>
+        <a:p>
+          <a:endParaRPr lang="en-US"/>
+        </a:p>
+      </dgm:t>
+    </dgm:pt>
+    <dgm:pt modelId="{3600E1AB-8D02-495B-8596-F87910DCCD0E}">
+      <dgm:prSet/>
+      <dgm:spPr/>
+      <dgm:t>
+        <a:bodyPr/>
+        <a:lstStyle/>
+        <a:p>
+          <a:r>
+            <a:rPr lang="en-US"/>
+            <a:t>Preprocessing – Shubhi</a:t>
+          </a:r>
+        </a:p>
+      </dgm:t>
+    </dgm:pt>
+    <dgm:pt modelId="{8C41F3EF-9866-4BA0-92D9-10CE7E47821A}" type="parTrans" cxnId="{E48B8551-B871-4C40-B21C-7FC66411593C}">
+      <dgm:prSet/>
+      <dgm:spPr/>
+      <dgm:t>
+        <a:bodyPr/>
+        <a:lstStyle/>
+        <a:p>
+          <a:endParaRPr lang="en-US"/>
+        </a:p>
+      </dgm:t>
+    </dgm:pt>
+    <dgm:pt modelId="{2C9896E0-0392-4B2D-82F6-F35D69516329}" type="sibTrans" cxnId="{E48B8551-B871-4C40-B21C-7FC66411593C}">
+      <dgm:prSet/>
+      <dgm:spPr/>
+      <dgm:t>
+        <a:bodyPr/>
+        <a:lstStyle/>
+        <a:p>
+          <a:endParaRPr lang="en-US"/>
+        </a:p>
+      </dgm:t>
+    </dgm:pt>
+    <dgm:pt modelId="{7CDF8A06-A58B-413B-9783-D7D43AAF31B3}">
+      <dgm:prSet/>
+      <dgm:spPr/>
+      <dgm:t>
+        <a:bodyPr/>
+        <a:lstStyle/>
+        <a:p>
+          <a:r>
+            <a:rPr lang="en-US"/>
+            <a:t>Feature Extraction – Linghan</a:t>
+          </a:r>
+        </a:p>
+      </dgm:t>
+    </dgm:pt>
+    <dgm:pt modelId="{097B43B0-6E93-4270-9F92-C6D2959AC941}" type="parTrans" cxnId="{8F49EAF7-B965-4163-8684-A709CCAD2268}">
+      <dgm:prSet/>
+      <dgm:spPr/>
+      <dgm:t>
+        <a:bodyPr/>
+        <a:lstStyle/>
+        <a:p>
+          <a:endParaRPr lang="en-US"/>
+        </a:p>
+      </dgm:t>
+    </dgm:pt>
+    <dgm:pt modelId="{E7DBCFB7-39E6-4500-8806-4C7C1D1A47AD}" type="sibTrans" cxnId="{8F49EAF7-B965-4163-8684-A709CCAD2268}">
+      <dgm:prSet/>
+      <dgm:spPr/>
+      <dgm:t>
+        <a:bodyPr/>
+        <a:lstStyle/>
+        <a:p>
+          <a:endParaRPr lang="en-US"/>
+        </a:p>
+      </dgm:t>
+    </dgm:pt>
+    <dgm:pt modelId="{DC733802-83E5-433D-9119-3CB7D448C066}">
+      <dgm:prSet/>
+      <dgm:spPr/>
+      <dgm:t>
+        <a:bodyPr/>
+        <a:lstStyle/>
+        <a:p>
+          <a:r>
+            <a:rPr lang="en-US" dirty="0" smtClean="0"/>
+            <a:t>Models </a:t>
+          </a:r>
+          <a:r>
+            <a:rPr lang="en-US" dirty="0"/>
+            <a:t>&amp; Evaluations - Emily</a:t>
+          </a:r>
+        </a:p>
+      </dgm:t>
+    </dgm:pt>
+    <dgm:pt modelId="{9EA474B7-BAA2-41AB-8606-FD127C7B7102}" type="parTrans" cxnId="{CB5B316C-5BEF-4DFE-A34C-E83EDBA19B48}">
+      <dgm:prSet/>
+      <dgm:spPr/>
+      <dgm:t>
+        <a:bodyPr/>
+        <a:lstStyle/>
+        <a:p>
+          <a:endParaRPr lang="en-US"/>
+        </a:p>
+      </dgm:t>
+    </dgm:pt>
+    <dgm:pt modelId="{6D8E8DB2-EE81-427B-946F-1CE9D47812C8}" type="sibTrans" cxnId="{CB5B316C-5BEF-4DFE-A34C-E83EDBA19B48}">
+      <dgm:prSet/>
+      <dgm:spPr/>
+      <dgm:t>
+        <a:bodyPr/>
+        <a:lstStyle/>
+        <a:p>
+          <a:endParaRPr lang="en-US"/>
+        </a:p>
+      </dgm:t>
+    </dgm:pt>
+    <dgm:pt modelId="{284E5D7D-54DF-D144-B0D8-6EDB7F090E7C}" type="pres">
+      <dgm:prSet presAssocID="{5AC1DA55-964E-4455-8A74-94C01CEFDBB5}" presName="linear" presStyleCnt="0">
+        <dgm:presLayoutVars>
+          <dgm:animLvl val="lvl"/>
+          <dgm:resizeHandles val="exact"/>
+        </dgm:presLayoutVars>
+      </dgm:prSet>
+      <dgm:spPr/>
+      <dgm:t>
+        <a:bodyPr/>
+        <a:lstStyle/>
+        <a:p>
+          <a:endParaRPr lang="en-US"/>
+        </a:p>
+      </dgm:t>
+    </dgm:pt>
+    <dgm:pt modelId="{29FDA8B4-B3BE-A44C-8342-96556D5CA8A5}" type="pres">
+      <dgm:prSet presAssocID="{56FB5EE0-2DE9-422C-8F23-E1B0DB9E52D6}" presName="parentText" presStyleLbl="node1" presStyleIdx="0" presStyleCnt="4">
+        <dgm:presLayoutVars>
+          <dgm:chMax val="0"/>
+          <dgm:bulletEnabled val="1"/>
+        </dgm:presLayoutVars>
+      </dgm:prSet>
+      <dgm:spPr/>
+      <dgm:t>
+        <a:bodyPr/>
+        <a:lstStyle/>
+        <a:p>
+          <a:endParaRPr lang="en-US"/>
+        </a:p>
+      </dgm:t>
+    </dgm:pt>
+    <dgm:pt modelId="{14B8D87A-DDF9-0D40-A0C6-14B36770BF8C}" type="pres">
+      <dgm:prSet presAssocID="{752D7353-C2E0-4B92-AE16-9B5BF3537BBB}" presName="spacer" presStyleCnt="0"/>
+      <dgm:spPr/>
+    </dgm:pt>
+    <dgm:pt modelId="{28FD06D3-BC77-494A-A3DC-15C46C84FC69}" type="pres">
+      <dgm:prSet presAssocID="{3600E1AB-8D02-495B-8596-F87910DCCD0E}" presName="parentText" presStyleLbl="node1" presStyleIdx="1" presStyleCnt="4">
+        <dgm:presLayoutVars>
+          <dgm:chMax val="0"/>
+          <dgm:bulletEnabled val="1"/>
+        </dgm:presLayoutVars>
+      </dgm:prSet>
+      <dgm:spPr/>
+      <dgm:t>
+        <a:bodyPr/>
+        <a:lstStyle/>
+        <a:p>
+          <a:endParaRPr lang="en-US"/>
+        </a:p>
+      </dgm:t>
+    </dgm:pt>
+    <dgm:pt modelId="{8F7039E0-5491-074E-B1F2-A52523AF8E66}" type="pres">
+      <dgm:prSet presAssocID="{2C9896E0-0392-4B2D-82F6-F35D69516329}" presName="spacer" presStyleCnt="0"/>
+      <dgm:spPr/>
+    </dgm:pt>
+    <dgm:pt modelId="{7624FD28-CD72-3E4A-AE21-DB1692DD5D16}" type="pres">
+      <dgm:prSet presAssocID="{7CDF8A06-A58B-413B-9783-D7D43AAF31B3}" presName="parentText" presStyleLbl="node1" presStyleIdx="2" presStyleCnt="4">
+        <dgm:presLayoutVars>
+          <dgm:chMax val="0"/>
+          <dgm:bulletEnabled val="1"/>
+        </dgm:presLayoutVars>
+      </dgm:prSet>
+      <dgm:spPr/>
+      <dgm:t>
+        <a:bodyPr/>
+        <a:lstStyle/>
+        <a:p>
+          <a:endParaRPr lang="en-US"/>
+        </a:p>
+      </dgm:t>
+    </dgm:pt>
+    <dgm:pt modelId="{8BDAC0FD-4D4A-7940-8757-520991DCBF1C}" type="pres">
+      <dgm:prSet presAssocID="{E7DBCFB7-39E6-4500-8806-4C7C1D1A47AD}" presName="spacer" presStyleCnt="0"/>
+      <dgm:spPr/>
+    </dgm:pt>
+    <dgm:pt modelId="{FB7AE624-02E1-CA40-AC28-0BEA2FEB659F}" type="pres">
+      <dgm:prSet presAssocID="{DC733802-83E5-433D-9119-3CB7D448C066}" presName="parentText" presStyleLbl="node1" presStyleIdx="3" presStyleCnt="4">
+        <dgm:presLayoutVars>
+          <dgm:chMax val="0"/>
+          <dgm:bulletEnabled val="1"/>
+        </dgm:presLayoutVars>
+      </dgm:prSet>
+      <dgm:spPr/>
+      <dgm:t>
+        <a:bodyPr/>
+        <a:lstStyle/>
+        <a:p>
+          <a:endParaRPr lang="en-US"/>
+        </a:p>
+      </dgm:t>
+    </dgm:pt>
+  </dgm:ptLst>
+  <dgm:cxnLst>
+    <dgm:cxn modelId="{8F49EAF7-B965-4163-8684-A709CCAD2268}" srcId="{5AC1DA55-964E-4455-8A74-94C01CEFDBB5}" destId="{7CDF8A06-A58B-413B-9783-D7D43AAF31B3}" srcOrd="2" destOrd="0" parTransId="{097B43B0-6E93-4270-9F92-C6D2959AC941}" sibTransId="{E7DBCFB7-39E6-4500-8806-4C7C1D1A47AD}"/>
+    <dgm:cxn modelId="{01C95292-429F-634C-BE35-E5A96DD3EECC}" type="presOf" srcId="{DC733802-83E5-433D-9119-3CB7D448C066}" destId="{FB7AE624-02E1-CA40-AC28-0BEA2FEB659F}" srcOrd="0" destOrd="0" presId="urn:microsoft.com/office/officeart/2005/8/layout/vList2"/>
+    <dgm:cxn modelId="{E48B8551-B871-4C40-B21C-7FC66411593C}" srcId="{5AC1DA55-964E-4455-8A74-94C01CEFDBB5}" destId="{3600E1AB-8D02-495B-8596-F87910DCCD0E}" srcOrd="1" destOrd="0" parTransId="{8C41F3EF-9866-4BA0-92D9-10CE7E47821A}" sibTransId="{2C9896E0-0392-4B2D-82F6-F35D69516329}"/>
+    <dgm:cxn modelId="{ADB198AD-D48F-1743-8FAC-C40BA2195CE1}" type="presOf" srcId="{3600E1AB-8D02-495B-8596-F87910DCCD0E}" destId="{28FD06D3-BC77-494A-A3DC-15C46C84FC69}" srcOrd="0" destOrd="0" presId="urn:microsoft.com/office/officeart/2005/8/layout/vList2"/>
+    <dgm:cxn modelId="{D6CF65A1-8B89-41F2-ABA2-13072643C04F}" srcId="{5AC1DA55-964E-4455-8A74-94C01CEFDBB5}" destId="{56FB5EE0-2DE9-422C-8F23-E1B0DB9E52D6}" srcOrd="0" destOrd="0" parTransId="{068ACD14-C535-48B5-9362-A841DCDB05A3}" sibTransId="{752D7353-C2E0-4B92-AE16-9B5BF3537BBB}"/>
+    <dgm:cxn modelId="{D3A39C09-8EB0-EA40-A4C5-FB140D07C606}" type="presOf" srcId="{5AC1DA55-964E-4455-8A74-94C01CEFDBB5}" destId="{284E5D7D-54DF-D144-B0D8-6EDB7F090E7C}" srcOrd="0" destOrd="0" presId="urn:microsoft.com/office/officeart/2005/8/layout/vList2"/>
+    <dgm:cxn modelId="{CB5B316C-5BEF-4DFE-A34C-E83EDBA19B48}" srcId="{5AC1DA55-964E-4455-8A74-94C01CEFDBB5}" destId="{DC733802-83E5-433D-9119-3CB7D448C066}" srcOrd="3" destOrd="0" parTransId="{9EA474B7-BAA2-41AB-8606-FD127C7B7102}" sibTransId="{6D8E8DB2-EE81-427B-946F-1CE9D47812C8}"/>
+    <dgm:cxn modelId="{28207CB4-005C-DB47-A8E2-29D9CF149579}" type="presOf" srcId="{7CDF8A06-A58B-413B-9783-D7D43AAF31B3}" destId="{7624FD28-CD72-3E4A-AE21-DB1692DD5D16}" srcOrd="0" destOrd="0" presId="urn:microsoft.com/office/officeart/2005/8/layout/vList2"/>
+    <dgm:cxn modelId="{F808A98B-C50A-7F49-A6C2-285E13B57527}" type="presOf" srcId="{56FB5EE0-2DE9-422C-8F23-E1B0DB9E52D6}" destId="{29FDA8B4-B3BE-A44C-8342-96556D5CA8A5}" srcOrd="0" destOrd="0" presId="urn:microsoft.com/office/officeart/2005/8/layout/vList2"/>
+    <dgm:cxn modelId="{14A2103F-B302-0E40-BF92-A7D857948100}" type="presParOf" srcId="{284E5D7D-54DF-D144-B0D8-6EDB7F090E7C}" destId="{29FDA8B4-B3BE-A44C-8342-96556D5CA8A5}" srcOrd="0" destOrd="0" presId="urn:microsoft.com/office/officeart/2005/8/layout/vList2"/>
+    <dgm:cxn modelId="{0B1BD7CC-2E02-8C4D-B3AB-9F887E4C4BDD}" type="presParOf" srcId="{284E5D7D-54DF-D144-B0D8-6EDB7F090E7C}" destId="{14B8D87A-DDF9-0D40-A0C6-14B36770BF8C}" srcOrd="1" destOrd="0" presId="urn:microsoft.com/office/officeart/2005/8/layout/vList2"/>
+    <dgm:cxn modelId="{88459757-A530-F243-B513-EB8180AB3C33}" type="presParOf" srcId="{284E5D7D-54DF-D144-B0D8-6EDB7F090E7C}" destId="{28FD06D3-BC77-494A-A3DC-15C46C84FC69}" srcOrd="2" destOrd="0" presId="urn:microsoft.com/office/officeart/2005/8/layout/vList2"/>
+    <dgm:cxn modelId="{25A27B73-027F-C545-BC91-5AA11F15D551}" type="presParOf" srcId="{284E5D7D-54DF-D144-B0D8-6EDB7F090E7C}" destId="{8F7039E0-5491-074E-B1F2-A52523AF8E66}" srcOrd="3" destOrd="0" presId="urn:microsoft.com/office/officeart/2005/8/layout/vList2"/>
+    <dgm:cxn modelId="{9CA55E08-0631-824F-AACA-A96775E634AA}" type="presParOf" srcId="{284E5D7D-54DF-D144-B0D8-6EDB7F090E7C}" destId="{7624FD28-CD72-3E4A-AE21-DB1692DD5D16}" srcOrd="4" destOrd="0" presId="urn:microsoft.com/office/officeart/2005/8/layout/vList2"/>
+    <dgm:cxn modelId="{594ED4A0-BC07-874C-B62D-1711CAACD523}" type="presParOf" srcId="{284E5D7D-54DF-D144-B0D8-6EDB7F090E7C}" destId="{8BDAC0FD-4D4A-7940-8757-520991DCBF1C}" srcOrd="5" destOrd="0" presId="urn:microsoft.com/office/officeart/2005/8/layout/vList2"/>
+    <dgm:cxn modelId="{13235F23-16F1-C749-A416-21606588D677}" type="presParOf" srcId="{284E5D7D-54DF-D144-B0D8-6EDB7F090E7C}" destId="{FB7AE624-02E1-CA40-AC28-0BEA2FEB659F}" srcOrd="6" destOrd="0" presId="urn:microsoft.com/office/officeart/2005/8/layout/vList2"/>
   </dgm:cxnLst>
   <dgm:bg/>
   <dgm:whole/>
@@ -4539,12 +5753,12 @@
         </a:fontRef>
       </dsp:style>
       <dsp:txBody>
-        <a:bodyPr spcFirstLastPara="0" vert="horz" wrap="square" lIns="92152" tIns="55880" rIns="368609" bIns="55880" numCol="1" spcCol="1270" anchor="t" anchorCtr="0">
+        <a:bodyPr spcFirstLastPara="0" vert="horz" wrap="square" lIns="92152" tIns="53340" rIns="368609" bIns="53340" numCol="1" spcCol="1270" anchor="t" anchorCtr="0">
           <a:noAutofit/>
         </a:bodyPr>
         <a:lstStyle/>
         <a:p>
-          <a:pPr lvl="0" algn="l" defTabSz="977900">
+          <a:pPr lvl="0" algn="l" defTabSz="933450">
             <a:lnSpc>
               <a:spcPct val="90000"/>
             </a:lnSpc>
@@ -4556,12 +5770,12 @@
             </a:spcAft>
           </a:pPr>
           <a:r>
-            <a:rPr lang="en-US" sz="2200" kern="1200"/>
+            <a:rPr lang="en-US" sz="2100" kern="1200"/>
             <a:t>Text Processing</a:t>
           </a:r>
         </a:p>
         <a:p>
-          <a:pPr marL="171450" lvl="1" indent="-171450" algn="l" defTabSz="755650">
+          <a:pPr marL="171450" lvl="1" indent="-171450" algn="l" defTabSz="711200">
             <a:lnSpc>
               <a:spcPct val="90000"/>
             </a:lnSpc>
@@ -4574,12 +5788,12 @@
             <a:buChar char="•"/>
           </a:pPr>
           <a:r>
-            <a:rPr lang="en-US" sz="1700" kern="1200"/>
+            <a:rPr lang="en-US" sz="1600" kern="1200"/>
             <a:t>Lemmintization</a:t>
           </a:r>
         </a:p>
         <a:p>
-          <a:pPr marL="171450" lvl="1" indent="-171450" algn="l" defTabSz="755650">
+          <a:pPr marL="171450" lvl="1" indent="-171450" algn="l" defTabSz="711200">
             <a:lnSpc>
               <a:spcPct val="90000"/>
             </a:lnSpc>
@@ -4592,12 +5806,12 @@
             <a:buChar char="•"/>
           </a:pPr>
           <a:r>
-            <a:rPr lang="en-US" sz="1700" kern="1200"/>
+            <a:rPr lang="en-US" sz="1600" kern="1200"/>
             <a:t>Stemming</a:t>
           </a:r>
         </a:p>
         <a:p>
-          <a:pPr marL="171450" lvl="1" indent="-171450" algn="l" defTabSz="755650">
+          <a:pPr marL="171450" lvl="1" indent="-171450" algn="l" defTabSz="711200">
             <a:lnSpc>
               <a:spcPct val="90000"/>
             </a:lnSpc>
@@ -4610,12 +5824,12 @@
             <a:buChar char="•"/>
           </a:pPr>
           <a:r>
-            <a:rPr lang="en-US" sz="1700" kern="1200"/>
+            <a:rPr lang="en-US" sz="1600" kern="1200"/>
             <a:t>Stop words</a:t>
           </a:r>
         </a:p>
         <a:p>
-          <a:pPr marL="171450" lvl="1" indent="-171450" algn="l" defTabSz="755650">
+          <a:pPr marL="171450" lvl="1" indent="-171450" algn="l" defTabSz="711200">
             <a:lnSpc>
               <a:spcPct val="90000"/>
             </a:lnSpc>
@@ -4628,9 +5842,28 @@
             <a:buChar char="•"/>
           </a:pPr>
           <a:r>
-            <a:rPr lang="en-US" sz="1700" kern="1200"/>
+            <a:rPr lang="en-US" sz="1600" kern="1200" dirty="0"/>
             <a:t>Filtering</a:t>
           </a:r>
+        </a:p>
+        <a:p>
+          <a:pPr marL="171450" lvl="1" indent="-171450" algn="l" defTabSz="711200">
+            <a:lnSpc>
+              <a:spcPct val="90000"/>
+            </a:lnSpc>
+            <a:spcBef>
+              <a:spcPct val="0"/>
+            </a:spcBef>
+            <a:spcAft>
+              <a:spcPct val="15000"/>
+            </a:spcAft>
+            <a:buChar char="•"/>
+          </a:pPr>
+          <a:r>
+            <a:rPr lang="en-US" sz="1600" kern="1200" dirty="0" smtClean="0"/>
+            <a:t>Translation</a:t>
+          </a:r>
+          <a:endParaRPr lang="en-US" sz="1600" kern="1200" dirty="0"/>
         </a:p>
       </dsp:txBody>
       <dsp:txXfrm>
@@ -4722,12 +5955,12 @@
         </a:fontRef>
       </dsp:style>
       <dsp:txBody>
-        <a:bodyPr spcFirstLastPara="0" vert="horz" wrap="square" lIns="92152" tIns="55880" rIns="92152" bIns="55880" numCol="1" spcCol="1270" anchor="t" anchorCtr="0">
+        <a:bodyPr spcFirstLastPara="0" vert="horz" wrap="square" lIns="92152" tIns="53340" rIns="92152" bIns="53340" numCol="1" spcCol="1270" anchor="t" anchorCtr="0">
           <a:noAutofit/>
         </a:bodyPr>
         <a:lstStyle/>
         <a:p>
-          <a:pPr lvl="0" algn="l" defTabSz="977900">
+          <a:pPr lvl="0" algn="l" defTabSz="933450">
             <a:lnSpc>
               <a:spcPct val="90000"/>
             </a:lnSpc>
@@ -4739,12 +5972,12 @@
             </a:spcAft>
           </a:pPr>
           <a:r>
-            <a:rPr lang="en-US" sz="2200" kern="1200"/>
+            <a:rPr lang="en-US" sz="2100" kern="1200"/>
             <a:t>Feature Extraction</a:t>
           </a:r>
         </a:p>
         <a:p>
-          <a:pPr marL="171450" lvl="1" indent="-171450" algn="l" defTabSz="755650">
+          <a:pPr marL="171450" lvl="1" indent="-171450" algn="l" defTabSz="711200">
             <a:lnSpc>
               <a:spcPct val="90000"/>
             </a:lnSpc>
@@ -4757,12 +5990,12 @@
             <a:buChar char="•"/>
           </a:pPr>
           <a:r>
-            <a:rPr lang="en-US" sz="1700" kern="1200"/>
+            <a:rPr lang="en-US" sz="1600" kern="1200"/>
             <a:t>Bag-of-words (count vector)</a:t>
           </a:r>
         </a:p>
         <a:p>
-          <a:pPr marL="171450" lvl="1" indent="-171450" algn="l" defTabSz="755650">
+          <a:pPr marL="171450" lvl="1" indent="-171450" algn="l" defTabSz="711200">
             <a:lnSpc>
               <a:spcPct val="90000"/>
             </a:lnSpc>
@@ -4775,9 +6008,28 @@
             <a:buChar char="•"/>
           </a:pPr>
           <a:r>
-            <a:rPr lang="en-US" sz="1700" kern="1200"/>
+            <a:rPr lang="en-US" sz="1600" kern="1200" dirty="0"/>
             <a:t>TF-IDF</a:t>
           </a:r>
+        </a:p>
+        <a:p>
+          <a:pPr marL="171450" lvl="1" indent="-171450" algn="l" defTabSz="711200">
+            <a:lnSpc>
+              <a:spcPct val="90000"/>
+            </a:lnSpc>
+            <a:spcBef>
+              <a:spcPct val="0"/>
+            </a:spcBef>
+            <a:spcAft>
+              <a:spcPct val="15000"/>
+            </a:spcAft>
+            <a:buChar char="•"/>
+          </a:pPr>
+          <a:r>
+            <a:rPr lang="en-US" sz="1600" kern="1200" dirty="0" smtClean="0"/>
+            <a:t>Word2Vec</a:t>
+          </a:r>
+          <a:endParaRPr lang="en-US" sz="1600" kern="1200" dirty="0"/>
         </a:p>
       </dsp:txBody>
       <dsp:txXfrm>
@@ -4869,12 +6121,12 @@
         </a:fontRef>
       </dsp:style>
       <dsp:txBody>
-        <a:bodyPr spcFirstLastPara="0" vert="horz" wrap="square" lIns="92152" tIns="55880" rIns="92152" bIns="55880" numCol="1" spcCol="1270" anchor="t" anchorCtr="0">
+        <a:bodyPr spcFirstLastPara="0" vert="horz" wrap="square" lIns="92152" tIns="53340" rIns="92152" bIns="53340" numCol="1" spcCol="1270" anchor="t" anchorCtr="0">
           <a:noAutofit/>
         </a:bodyPr>
         <a:lstStyle/>
         <a:p>
-          <a:pPr lvl="0" algn="l" defTabSz="977900">
+          <a:pPr lvl="0" algn="l" defTabSz="933450">
             <a:lnSpc>
               <a:spcPct val="90000"/>
             </a:lnSpc>
@@ -4886,12 +6138,12 @@
             </a:spcAft>
           </a:pPr>
           <a:r>
-            <a:rPr lang="en-US" sz="2200" kern="1200"/>
+            <a:rPr lang="en-US" sz="2100" kern="1200"/>
             <a:t>Modeling</a:t>
           </a:r>
         </a:p>
         <a:p>
-          <a:pPr marL="171450" lvl="1" indent="-171450" algn="l" defTabSz="755650">
+          <a:pPr marL="171450" lvl="1" indent="-171450" algn="l" defTabSz="711200">
             <a:lnSpc>
               <a:spcPct val="90000"/>
             </a:lnSpc>
@@ -4904,12 +6156,12 @@
             <a:buChar char="•"/>
           </a:pPr>
           <a:r>
-            <a:rPr lang="en-US" sz="1700" kern="1200"/>
+            <a:rPr lang="en-US" sz="1600" kern="1200" dirty="0"/>
             <a:t>Bayes</a:t>
           </a:r>
         </a:p>
         <a:p>
-          <a:pPr marL="171450" lvl="1" indent="-171450" algn="l" defTabSz="755650">
+          <a:pPr marL="171450" lvl="1" indent="-171450" algn="l" defTabSz="711200">
             <a:lnSpc>
               <a:spcPct val="90000"/>
             </a:lnSpc>
@@ -4922,9 +6174,29 @@
             <a:buChar char="•"/>
           </a:pPr>
           <a:r>
-            <a:rPr lang="en-US" sz="1700" kern="1200"/>
-            <a:t>Neural Networks</a:t>
+            <a:rPr lang="en-US" sz="1600" kern="1200" dirty="0" smtClean="0"/>
+            <a:t>Gradient-boosted decision trees</a:t>
           </a:r>
+          <a:endParaRPr lang="en-US" sz="1600" kern="1200" dirty="0"/>
+        </a:p>
+        <a:p>
+          <a:pPr marL="171450" lvl="1" indent="-171450" algn="l" defTabSz="711200">
+            <a:lnSpc>
+              <a:spcPct val="90000"/>
+            </a:lnSpc>
+            <a:spcBef>
+              <a:spcPct val="0"/>
+            </a:spcBef>
+            <a:spcAft>
+              <a:spcPct val="15000"/>
+            </a:spcAft>
+            <a:buChar char="•"/>
+          </a:pPr>
+          <a:r>
+            <a:rPr lang="en-US" sz="1600" kern="1200" dirty="0" smtClean="0"/>
+            <a:t>Deep neural network</a:t>
+          </a:r>
+          <a:endParaRPr lang="en-US" sz="1600" kern="1200" dirty="0"/>
         </a:p>
       </dsp:txBody>
       <dsp:txXfrm>
@@ -5816,6 +7088,335 @@
 </dsp:drawing>
 </file>
 
+<file path=ppt/diagrams/drawing4.xml><?xml version="1.0" encoding="utf-8"?>
+<dsp:drawing xmlns:dgm="http://schemas.openxmlformats.org/drawingml/2006/diagram" xmlns:dsp="http://schemas.microsoft.com/office/drawing/2008/diagram" xmlns:a="http://schemas.openxmlformats.org/drawingml/2006/main">
+  <dsp:spTree>
+    <dsp:nvGrpSpPr>
+      <dsp:cNvPr id="0" name=""/>
+      <dsp:cNvGrpSpPr/>
+    </dsp:nvGrpSpPr>
+    <dsp:grpSpPr/>
+    <dsp:sp modelId="{29FDA8B4-B3BE-A44C-8342-96556D5CA8A5}">
+      <dsp:nvSpPr>
+        <dsp:cNvPr id="0" name=""/>
+        <dsp:cNvSpPr/>
+      </dsp:nvSpPr>
+      <dsp:spPr>
+        <a:xfrm>
+          <a:off x="0" y="10599"/>
+          <a:ext cx="10058399" cy="863460"/>
+        </a:xfrm>
+        <a:prstGeom prst="roundRect">
+          <a:avLst/>
+        </a:prstGeom>
+        <a:solidFill>
+          <a:schemeClr val="lt1">
+            <a:hueOff val="0"/>
+            <a:satOff val="0"/>
+            <a:lumOff val="0"/>
+            <a:alphaOff val="0"/>
+          </a:schemeClr>
+        </a:solidFill>
+        <a:ln w="25400" cap="flat" cmpd="sng" algn="ctr">
+          <a:solidFill>
+            <a:schemeClr val="accent1">
+              <a:shade val="80000"/>
+              <a:hueOff val="0"/>
+              <a:satOff val="0"/>
+              <a:lumOff val="0"/>
+              <a:alphaOff val="0"/>
+            </a:schemeClr>
+          </a:solidFill>
+          <a:prstDash val="solid"/>
+        </a:ln>
+        <a:effectLst/>
+      </dsp:spPr>
+      <dsp:style>
+        <a:lnRef idx="3">
+          <a:scrgbClr r="0" g="0" b="0"/>
+        </a:lnRef>
+        <a:fillRef idx="1">
+          <a:scrgbClr r="0" g="0" b="0"/>
+        </a:fillRef>
+        <a:effectRef idx="1">
+          <a:scrgbClr r="0" g="0" b="0"/>
+        </a:effectRef>
+        <a:fontRef idx="minor">
+          <a:schemeClr val="lt1"/>
+        </a:fontRef>
+      </dsp:style>
+      <dsp:txBody>
+        <a:bodyPr spcFirstLastPara="0" vert="horz" wrap="square" lIns="137160" tIns="137160" rIns="137160" bIns="137160" numCol="1" spcCol="1270" anchor="ctr" anchorCtr="0">
+          <a:noAutofit/>
+        </a:bodyPr>
+        <a:lstStyle/>
+        <a:p>
+          <a:pPr lvl="0" algn="l" defTabSz="1600200">
+            <a:lnSpc>
+              <a:spcPct val="90000"/>
+            </a:lnSpc>
+            <a:spcBef>
+              <a:spcPct val="0"/>
+            </a:spcBef>
+            <a:spcAft>
+              <a:spcPct val="35000"/>
+            </a:spcAft>
+          </a:pPr>
+          <a:r>
+            <a:rPr lang="en-US" sz="3600" kern="1200" dirty="0"/>
+            <a:t>MNB Implementation – </a:t>
+          </a:r>
+          <a:r>
+            <a:rPr lang="en-US" sz="3600" kern="1200" dirty="0" smtClean="0"/>
+            <a:t>All</a:t>
+          </a:r>
+          <a:endParaRPr lang="en-US" sz="3600" kern="1200" dirty="0"/>
+        </a:p>
+      </dsp:txBody>
+      <dsp:txXfrm>
+        <a:off x="42151" y="52750"/>
+        <a:ext cx="9974097" cy="779158"/>
+      </dsp:txXfrm>
+    </dsp:sp>
+    <dsp:sp modelId="{28FD06D3-BC77-494A-A3DC-15C46C84FC69}">
+      <dsp:nvSpPr>
+        <dsp:cNvPr id="0" name=""/>
+        <dsp:cNvSpPr/>
+      </dsp:nvSpPr>
+      <dsp:spPr>
+        <a:xfrm>
+          <a:off x="0" y="977740"/>
+          <a:ext cx="10058399" cy="863460"/>
+        </a:xfrm>
+        <a:prstGeom prst="roundRect">
+          <a:avLst/>
+        </a:prstGeom>
+        <a:solidFill>
+          <a:schemeClr val="lt1">
+            <a:hueOff val="0"/>
+            <a:satOff val="0"/>
+            <a:lumOff val="0"/>
+            <a:alphaOff val="0"/>
+          </a:schemeClr>
+        </a:solidFill>
+        <a:ln w="25400" cap="flat" cmpd="sng" algn="ctr">
+          <a:solidFill>
+            <a:schemeClr val="accent1">
+              <a:shade val="80000"/>
+              <a:hueOff val="0"/>
+              <a:satOff val="0"/>
+              <a:lumOff val="0"/>
+              <a:alphaOff val="0"/>
+            </a:schemeClr>
+          </a:solidFill>
+          <a:prstDash val="solid"/>
+        </a:ln>
+        <a:effectLst/>
+      </dsp:spPr>
+      <dsp:style>
+        <a:lnRef idx="3">
+          <a:scrgbClr r="0" g="0" b="0"/>
+        </a:lnRef>
+        <a:fillRef idx="1">
+          <a:scrgbClr r="0" g="0" b="0"/>
+        </a:fillRef>
+        <a:effectRef idx="1">
+          <a:scrgbClr r="0" g="0" b="0"/>
+        </a:effectRef>
+        <a:fontRef idx="minor">
+          <a:schemeClr val="lt1"/>
+        </a:fontRef>
+      </dsp:style>
+      <dsp:txBody>
+        <a:bodyPr spcFirstLastPara="0" vert="horz" wrap="square" lIns="137160" tIns="137160" rIns="137160" bIns="137160" numCol="1" spcCol="1270" anchor="ctr" anchorCtr="0">
+          <a:noAutofit/>
+        </a:bodyPr>
+        <a:lstStyle/>
+        <a:p>
+          <a:pPr lvl="0" algn="l" defTabSz="1600200">
+            <a:lnSpc>
+              <a:spcPct val="90000"/>
+            </a:lnSpc>
+            <a:spcBef>
+              <a:spcPct val="0"/>
+            </a:spcBef>
+            <a:spcAft>
+              <a:spcPct val="35000"/>
+            </a:spcAft>
+          </a:pPr>
+          <a:r>
+            <a:rPr lang="en-US" sz="3600" kern="1200"/>
+            <a:t>Preprocessing – Shubhi</a:t>
+          </a:r>
+        </a:p>
+      </dsp:txBody>
+      <dsp:txXfrm>
+        <a:off x="42151" y="1019891"/>
+        <a:ext cx="9974097" cy="779158"/>
+      </dsp:txXfrm>
+    </dsp:sp>
+    <dsp:sp modelId="{7624FD28-CD72-3E4A-AE21-DB1692DD5D16}">
+      <dsp:nvSpPr>
+        <dsp:cNvPr id="0" name=""/>
+        <dsp:cNvSpPr/>
+      </dsp:nvSpPr>
+      <dsp:spPr>
+        <a:xfrm>
+          <a:off x="0" y="1944880"/>
+          <a:ext cx="10058399" cy="863460"/>
+        </a:xfrm>
+        <a:prstGeom prst="roundRect">
+          <a:avLst/>
+        </a:prstGeom>
+        <a:solidFill>
+          <a:schemeClr val="lt1">
+            <a:hueOff val="0"/>
+            <a:satOff val="0"/>
+            <a:lumOff val="0"/>
+            <a:alphaOff val="0"/>
+          </a:schemeClr>
+        </a:solidFill>
+        <a:ln w="25400" cap="flat" cmpd="sng" algn="ctr">
+          <a:solidFill>
+            <a:schemeClr val="accent1">
+              <a:shade val="80000"/>
+              <a:hueOff val="0"/>
+              <a:satOff val="0"/>
+              <a:lumOff val="0"/>
+              <a:alphaOff val="0"/>
+            </a:schemeClr>
+          </a:solidFill>
+          <a:prstDash val="solid"/>
+        </a:ln>
+        <a:effectLst/>
+      </dsp:spPr>
+      <dsp:style>
+        <a:lnRef idx="3">
+          <a:scrgbClr r="0" g="0" b="0"/>
+        </a:lnRef>
+        <a:fillRef idx="1">
+          <a:scrgbClr r="0" g="0" b="0"/>
+        </a:fillRef>
+        <a:effectRef idx="1">
+          <a:scrgbClr r="0" g="0" b="0"/>
+        </a:effectRef>
+        <a:fontRef idx="minor">
+          <a:schemeClr val="lt1"/>
+        </a:fontRef>
+      </dsp:style>
+      <dsp:txBody>
+        <a:bodyPr spcFirstLastPara="0" vert="horz" wrap="square" lIns="137160" tIns="137160" rIns="137160" bIns="137160" numCol="1" spcCol="1270" anchor="ctr" anchorCtr="0">
+          <a:noAutofit/>
+        </a:bodyPr>
+        <a:lstStyle/>
+        <a:p>
+          <a:pPr lvl="0" algn="l" defTabSz="1600200">
+            <a:lnSpc>
+              <a:spcPct val="90000"/>
+            </a:lnSpc>
+            <a:spcBef>
+              <a:spcPct val="0"/>
+            </a:spcBef>
+            <a:spcAft>
+              <a:spcPct val="35000"/>
+            </a:spcAft>
+          </a:pPr>
+          <a:r>
+            <a:rPr lang="en-US" sz="3600" kern="1200"/>
+            <a:t>Feature Extraction – Linghan</a:t>
+          </a:r>
+        </a:p>
+      </dsp:txBody>
+      <dsp:txXfrm>
+        <a:off x="42151" y="1987031"/>
+        <a:ext cx="9974097" cy="779158"/>
+      </dsp:txXfrm>
+    </dsp:sp>
+    <dsp:sp modelId="{FB7AE624-02E1-CA40-AC28-0BEA2FEB659F}">
+      <dsp:nvSpPr>
+        <dsp:cNvPr id="0" name=""/>
+        <dsp:cNvSpPr/>
+      </dsp:nvSpPr>
+      <dsp:spPr>
+        <a:xfrm>
+          <a:off x="0" y="2912020"/>
+          <a:ext cx="10058399" cy="863460"/>
+        </a:xfrm>
+        <a:prstGeom prst="roundRect">
+          <a:avLst/>
+        </a:prstGeom>
+        <a:solidFill>
+          <a:schemeClr val="lt1">
+            <a:hueOff val="0"/>
+            <a:satOff val="0"/>
+            <a:lumOff val="0"/>
+            <a:alphaOff val="0"/>
+          </a:schemeClr>
+        </a:solidFill>
+        <a:ln w="25400" cap="flat" cmpd="sng" algn="ctr">
+          <a:solidFill>
+            <a:schemeClr val="accent1">
+              <a:shade val="80000"/>
+              <a:hueOff val="0"/>
+              <a:satOff val="0"/>
+              <a:lumOff val="0"/>
+              <a:alphaOff val="0"/>
+            </a:schemeClr>
+          </a:solidFill>
+          <a:prstDash val="solid"/>
+        </a:ln>
+        <a:effectLst/>
+      </dsp:spPr>
+      <dsp:style>
+        <a:lnRef idx="3">
+          <a:scrgbClr r="0" g="0" b="0"/>
+        </a:lnRef>
+        <a:fillRef idx="1">
+          <a:scrgbClr r="0" g="0" b="0"/>
+        </a:fillRef>
+        <a:effectRef idx="1">
+          <a:scrgbClr r="0" g="0" b="0"/>
+        </a:effectRef>
+        <a:fontRef idx="minor">
+          <a:schemeClr val="lt1"/>
+        </a:fontRef>
+      </dsp:style>
+      <dsp:txBody>
+        <a:bodyPr spcFirstLastPara="0" vert="horz" wrap="square" lIns="137160" tIns="137160" rIns="137160" bIns="137160" numCol="1" spcCol="1270" anchor="ctr" anchorCtr="0">
+          <a:noAutofit/>
+        </a:bodyPr>
+        <a:lstStyle/>
+        <a:p>
+          <a:pPr lvl="0" algn="l" defTabSz="1600200">
+            <a:lnSpc>
+              <a:spcPct val="90000"/>
+            </a:lnSpc>
+            <a:spcBef>
+              <a:spcPct val="0"/>
+            </a:spcBef>
+            <a:spcAft>
+              <a:spcPct val="35000"/>
+            </a:spcAft>
+          </a:pPr>
+          <a:r>
+            <a:rPr lang="en-US" sz="3600" kern="1200" dirty="0" smtClean="0"/>
+            <a:t>Models </a:t>
+          </a:r>
+          <a:r>
+            <a:rPr lang="en-US" sz="3600" kern="1200" dirty="0"/>
+            <a:t>&amp; Evaluations - Emily</a:t>
+          </a:r>
+        </a:p>
+      </dsp:txBody>
+      <dsp:txXfrm>
+        <a:off x="42151" y="2954171"/>
+        <a:ext cx="9974097" cy="779158"/>
+      </dsp:txXfrm>
+    </dsp:sp>
+  </dsp:spTree>
+</dsp:drawing>
+</file>
+
 <file path=ppt/diagrams/layout1.xml><?xml version="1.0" encoding="utf-8"?>
 <dgm:layoutDef xmlns:dgm="http://schemas.openxmlformats.org/drawingml/2006/diagram" xmlns:a="http://schemas.openxmlformats.org/drawingml/2006/main" uniqueId="urn:microsoft.com/office/officeart/2005/8/layout/cycle5">
   <dgm:title val=""/>
@@ -6562,6 +8163,173 @@
 </dgm:layoutDef>
 </file>
 
+<file path=ppt/diagrams/layout4.xml><?xml version="1.0" encoding="utf-8"?>
+<dgm:layoutDef xmlns:dgm="http://schemas.openxmlformats.org/drawingml/2006/diagram" xmlns:a="http://schemas.openxmlformats.org/drawingml/2006/main" uniqueId="urn:microsoft.com/office/officeart/2005/8/layout/vList2">
+  <dgm:title val=""/>
+  <dgm:desc val=""/>
+  <dgm:catLst>
+    <dgm:cat type="list" pri="3000"/>
+    <dgm:cat type="convert" pri="1000"/>
+  </dgm:catLst>
+  <dgm:sampData>
+    <dgm:dataModel>
+      <dgm:ptLst>
+        <dgm:pt modelId="0" type="doc"/>
+        <dgm:pt modelId="1">
+          <dgm:prSet phldr="1"/>
+        </dgm:pt>
+        <dgm:pt modelId="11">
+          <dgm:prSet phldr="1"/>
+        </dgm:pt>
+        <dgm:pt modelId="2">
+          <dgm:prSet phldr="1"/>
+        </dgm:pt>
+        <dgm:pt modelId="21">
+          <dgm:prSet phldr="1"/>
+        </dgm:pt>
+      </dgm:ptLst>
+      <dgm:cxnLst>
+        <dgm:cxn modelId="4" srcId="0" destId="1" srcOrd="0" destOrd="0"/>
+        <dgm:cxn modelId="5" srcId="0" destId="2" srcOrd="1" destOrd="0"/>
+        <dgm:cxn modelId="12" srcId="1" destId="11" srcOrd="0" destOrd="0"/>
+        <dgm:cxn modelId="23" srcId="2" destId="21" srcOrd="0" destOrd="0"/>
+      </dgm:cxnLst>
+      <dgm:bg/>
+      <dgm:whole/>
+    </dgm:dataModel>
+  </dgm:sampData>
+  <dgm:styleData>
+    <dgm:dataModel>
+      <dgm:ptLst>
+        <dgm:pt modelId="0" type="doc"/>
+        <dgm:pt modelId="1"/>
+        <dgm:pt modelId="2"/>
+      </dgm:ptLst>
+      <dgm:cxnLst>
+        <dgm:cxn modelId="3" srcId="0" destId="1" srcOrd="0" destOrd="0"/>
+        <dgm:cxn modelId="4" srcId="0" destId="2" srcOrd="1" destOrd="0"/>
+      </dgm:cxnLst>
+      <dgm:bg/>
+      <dgm:whole/>
+    </dgm:dataModel>
+  </dgm:styleData>
+  <dgm:clrData>
+    <dgm:dataModel>
+      <dgm:ptLst>
+        <dgm:pt modelId="0" type="doc"/>
+        <dgm:pt modelId="1"/>
+        <dgm:pt modelId="2"/>
+        <dgm:pt modelId="3"/>
+        <dgm:pt modelId="4"/>
+      </dgm:ptLst>
+      <dgm:cxnLst>
+        <dgm:cxn modelId="5" srcId="0" destId="1" srcOrd="0" destOrd="0"/>
+        <dgm:cxn modelId="6" srcId="0" destId="2" srcOrd="1" destOrd="0"/>
+        <dgm:cxn modelId="7" srcId="0" destId="3" srcOrd="2" destOrd="0"/>
+        <dgm:cxn modelId="8" srcId="0" destId="4" srcOrd="3" destOrd="0"/>
+      </dgm:cxnLst>
+      <dgm:bg/>
+      <dgm:whole/>
+    </dgm:dataModel>
+  </dgm:clrData>
+  <dgm:layoutNode name="linear">
+    <dgm:varLst>
+      <dgm:animLvl val="lvl"/>
+      <dgm:resizeHandles val="exact"/>
+    </dgm:varLst>
+    <dgm:alg type="lin">
+      <dgm:param type="linDir" val="fromT"/>
+      <dgm:param type="vertAlign" val="mid"/>
+    </dgm:alg>
+    <dgm:shape xmlns:r="http://schemas.openxmlformats.org/officeDocument/2006/relationships" r:blip="">
+      <dgm:adjLst/>
+    </dgm:shape>
+    <dgm:presOf/>
+    <dgm:constrLst>
+      <dgm:constr type="w" for="ch" forName="parentText" refType="w"/>
+      <dgm:constr type="h" for="ch" forName="parentText" refType="primFontSz" refFor="ch" refForName="parentText" fact="0.52"/>
+      <dgm:constr type="w" for="ch" forName="childText" refType="w"/>
+      <dgm:constr type="h" for="ch" forName="childText" refType="primFontSz" refFor="ch" refForName="parentText" fact="0.46"/>
+      <dgm:constr type="h" for="ch" forName="parentText" op="equ"/>
+      <dgm:constr type="primFontSz" for="ch" forName="parentText" op="equ" val="65"/>
+      <dgm:constr type="primFontSz" for="ch" forName="childText" refType="primFontSz" refFor="ch" refForName="parentText" op="equ"/>
+      <dgm:constr type="h" for="ch" forName="spacer" refType="primFontSz" refFor="ch" refForName="parentText" fact="0.08"/>
+    </dgm:constrLst>
+    <dgm:ruleLst>
+      <dgm:rule type="primFontSz" for="ch" forName="parentText" val="5" fact="NaN" max="NaN"/>
+    </dgm:ruleLst>
+    <dgm:forEach name="Name0" axis="ch" ptType="node">
+      <dgm:layoutNode name="parentText" styleLbl="node1">
+        <dgm:varLst>
+          <dgm:chMax val="0"/>
+          <dgm:bulletEnabled val="1"/>
+        </dgm:varLst>
+        <dgm:alg type="tx">
+          <dgm:param type="parTxLTRAlign" val="l"/>
+          <dgm:param type="parTxRTLAlign" val="r"/>
+        </dgm:alg>
+        <dgm:shape xmlns:r="http://schemas.openxmlformats.org/officeDocument/2006/relationships" type="roundRect" r:blip="">
+          <dgm:adjLst/>
+        </dgm:shape>
+        <dgm:presOf axis="self"/>
+        <dgm:constrLst>
+          <dgm:constr type="tMarg" refType="primFontSz" fact="0.3"/>
+          <dgm:constr type="bMarg" refType="primFontSz" fact="0.3"/>
+          <dgm:constr type="lMarg" refType="primFontSz" fact="0.3"/>
+          <dgm:constr type="rMarg" refType="primFontSz" fact="0.3"/>
+        </dgm:constrLst>
+        <dgm:ruleLst>
+          <dgm:rule type="h" val="INF" fact="NaN" max="NaN"/>
+        </dgm:ruleLst>
+      </dgm:layoutNode>
+      <dgm:choose name="Name1">
+        <dgm:if name="Name2" axis="ch" ptType="node" func="cnt" op="gte" val="1">
+          <dgm:layoutNode name="childText" styleLbl="revTx">
+            <dgm:varLst>
+              <dgm:bulletEnabled val="1"/>
+            </dgm:varLst>
+            <dgm:alg type="tx">
+              <dgm:param type="stBulletLvl" val="1"/>
+              <dgm:param type="lnSpAfChP" val="20"/>
+            </dgm:alg>
+            <dgm:shape xmlns:r="http://schemas.openxmlformats.org/officeDocument/2006/relationships" type="rect" r:blip="">
+              <dgm:adjLst/>
+            </dgm:shape>
+            <dgm:presOf axis="des" ptType="node"/>
+            <dgm:constrLst>
+              <dgm:constr type="tMarg" refType="primFontSz" fact="0.1"/>
+              <dgm:constr type="bMarg" refType="primFontSz" fact="0.1"/>
+              <dgm:constr type="lMarg" refType="w" fact="0.09"/>
+            </dgm:constrLst>
+            <dgm:ruleLst>
+              <dgm:rule type="h" val="INF" fact="NaN" max="NaN"/>
+            </dgm:ruleLst>
+          </dgm:layoutNode>
+        </dgm:if>
+        <dgm:else name="Name3">
+          <dgm:choose name="Name4">
+            <dgm:if name="Name5" axis="par ch" ptType="doc node" func="cnt" op="gte" val="2">
+              <dgm:forEach name="Name6" axis="followSib" ptType="sibTrans" cnt="1">
+                <dgm:layoutNode name="spacer">
+                  <dgm:alg type="sp"/>
+                  <dgm:shape xmlns:r="http://schemas.openxmlformats.org/officeDocument/2006/relationships" r:blip="">
+                    <dgm:adjLst/>
+                  </dgm:shape>
+                  <dgm:presOf/>
+                  <dgm:constrLst/>
+                  <dgm:ruleLst/>
+                </dgm:layoutNode>
+              </dgm:forEach>
+            </dgm:if>
+            <dgm:else name="Name7"/>
+          </dgm:choose>
+        </dgm:else>
+      </dgm:choose>
+    </dgm:forEach>
+  </dgm:layoutNode>
+</dgm:layoutDef>
+</file>
+
 <file path=ppt/diagrams/quickStyle1.xml><?xml version="1.0" encoding="utf-8"?>
 <dgm:styleDef xmlns:dgm="http://schemas.openxmlformats.org/drawingml/2006/diagram" xmlns:a="http://schemas.openxmlformats.org/drawingml/2006/main" uniqueId="urn:microsoft.com/office/officeart/2005/8/quickstyle/simple3">
   <dgm:title val=""/>
@@ -9711,6 +11479,1040 @@
         <a:scrgbClr r="0" g="0" b="0"/>
       </a:lnRef>
       <a:fillRef idx="2">
+        <a:scrgbClr r="0" g="0" b="0"/>
+      </a:fillRef>
+      <a:effectRef idx="1">
+        <a:scrgbClr r="0" g="0" b="0"/>
+      </a:effectRef>
+      <a:fontRef idx="minor"/>
+    </dgm:style>
+  </dgm:styleLbl>
+  <dgm:styleLbl name="revTx">
+    <dgm:scene3d>
+      <a:camera prst="orthographicFront"/>
+      <a:lightRig rig="threePt" dir="t"/>
+    </dgm:scene3d>
+    <dgm:sp3d/>
+    <dgm:txPr/>
+    <dgm:style>
+      <a:lnRef idx="0">
+        <a:scrgbClr r="0" g="0" b="0"/>
+      </a:lnRef>
+      <a:fillRef idx="0">
+        <a:scrgbClr r="0" g="0" b="0"/>
+      </a:fillRef>
+      <a:effectRef idx="0">
+        <a:scrgbClr r="0" g="0" b="0"/>
+      </a:effectRef>
+      <a:fontRef idx="minor"/>
+    </dgm:style>
+  </dgm:styleLbl>
+</dgm:styleDef>
+</file>
+
+<file path=ppt/diagrams/quickStyle4.xml><?xml version="1.0" encoding="utf-8"?>
+<dgm:styleDef xmlns:dgm="http://schemas.openxmlformats.org/drawingml/2006/diagram" xmlns:a="http://schemas.openxmlformats.org/drawingml/2006/main" uniqueId="urn:microsoft.com/office/officeart/2005/8/quickstyle/simple2">
+  <dgm:title val=""/>
+  <dgm:desc val=""/>
+  <dgm:catLst>
+    <dgm:cat type="simple" pri="10200"/>
+  </dgm:catLst>
+  <dgm:scene3d>
+    <a:camera prst="orthographicFront"/>
+    <a:lightRig rig="threePt" dir="t"/>
+  </dgm:scene3d>
+  <dgm:styleLbl name="node0">
+    <dgm:scene3d>
+      <a:camera prst="orthographicFront"/>
+      <a:lightRig rig="threePt" dir="t"/>
+    </dgm:scene3d>
+    <dgm:sp3d/>
+    <dgm:txPr/>
+    <dgm:style>
+      <a:lnRef idx="3">
+        <a:scrgbClr r="0" g="0" b="0"/>
+      </a:lnRef>
+      <a:fillRef idx="1">
+        <a:scrgbClr r="0" g="0" b="0"/>
+      </a:fillRef>
+      <a:effectRef idx="1">
+        <a:scrgbClr r="0" g="0" b="0"/>
+      </a:effectRef>
+      <a:fontRef idx="minor">
+        <a:schemeClr val="lt1"/>
+      </a:fontRef>
+    </dgm:style>
+  </dgm:styleLbl>
+  <dgm:styleLbl name="lnNode1">
+    <dgm:scene3d>
+      <a:camera prst="orthographicFront"/>
+      <a:lightRig rig="threePt" dir="t"/>
+    </dgm:scene3d>
+    <dgm:sp3d/>
+    <dgm:txPr/>
+    <dgm:style>
+      <a:lnRef idx="3">
+        <a:scrgbClr r="0" g="0" b="0"/>
+      </a:lnRef>
+      <a:fillRef idx="1">
+        <a:scrgbClr r="0" g="0" b="0"/>
+      </a:fillRef>
+      <a:effectRef idx="1">
+        <a:scrgbClr r="0" g="0" b="0"/>
+      </a:effectRef>
+      <a:fontRef idx="minor">
+        <a:schemeClr val="lt1"/>
+      </a:fontRef>
+    </dgm:style>
+  </dgm:styleLbl>
+  <dgm:styleLbl name="vennNode1">
+    <dgm:scene3d>
+      <a:camera prst="orthographicFront"/>
+      <a:lightRig rig="threePt" dir="t"/>
+    </dgm:scene3d>
+    <dgm:sp3d/>
+    <dgm:txPr/>
+    <dgm:style>
+      <a:lnRef idx="3">
+        <a:scrgbClr r="0" g="0" b="0"/>
+      </a:lnRef>
+      <a:fillRef idx="1">
+        <a:scrgbClr r="0" g="0" b="0"/>
+      </a:fillRef>
+      <a:effectRef idx="0">
+        <a:scrgbClr r="0" g="0" b="0"/>
+      </a:effectRef>
+      <a:fontRef idx="minor">
+        <a:schemeClr val="tx1"/>
+      </a:fontRef>
+    </dgm:style>
+  </dgm:styleLbl>
+  <dgm:styleLbl name="alignNode1">
+    <dgm:scene3d>
+      <a:camera prst="orthographicFront"/>
+      <a:lightRig rig="threePt" dir="t"/>
+    </dgm:scene3d>
+    <dgm:sp3d/>
+    <dgm:txPr/>
+    <dgm:style>
+      <a:lnRef idx="2">
+        <a:scrgbClr r="0" g="0" b="0"/>
+      </a:lnRef>
+      <a:fillRef idx="1">
+        <a:scrgbClr r="0" g="0" b="0"/>
+      </a:fillRef>
+      <a:effectRef idx="1">
+        <a:scrgbClr r="0" g="0" b="0"/>
+      </a:effectRef>
+      <a:fontRef idx="minor">
+        <a:schemeClr val="lt1"/>
+      </a:fontRef>
+    </dgm:style>
+  </dgm:styleLbl>
+  <dgm:styleLbl name="node1">
+    <dgm:scene3d>
+      <a:camera prst="orthographicFront"/>
+      <a:lightRig rig="threePt" dir="t"/>
+    </dgm:scene3d>
+    <dgm:sp3d/>
+    <dgm:txPr/>
+    <dgm:style>
+      <a:lnRef idx="3">
+        <a:scrgbClr r="0" g="0" b="0"/>
+      </a:lnRef>
+      <a:fillRef idx="1">
+        <a:scrgbClr r="0" g="0" b="0"/>
+      </a:fillRef>
+      <a:effectRef idx="1">
+        <a:scrgbClr r="0" g="0" b="0"/>
+      </a:effectRef>
+      <a:fontRef idx="minor">
+        <a:schemeClr val="lt1"/>
+      </a:fontRef>
+    </dgm:style>
+  </dgm:styleLbl>
+  <dgm:styleLbl name="node2">
+    <dgm:scene3d>
+      <a:camera prst="orthographicFront"/>
+      <a:lightRig rig="threePt" dir="t"/>
+    </dgm:scene3d>
+    <dgm:sp3d/>
+    <dgm:txPr/>
+    <dgm:style>
+      <a:lnRef idx="3">
+        <a:scrgbClr r="0" g="0" b="0"/>
+      </a:lnRef>
+      <a:fillRef idx="1">
+        <a:scrgbClr r="0" g="0" b="0"/>
+      </a:fillRef>
+      <a:effectRef idx="1">
+        <a:scrgbClr r="0" g="0" b="0"/>
+      </a:effectRef>
+      <a:fontRef idx="minor">
+        <a:schemeClr val="lt1"/>
+      </a:fontRef>
+    </dgm:style>
+  </dgm:styleLbl>
+  <dgm:styleLbl name="node3">
+    <dgm:scene3d>
+      <a:camera prst="orthographicFront"/>
+      <a:lightRig rig="threePt" dir="t"/>
+    </dgm:scene3d>
+    <dgm:sp3d/>
+    <dgm:txPr/>
+    <dgm:style>
+      <a:lnRef idx="3">
+        <a:scrgbClr r="0" g="0" b="0"/>
+      </a:lnRef>
+      <a:fillRef idx="1">
+        <a:scrgbClr r="0" g="0" b="0"/>
+      </a:fillRef>
+      <a:effectRef idx="1">
+        <a:scrgbClr r="0" g="0" b="0"/>
+      </a:effectRef>
+      <a:fontRef idx="minor">
+        <a:schemeClr val="lt1"/>
+      </a:fontRef>
+    </dgm:style>
+  </dgm:styleLbl>
+  <dgm:styleLbl name="node4">
+    <dgm:scene3d>
+      <a:camera prst="orthographicFront"/>
+      <a:lightRig rig="threePt" dir="t"/>
+    </dgm:scene3d>
+    <dgm:sp3d/>
+    <dgm:txPr/>
+    <dgm:style>
+      <a:lnRef idx="3">
+        <a:scrgbClr r="0" g="0" b="0"/>
+      </a:lnRef>
+      <a:fillRef idx="1">
+        <a:scrgbClr r="0" g="0" b="0"/>
+      </a:fillRef>
+      <a:effectRef idx="1">
+        <a:scrgbClr r="0" g="0" b="0"/>
+      </a:effectRef>
+      <a:fontRef idx="minor">
+        <a:schemeClr val="lt1"/>
+      </a:fontRef>
+    </dgm:style>
+  </dgm:styleLbl>
+  <dgm:styleLbl name="fgImgPlace1">
+    <dgm:scene3d>
+      <a:camera prst="orthographicFront"/>
+      <a:lightRig rig="threePt" dir="t"/>
+    </dgm:scene3d>
+    <dgm:sp3d/>
+    <dgm:txPr/>
+    <dgm:style>
+      <a:lnRef idx="3">
+        <a:scrgbClr r="0" g="0" b="0"/>
+      </a:lnRef>
+      <a:fillRef idx="1">
+        <a:scrgbClr r="0" g="0" b="0"/>
+      </a:fillRef>
+      <a:effectRef idx="1">
+        <a:scrgbClr r="0" g="0" b="0"/>
+      </a:effectRef>
+      <a:fontRef idx="minor"/>
+    </dgm:style>
+  </dgm:styleLbl>
+  <dgm:styleLbl name="alignImgPlace1">
+    <dgm:scene3d>
+      <a:camera prst="orthographicFront"/>
+      <a:lightRig rig="threePt" dir="t"/>
+    </dgm:scene3d>
+    <dgm:sp3d/>
+    <dgm:txPr/>
+    <dgm:style>
+      <a:lnRef idx="3">
+        <a:scrgbClr r="0" g="0" b="0"/>
+      </a:lnRef>
+      <a:fillRef idx="1">
+        <a:scrgbClr r="0" g="0" b="0"/>
+      </a:fillRef>
+      <a:effectRef idx="1">
+        <a:scrgbClr r="0" g="0" b="0"/>
+      </a:effectRef>
+      <a:fontRef idx="minor"/>
+    </dgm:style>
+  </dgm:styleLbl>
+  <dgm:styleLbl name="bgImgPlace1">
+    <dgm:scene3d>
+      <a:camera prst="orthographicFront"/>
+      <a:lightRig rig="threePt" dir="t"/>
+    </dgm:scene3d>
+    <dgm:sp3d/>
+    <dgm:txPr/>
+    <dgm:style>
+      <a:lnRef idx="3">
+        <a:scrgbClr r="0" g="0" b="0"/>
+      </a:lnRef>
+      <a:fillRef idx="1">
+        <a:scrgbClr r="0" g="0" b="0"/>
+      </a:fillRef>
+      <a:effectRef idx="1">
+        <a:scrgbClr r="0" g="0" b="0"/>
+      </a:effectRef>
+      <a:fontRef idx="minor"/>
+    </dgm:style>
+  </dgm:styleLbl>
+  <dgm:styleLbl name="sibTrans2D1">
+    <dgm:scene3d>
+      <a:camera prst="orthographicFront"/>
+      <a:lightRig rig="threePt" dir="t"/>
+    </dgm:scene3d>
+    <dgm:sp3d/>
+    <dgm:txPr/>
+    <dgm:style>
+      <a:lnRef idx="0">
+        <a:scrgbClr r="0" g="0" b="0"/>
+      </a:lnRef>
+      <a:fillRef idx="1">
+        <a:scrgbClr r="0" g="0" b="0"/>
+      </a:fillRef>
+      <a:effectRef idx="1">
+        <a:scrgbClr r="0" g="0" b="0"/>
+      </a:effectRef>
+      <a:fontRef idx="minor">
+        <a:schemeClr val="lt1"/>
+      </a:fontRef>
+    </dgm:style>
+  </dgm:styleLbl>
+  <dgm:styleLbl name="fgSibTrans2D1">
+    <dgm:scene3d>
+      <a:camera prst="orthographicFront"/>
+      <a:lightRig rig="threePt" dir="t"/>
+    </dgm:scene3d>
+    <dgm:sp3d/>
+    <dgm:txPr/>
+    <dgm:style>
+      <a:lnRef idx="0">
+        <a:scrgbClr r="0" g="0" b="0"/>
+      </a:lnRef>
+      <a:fillRef idx="1">
+        <a:scrgbClr r="0" g="0" b="0"/>
+      </a:fillRef>
+      <a:effectRef idx="1">
+        <a:scrgbClr r="0" g="0" b="0"/>
+      </a:effectRef>
+      <a:fontRef idx="minor">
+        <a:schemeClr val="lt1"/>
+      </a:fontRef>
+    </dgm:style>
+  </dgm:styleLbl>
+  <dgm:styleLbl name="bgSibTrans2D1">
+    <dgm:scene3d>
+      <a:camera prst="orthographicFront"/>
+      <a:lightRig rig="threePt" dir="t"/>
+    </dgm:scene3d>
+    <dgm:sp3d/>
+    <dgm:txPr/>
+    <dgm:style>
+      <a:lnRef idx="0">
+        <a:scrgbClr r="0" g="0" b="0"/>
+      </a:lnRef>
+      <a:fillRef idx="1">
+        <a:scrgbClr r="0" g="0" b="0"/>
+      </a:fillRef>
+      <a:effectRef idx="1">
+        <a:scrgbClr r="0" g="0" b="0"/>
+      </a:effectRef>
+      <a:fontRef idx="minor">
+        <a:schemeClr val="lt1"/>
+      </a:fontRef>
+    </dgm:style>
+  </dgm:styleLbl>
+  <dgm:styleLbl name="sibTrans1D1">
+    <dgm:scene3d>
+      <a:camera prst="orthographicFront"/>
+      <a:lightRig rig="threePt" dir="t"/>
+    </dgm:scene3d>
+    <dgm:sp3d/>
+    <dgm:txPr/>
+    <dgm:style>
+      <a:lnRef idx="1">
+        <a:scrgbClr r="0" g="0" b="0"/>
+      </a:lnRef>
+      <a:fillRef idx="0">
+        <a:scrgbClr r="0" g="0" b="0"/>
+      </a:fillRef>
+      <a:effectRef idx="0">
+        <a:scrgbClr r="0" g="0" b="0"/>
+      </a:effectRef>
+      <a:fontRef idx="minor"/>
+    </dgm:style>
+  </dgm:styleLbl>
+  <dgm:styleLbl name="callout">
+    <dgm:scene3d>
+      <a:camera prst="orthographicFront"/>
+      <a:lightRig rig="threePt" dir="t"/>
+    </dgm:scene3d>
+    <dgm:sp3d/>
+    <dgm:txPr/>
+    <dgm:style>
+      <a:lnRef idx="2">
+        <a:scrgbClr r="0" g="0" b="0"/>
+      </a:lnRef>
+      <a:fillRef idx="1">
+        <a:scrgbClr r="0" g="0" b="0"/>
+      </a:fillRef>
+      <a:effectRef idx="1">
+        <a:scrgbClr r="0" g="0" b="0"/>
+      </a:effectRef>
+      <a:fontRef idx="minor"/>
+    </dgm:style>
+  </dgm:styleLbl>
+  <dgm:styleLbl name="asst0">
+    <dgm:scene3d>
+      <a:camera prst="orthographicFront"/>
+      <a:lightRig rig="threePt" dir="t"/>
+    </dgm:scene3d>
+    <dgm:sp3d/>
+    <dgm:txPr/>
+    <dgm:style>
+      <a:lnRef idx="3">
+        <a:scrgbClr r="0" g="0" b="0"/>
+      </a:lnRef>
+      <a:fillRef idx="1">
+        <a:scrgbClr r="0" g="0" b="0"/>
+      </a:fillRef>
+      <a:effectRef idx="1">
+        <a:scrgbClr r="0" g="0" b="0"/>
+      </a:effectRef>
+      <a:fontRef idx="minor">
+        <a:schemeClr val="lt1"/>
+      </a:fontRef>
+    </dgm:style>
+  </dgm:styleLbl>
+  <dgm:styleLbl name="asst1">
+    <dgm:scene3d>
+      <a:camera prst="orthographicFront"/>
+      <a:lightRig rig="threePt" dir="t"/>
+    </dgm:scene3d>
+    <dgm:sp3d/>
+    <dgm:txPr/>
+    <dgm:style>
+      <a:lnRef idx="3">
+        <a:scrgbClr r="0" g="0" b="0"/>
+      </a:lnRef>
+      <a:fillRef idx="1">
+        <a:scrgbClr r="0" g="0" b="0"/>
+      </a:fillRef>
+      <a:effectRef idx="1">
+        <a:scrgbClr r="0" g="0" b="0"/>
+      </a:effectRef>
+      <a:fontRef idx="minor">
+        <a:schemeClr val="lt1"/>
+      </a:fontRef>
+    </dgm:style>
+  </dgm:styleLbl>
+  <dgm:styleLbl name="asst2">
+    <dgm:scene3d>
+      <a:camera prst="orthographicFront"/>
+      <a:lightRig rig="threePt" dir="t"/>
+    </dgm:scene3d>
+    <dgm:sp3d/>
+    <dgm:txPr/>
+    <dgm:style>
+      <a:lnRef idx="3">
+        <a:scrgbClr r="0" g="0" b="0"/>
+      </a:lnRef>
+      <a:fillRef idx="1">
+        <a:scrgbClr r="0" g="0" b="0"/>
+      </a:fillRef>
+      <a:effectRef idx="1">
+        <a:scrgbClr r="0" g="0" b="0"/>
+      </a:effectRef>
+      <a:fontRef idx="minor">
+        <a:schemeClr val="lt1"/>
+      </a:fontRef>
+    </dgm:style>
+  </dgm:styleLbl>
+  <dgm:styleLbl name="asst3">
+    <dgm:scene3d>
+      <a:camera prst="orthographicFront"/>
+      <a:lightRig rig="threePt" dir="t"/>
+    </dgm:scene3d>
+    <dgm:sp3d/>
+    <dgm:txPr/>
+    <dgm:style>
+      <a:lnRef idx="3">
+        <a:scrgbClr r="0" g="0" b="0"/>
+      </a:lnRef>
+      <a:fillRef idx="1">
+        <a:scrgbClr r="0" g="0" b="0"/>
+      </a:fillRef>
+      <a:effectRef idx="1">
+        <a:scrgbClr r="0" g="0" b="0"/>
+      </a:effectRef>
+      <a:fontRef idx="minor">
+        <a:schemeClr val="lt1"/>
+      </a:fontRef>
+    </dgm:style>
+  </dgm:styleLbl>
+  <dgm:styleLbl name="asst4">
+    <dgm:scene3d>
+      <a:camera prst="orthographicFront"/>
+      <a:lightRig rig="threePt" dir="t"/>
+    </dgm:scene3d>
+    <dgm:sp3d/>
+    <dgm:txPr/>
+    <dgm:style>
+      <a:lnRef idx="3">
+        <a:scrgbClr r="0" g="0" b="0"/>
+      </a:lnRef>
+      <a:fillRef idx="1">
+        <a:scrgbClr r="0" g="0" b="0"/>
+      </a:fillRef>
+      <a:effectRef idx="1">
+        <a:scrgbClr r="0" g="0" b="0"/>
+      </a:effectRef>
+      <a:fontRef idx="minor">
+        <a:schemeClr val="lt1"/>
+      </a:fontRef>
+    </dgm:style>
+  </dgm:styleLbl>
+  <dgm:styleLbl name="parChTrans2D1">
+    <dgm:scene3d>
+      <a:camera prst="orthographicFront"/>
+      <a:lightRig rig="threePt" dir="t"/>
+    </dgm:scene3d>
+    <dgm:sp3d/>
+    <dgm:txPr/>
+    <dgm:style>
+      <a:lnRef idx="3">
+        <a:scrgbClr r="0" g="0" b="0"/>
+      </a:lnRef>
+      <a:fillRef idx="1">
+        <a:scrgbClr r="0" g="0" b="0"/>
+      </a:fillRef>
+      <a:effectRef idx="1">
+        <a:scrgbClr r="0" g="0" b="0"/>
+      </a:effectRef>
+      <a:fontRef idx="minor">
+        <a:schemeClr val="lt1"/>
+      </a:fontRef>
+    </dgm:style>
+  </dgm:styleLbl>
+  <dgm:styleLbl name="parChTrans2D2">
+    <dgm:scene3d>
+      <a:camera prst="orthographicFront"/>
+      <a:lightRig rig="threePt" dir="t"/>
+    </dgm:scene3d>
+    <dgm:sp3d/>
+    <dgm:txPr/>
+    <dgm:style>
+      <a:lnRef idx="3">
+        <a:scrgbClr r="0" g="0" b="0"/>
+      </a:lnRef>
+      <a:fillRef idx="1">
+        <a:scrgbClr r="0" g="0" b="0"/>
+      </a:fillRef>
+      <a:effectRef idx="1">
+        <a:scrgbClr r="0" g="0" b="0"/>
+      </a:effectRef>
+      <a:fontRef idx="minor">
+        <a:schemeClr val="lt1"/>
+      </a:fontRef>
+    </dgm:style>
+  </dgm:styleLbl>
+  <dgm:styleLbl name="parChTrans2D3">
+    <dgm:scene3d>
+      <a:camera prst="orthographicFront"/>
+      <a:lightRig rig="threePt" dir="t"/>
+    </dgm:scene3d>
+    <dgm:sp3d/>
+    <dgm:txPr/>
+    <dgm:style>
+      <a:lnRef idx="3">
+        <a:scrgbClr r="0" g="0" b="0"/>
+      </a:lnRef>
+      <a:fillRef idx="1">
+        <a:scrgbClr r="0" g="0" b="0"/>
+      </a:fillRef>
+      <a:effectRef idx="1">
+        <a:scrgbClr r="0" g="0" b="0"/>
+      </a:effectRef>
+      <a:fontRef idx="minor">
+        <a:schemeClr val="lt1"/>
+      </a:fontRef>
+    </dgm:style>
+  </dgm:styleLbl>
+  <dgm:styleLbl name="parChTrans2D4">
+    <dgm:scene3d>
+      <a:camera prst="orthographicFront"/>
+      <a:lightRig rig="threePt" dir="t"/>
+    </dgm:scene3d>
+    <dgm:sp3d/>
+    <dgm:txPr/>
+    <dgm:style>
+      <a:lnRef idx="3">
+        <a:scrgbClr r="0" g="0" b="0"/>
+      </a:lnRef>
+      <a:fillRef idx="1">
+        <a:scrgbClr r="0" g="0" b="0"/>
+      </a:fillRef>
+      <a:effectRef idx="1">
+        <a:scrgbClr r="0" g="0" b="0"/>
+      </a:effectRef>
+      <a:fontRef idx="minor">
+        <a:schemeClr val="lt1"/>
+      </a:fontRef>
+    </dgm:style>
+  </dgm:styleLbl>
+  <dgm:styleLbl name="parChTrans1D1">
+    <dgm:scene3d>
+      <a:camera prst="orthographicFront"/>
+      <a:lightRig rig="threePt" dir="t"/>
+    </dgm:scene3d>
+    <dgm:sp3d/>
+    <dgm:txPr/>
+    <dgm:style>
+      <a:lnRef idx="2">
+        <a:scrgbClr r="0" g="0" b="0"/>
+      </a:lnRef>
+      <a:fillRef idx="0">
+        <a:scrgbClr r="0" g="0" b="0"/>
+      </a:fillRef>
+      <a:effectRef idx="0">
+        <a:scrgbClr r="0" g="0" b="0"/>
+      </a:effectRef>
+      <a:fontRef idx="minor"/>
+    </dgm:style>
+  </dgm:styleLbl>
+  <dgm:styleLbl name="parChTrans1D2">
+    <dgm:scene3d>
+      <a:camera prst="orthographicFront"/>
+      <a:lightRig rig="threePt" dir="t"/>
+    </dgm:scene3d>
+    <dgm:sp3d/>
+    <dgm:txPr/>
+    <dgm:style>
+      <a:lnRef idx="2">
+        <a:scrgbClr r="0" g="0" b="0"/>
+      </a:lnRef>
+      <a:fillRef idx="0">
+        <a:scrgbClr r="0" g="0" b="0"/>
+      </a:fillRef>
+      <a:effectRef idx="0">
+        <a:scrgbClr r="0" g="0" b="0"/>
+      </a:effectRef>
+      <a:fontRef idx="minor"/>
+    </dgm:style>
+  </dgm:styleLbl>
+  <dgm:styleLbl name="parChTrans1D3">
+    <dgm:scene3d>
+      <a:camera prst="orthographicFront"/>
+      <a:lightRig rig="threePt" dir="t"/>
+    </dgm:scene3d>
+    <dgm:sp3d/>
+    <dgm:txPr/>
+    <dgm:style>
+      <a:lnRef idx="2">
+        <a:scrgbClr r="0" g="0" b="0"/>
+      </a:lnRef>
+      <a:fillRef idx="0">
+        <a:scrgbClr r="0" g="0" b="0"/>
+      </a:fillRef>
+      <a:effectRef idx="0">
+        <a:scrgbClr r="0" g="0" b="0"/>
+      </a:effectRef>
+      <a:fontRef idx="minor"/>
+    </dgm:style>
+  </dgm:styleLbl>
+  <dgm:styleLbl name="parChTrans1D4">
+    <dgm:scene3d>
+      <a:camera prst="orthographicFront"/>
+      <a:lightRig rig="threePt" dir="t"/>
+    </dgm:scene3d>
+    <dgm:sp3d/>
+    <dgm:txPr/>
+    <dgm:style>
+      <a:lnRef idx="2">
+        <a:scrgbClr r="0" g="0" b="0"/>
+      </a:lnRef>
+      <a:fillRef idx="0">
+        <a:scrgbClr r="0" g="0" b="0"/>
+      </a:fillRef>
+      <a:effectRef idx="0">
+        <a:scrgbClr r="0" g="0" b="0"/>
+      </a:effectRef>
+      <a:fontRef idx="minor"/>
+    </dgm:style>
+  </dgm:styleLbl>
+  <dgm:styleLbl name="fgAcc1">
+    <dgm:scene3d>
+      <a:camera prst="orthographicFront"/>
+      <a:lightRig rig="threePt" dir="t"/>
+    </dgm:scene3d>
+    <dgm:sp3d/>
+    <dgm:txPr/>
+    <dgm:style>
+      <a:lnRef idx="2">
+        <a:scrgbClr r="0" g="0" b="0"/>
+      </a:lnRef>
+      <a:fillRef idx="1">
+        <a:scrgbClr r="0" g="0" b="0"/>
+      </a:fillRef>
+      <a:effectRef idx="0">
+        <a:scrgbClr r="0" g="0" b="0"/>
+      </a:effectRef>
+      <a:fontRef idx="minor"/>
+    </dgm:style>
+  </dgm:styleLbl>
+  <dgm:styleLbl name="conFgAcc1">
+    <dgm:scene3d>
+      <a:camera prst="orthographicFront"/>
+      <a:lightRig rig="threePt" dir="t"/>
+    </dgm:scene3d>
+    <dgm:sp3d/>
+    <dgm:txPr/>
+    <dgm:style>
+      <a:lnRef idx="2">
+        <a:scrgbClr r="0" g="0" b="0"/>
+      </a:lnRef>
+      <a:fillRef idx="1">
+        <a:scrgbClr r="0" g="0" b="0"/>
+      </a:fillRef>
+      <a:effectRef idx="0">
+        <a:scrgbClr r="0" g="0" b="0"/>
+      </a:effectRef>
+      <a:fontRef idx="minor"/>
+    </dgm:style>
+  </dgm:styleLbl>
+  <dgm:styleLbl name="alignAcc1">
+    <dgm:scene3d>
+      <a:camera prst="orthographicFront"/>
+      <a:lightRig rig="threePt" dir="t"/>
+    </dgm:scene3d>
+    <dgm:sp3d/>
+    <dgm:txPr/>
+    <dgm:style>
+      <a:lnRef idx="2">
+        <a:scrgbClr r="0" g="0" b="0"/>
+      </a:lnRef>
+      <a:fillRef idx="1">
+        <a:scrgbClr r="0" g="0" b="0"/>
+      </a:fillRef>
+      <a:effectRef idx="0">
+        <a:scrgbClr r="0" g="0" b="0"/>
+      </a:effectRef>
+      <a:fontRef idx="minor"/>
+    </dgm:style>
+  </dgm:styleLbl>
+  <dgm:styleLbl name="trAlignAcc1">
+    <dgm:scene3d>
+      <a:camera prst="orthographicFront"/>
+      <a:lightRig rig="threePt" dir="t"/>
+    </dgm:scene3d>
+    <dgm:sp3d/>
+    <dgm:txPr/>
+    <dgm:style>
+      <a:lnRef idx="1">
+        <a:scrgbClr r="0" g="0" b="0"/>
+      </a:lnRef>
+      <a:fillRef idx="1">
+        <a:scrgbClr r="0" g="0" b="0"/>
+      </a:fillRef>
+      <a:effectRef idx="0">
+        <a:scrgbClr r="0" g="0" b="0"/>
+      </a:effectRef>
+      <a:fontRef idx="minor"/>
+    </dgm:style>
+  </dgm:styleLbl>
+  <dgm:styleLbl name="bgAcc1">
+    <dgm:scene3d>
+      <a:camera prst="orthographicFront"/>
+      <a:lightRig rig="threePt" dir="t"/>
+    </dgm:scene3d>
+    <dgm:sp3d/>
+    <dgm:txPr/>
+    <dgm:style>
+      <a:lnRef idx="2">
+        <a:scrgbClr r="0" g="0" b="0"/>
+      </a:lnRef>
+      <a:fillRef idx="1">
+        <a:scrgbClr r="0" g="0" b="0"/>
+      </a:fillRef>
+      <a:effectRef idx="0">
+        <a:scrgbClr r="0" g="0" b="0"/>
+      </a:effectRef>
+      <a:fontRef idx="minor"/>
+    </dgm:style>
+  </dgm:styleLbl>
+  <dgm:styleLbl name="solidFgAcc1">
+    <dgm:scene3d>
+      <a:camera prst="orthographicFront"/>
+      <a:lightRig rig="threePt" dir="t"/>
+    </dgm:scene3d>
+    <dgm:sp3d/>
+    <dgm:txPr/>
+    <dgm:style>
+      <a:lnRef idx="2">
+        <a:scrgbClr r="0" g="0" b="0"/>
+      </a:lnRef>
+      <a:fillRef idx="1">
+        <a:scrgbClr r="0" g="0" b="0"/>
+      </a:fillRef>
+      <a:effectRef idx="0">
+        <a:scrgbClr r="0" g="0" b="0"/>
+      </a:effectRef>
+      <a:fontRef idx="minor"/>
+    </dgm:style>
+  </dgm:styleLbl>
+  <dgm:styleLbl name="solidAlignAcc1">
+    <dgm:scene3d>
+      <a:camera prst="orthographicFront"/>
+      <a:lightRig rig="threePt" dir="t"/>
+    </dgm:scene3d>
+    <dgm:sp3d/>
+    <dgm:txPr/>
+    <dgm:style>
+      <a:lnRef idx="2">
+        <a:scrgbClr r="0" g="0" b="0"/>
+      </a:lnRef>
+      <a:fillRef idx="1">
+        <a:scrgbClr r="0" g="0" b="0"/>
+      </a:fillRef>
+      <a:effectRef idx="0">
+        <a:scrgbClr r="0" g="0" b="0"/>
+      </a:effectRef>
+      <a:fontRef idx="minor"/>
+    </dgm:style>
+  </dgm:styleLbl>
+  <dgm:styleLbl name="solidBgAcc1">
+    <dgm:scene3d>
+      <a:camera prst="orthographicFront"/>
+      <a:lightRig rig="threePt" dir="t"/>
+    </dgm:scene3d>
+    <dgm:sp3d/>
+    <dgm:txPr/>
+    <dgm:style>
+      <a:lnRef idx="2">
+        <a:scrgbClr r="0" g="0" b="0"/>
+      </a:lnRef>
+      <a:fillRef idx="1">
+        <a:scrgbClr r="0" g="0" b="0"/>
+      </a:fillRef>
+      <a:effectRef idx="0">
+        <a:scrgbClr r="0" g="0" b="0"/>
+      </a:effectRef>
+      <a:fontRef idx="minor"/>
+    </dgm:style>
+  </dgm:styleLbl>
+  <dgm:styleLbl name="fgAccFollowNode1">
+    <dgm:scene3d>
+      <a:camera prst="orthographicFront"/>
+      <a:lightRig rig="threePt" dir="t"/>
+    </dgm:scene3d>
+    <dgm:sp3d/>
+    <dgm:txPr/>
+    <dgm:style>
+      <a:lnRef idx="2">
+        <a:scrgbClr r="0" g="0" b="0"/>
+      </a:lnRef>
+      <a:fillRef idx="1">
+        <a:scrgbClr r="0" g="0" b="0"/>
+      </a:fillRef>
+      <a:effectRef idx="0">
+        <a:scrgbClr r="0" g="0" b="0"/>
+      </a:effectRef>
+      <a:fontRef idx="minor"/>
+    </dgm:style>
+  </dgm:styleLbl>
+  <dgm:styleLbl name="alignAccFollowNode1">
+    <dgm:scene3d>
+      <a:camera prst="orthographicFront"/>
+      <a:lightRig rig="threePt" dir="t"/>
+    </dgm:scene3d>
+    <dgm:sp3d/>
+    <dgm:txPr/>
+    <dgm:style>
+      <a:lnRef idx="2">
+        <a:scrgbClr r="0" g="0" b="0"/>
+      </a:lnRef>
+      <a:fillRef idx="1">
+        <a:scrgbClr r="0" g="0" b="0"/>
+      </a:fillRef>
+      <a:effectRef idx="0">
+        <a:scrgbClr r="0" g="0" b="0"/>
+      </a:effectRef>
+      <a:fontRef idx="minor"/>
+    </dgm:style>
+  </dgm:styleLbl>
+  <dgm:styleLbl name="bgAccFollowNode1">
+    <dgm:scene3d>
+      <a:camera prst="orthographicFront"/>
+      <a:lightRig rig="threePt" dir="t"/>
+    </dgm:scene3d>
+    <dgm:sp3d/>
+    <dgm:txPr/>
+    <dgm:style>
+      <a:lnRef idx="2">
+        <a:scrgbClr r="0" g="0" b="0"/>
+      </a:lnRef>
+      <a:fillRef idx="1">
+        <a:scrgbClr r="0" g="0" b="0"/>
+      </a:fillRef>
+      <a:effectRef idx="0">
+        <a:scrgbClr r="0" g="0" b="0"/>
+      </a:effectRef>
+      <a:fontRef idx="minor"/>
+    </dgm:style>
+  </dgm:styleLbl>
+  <dgm:styleLbl name="fgAcc0">
+    <dgm:scene3d>
+      <a:camera prst="orthographicFront"/>
+      <a:lightRig rig="threePt" dir="t"/>
+    </dgm:scene3d>
+    <dgm:sp3d/>
+    <dgm:txPr/>
+    <dgm:style>
+      <a:lnRef idx="2">
+        <a:scrgbClr r="0" g="0" b="0"/>
+      </a:lnRef>
+      <a:fillRef idx="1">
+        <a:scrgbClr r="0" g="0" b="0"/>
+      </a:fillRef>
+      <a:effectRef idx="0">
+        <a:scrgbClr r="0" g="0" b="0"/>
+      </a:effectRef>
+      <a:fontRef idx="minor"/>
+    </dgm:style>
+  </dgm:styleLbl>
+  <dgm:styleLbl name="fgAcc2">
+    <dgm:scene3d>
+      <a:camera prst="orthographicFront"/>
+      <a:lightRig rig="threePt" dir="t"/>
+    </dgm:scene3d>
+    <dgm:sp3d/>
+    <dgm:txPr/>
+    <dgm:style>
+      <a:lnRef idx="2">
+        <a:scrgbClr r="0" g="0" b="0"/>
+      </a:lnRef>
+      <a:fillRef idx="1">
+        <a:scrgbClr r="0" g="0" b="0"/>
+      </a:fillRef>
+      <a:effectRef idx="0">
+        <a:scrgbClr r="0" g="0" b="0"/>
+      </a:effectRef>
+      <a:fontRef idx="minor"/>
+    </dgm:style>
+  </dgm:styleLbl>
+  <dgm:styleLbl name="fgAcc3">
+    <dgm:scene3d>
+      <a:camera prst="orthographicFront"/>
+      <a:lightRig rig="threePt" dir="t"/>
+    </dgm:scene3d>
+    <dgm:sp3d/>
+    <dgm:txPr/>
+    <dgm:style>
+      <a:lnRef idx="2">
+        <a:scrgbClr r="0" g="0" b="0"/>
+      </a:lnRef>
+      <a:fillRef idx="1">
+        <a:scrgbClr r="0" g="0" b="0"/>
+      </a:fillRef>
+      <a:effectRef idx="0">
+        <a:scrgbClr r="0" g="0" b="0"/>
+      </a:effectRef>
+      <a:fontRef idx="minor"/>
+    </dgm:style>
+  </dgm:styleLbl>
+  <dgm:styleLbl name="fgAcc4">
+    <dgm:scene3d>
+      <a:camera prst="orthographicFront"/>
+      <a:lightRig rig="threePt" dir="t"/>
+    </dgm:scene3d>
+    <dgm:sp3d/>
+    <dgm:txPr/>
+    <dgm:style>
+      <a:lnRef idx="2">
+        <a:scrgbClr r="0" g="0" b="0"/>
+      </a:lnRef>
+      <a:fillRef idx="1">
+        <a:scrgbClr r="0" g="0" b="0"/>
+      </a:fillRef>
+      <a:effectRef idx="0">
+        <a:scrgbClr r="0" g="0" b="0"/>
+      </a:effectRef>
+      <a:fontRef idx="minor"/>
+    </dgm:style>
+  </dgm:styleLbl>
+  <dgm:styleLbl name="bgShp">
+    <dgm:scene3d>
+      <a:camera prst="orthographicFront"/>
+      <a:lightRig rig="threePt" dir="t"/>
+    </dgm:scene3d>
+    <dgm:sp3d/>
+    <dgm:txPr/>
+    <dgm:style>
+      <a:lnRef idx="0">
+        <a:scrgbClr r="0" g="0" b="0"/>
+      </a:lnRef>
+      <a:fillRef idx="1">
+        <a:scrgbClr r="0" g="0" b="0"/>
+      </a:fillRef>
+      <a:effectRef idx="0">
+        <a:scrgbClr r="0" g="0" b="0"/>
+      </a:effectRef>
+      <a:fontRef idx="minor"/>
+    </dgm:style>
+  </dgm:styleLbl>
+  <dgm:styleLbl name="dkBgShp">
+    <dgm:scene3d>
+      <a:camera prst="orthographicFront"/>
+      <a:lightRig rig="threePt" dir="t"/>
+    </dgm:scene3d>
+    <dgm:sp3d/>
+    <dgm:txPr/>
+    <dgm:style>
+      <a:lnRef idx="0">
+        <a:scrgbClr r="0" g="0" b="0"/>
+      </a:lnRef>
+      <a:fillRef idx="1">
+        <a:scrgbClr r="0" g="0" b="0"/>
+      </a:fillRef>
+      <a:effectRef idx="0">
+        <a:scrgbClr r="0" g="0" b="0"/>
+      </a:effectRef>
+      <a:fontRef idx="minor"/>
+    </dgm:style>
+  </dgm:styleLbl>
+  <dgm:styleLbl name="trBgShp">
+    <dgm:scene3d>
+      <a:camera prst="orthographicFront"/>
+      <a:lightRig rig="threePt" dir="t"/>
+    </dgm:scene3d>
+    <dgm:sp3d/>
+    <dgm:txPr/>
+    <dgm:style>
+      <a:lnRef idx="0">
+        <a:scrgbClr r="0" g="0" b="0"/>
+      </a:lnRef>
+      <a:fillRef idx="1">
+        <a:scrgbClr r="0" g="0" b="0"/>
+      </a:fillRef>
+      <a:effectRef idx="0">
+        <a:scrgbClr r="0" g="0" b="0"/>
+      </a:effectRef>
+      <a:fontRef idx="minor"/>
+    </dgm:style>
+  </dgm:styleLbl>
+  <dgm:styleLbl name="fgShp">
+    <dgm:scene3d>
+      <a:camera prst="orthographicFront"/>
+      <a:lightRig rig="threePt" dir="t"/>
+    </dgm:scene3d>
+    <dgm:sp3d/>
+    <dgm:txPr/>
+    <dgm:style>
+      <a:lnRef idx="3">
+        <a:scrgbClr r="0" g="0" b="0"/>
+      </a:lnRef>
+      <a:fillRef idx="1">
         <a:scrgbClr r="0" g="0" b="0"/>
       </a:fillRef>
       <a:effectRef idx="1">
@@ -14622,7 +17424,7 @@
             <p:ph idx="1"/>
             <p:extLst>
               <p:ext uri="{D42A27DB-BD31-4B8C-83A1-F6EECF244321}">
-                <p14:modId xmlns:p14="http://schemas.microsoft.com/office/powerpoint/2010/main" val="688810692"/>
+                <p14:modId xmlns:p14="http://schemas.microsoft.com/office/powerpoint/2010/main" val="513363846"/>
               </p:ext>
             </p:extLst>
           </p:nvPr>
@@ -14717,7 +17519,7 @@
                       </a:r>
                       <a:r>
                         <a:rPr lang="en-US" baseline="0" dirty="0" smtClean="0"/>
-                        <a:t> Bayes Multiplier  (count vector)</a:t>
+                        <a:t> Bayes Multiplier  (CV)</a:t>
                       </a:r>
                     </a:p>
                   </a:txBody>
@@ -14918,7 +17720,7 @@
                     <a:p>
                       <a:r>
                         <a:rPr lang="en-US" dirty="0" smtClean="0"/>
-                        <a:t>0.930</a:t>
+                        <a:t>0.870</a:t>
                       </a:r>
                       <a:endParaRPr lang="en-US" dirty="0"/>
                     </a:p>
@@ -14962,11 +17764,27 @@
                     <a:bodyPr/>
                     <a:lstStyle/>
                     <a:p>
+                      <a:pPr marL="0" marR="0" indent="0" algn="l" defTabSz="914400" rtl="0" eaLnBrk="1" fontAlgn="auto" latinLnBrk="0" hangingPunct="1">
+                        <a:lnSpc>
+                          <a:spcPct val="100000"/>
+                        </a:lnSpc>
+                        <a:spcBef>
+                          <a:spcPts val="0"/>
+                        </a:spcBef>
+                        <a:spcAft>
+                          <a:spcPts val="0"/>
+                        </a:spcAft>
+                        <a:buClrTx/>
+                        <a:buSzTx/>
+                        <a:buFontTx/>
+                        <a:buNone/>
+                        <a:tabLst/>
+                        <a:defRPr/>
+                      </a:pPr>
                       <a:r>
                         <a:rPr lang="en-US" dirty="0" smtClean="0"/>
-                        <a:t>0.870</a:t>
+                        <a:t>0.930</a:t>
                       </a:r>
-                      <a:endParaRPr lang="en-US" dirty="0"/>
                     </a:p>
                   </a:txBody>
                   <a:tcPr/>
@@ -15010,7 +17828,7 @@
                     <a:p>
                       <a:r>
                         <a:rPr lang="en-US" dirty="0" smtClean="0"/>
-                        <a:t>0.923</a:t>
+                        <a:t>0.851</a:t>
                       </a:r>
                       <a:endParaRPr lang="en-US" dirty="0"/>
                     </a:p>
@@ -15054,11 +17872,27 @@
                     <a:bodyPr/>
                     <a:lstStyle/>
                     <a:p>
+                      <a:pPr marL="0" marR="0" indent="0" algn="l" defTabSz="914400" rtl="0" eaLnBrk="1" fontAlgn="auto" latinLnBrk="0" hangingPunct="1">
+                        <a:lnSpc>
+                          <a:spcPct val="100000"/>
+                        </a:lnSpc>
+                        <a:spcBef>
+                          <a:spcPts val="0"/>
+                        </a:spcBef>
+                        <a:spcAft>
+                          <a:spcPts val="0"/>
+                        </a:spcAft>
+                        <a:buClrTx/>
+                        <a:buSzTx/>
+                        <a:buFontTx/>
+                        <a:buNone/>
+                        <a:tabLst/>
+                        <a:defRPr/>
+                      </a:pPr>
                       <a:r>
                         <a:rPr lang="en-US" dirty="0" smtClean="0"/>
-                        <a:t>0.851</a:t>
+                        <a:t>0.923</a:t>
                       </a:r>
-                      <a:endParaRPr lang="en-US" dirty="0"/>
                     </a:p>
                   </a:txBody>
                   <a:tcPr/>
@@ -15569,6 +18403,14 @@
 <file path=ppt/slides/slide13.xml><?xml version="1.0" encoding="utf-8"?>
 <p:sld xmlns:a="http://schemas.openxmlformats.org/drawingml/2006/main" xmlns:r="http://schemas.openxmlformats.org/officeDocument/2006/relationships" xmlns:p="http://schemas.openxmlformats.org/presentationml/2006/main">
   <p:cSld>
+    <p:bg>
+      <p:bgPr>
+        <a:solidFill>
+          <a:schemeClr val="bg1"/>
+        </a:solidFill>
+        <a:effectLst/>
+      </p:bgPr>
+    </p:bg>
     <p:spTree>
       <p:nvGrpSpPr>
         <p:cNvPr id="1" name=""/>
@@ -15593,42 +18435,349 @@
             <p:ph type="title"/>
           </p:nvPr>
         </p:nvSpPr>
-        <p:spPr/>
+        <p:spPr>
+          <a:xfrm>
+            <a:off x="1097280" y="286603"/>
+            <a:ext cx="10058400" cy="1450757"/>
+          </a:xfrm>
+        </p:spPr>
         <p:txBody>
-          <a:bodyPr/>
+          <a:bodyPr>
+            <a:normAutofit/>
+          </a:bodyPr>
           <a:lstStyle/>
           <a:p>
             <a:r>
-              <a:rPr lang="en-US" dirty="0" smtClean="0"/>
+              <a:rPr lang="en-US"/>
               <a:t>Division of Work</a:t>
             </a:r>
-            <a:endParaRPr lang="en-US" dirty="0"/>
+          </a:p>
+        </p:txBody>
+      </p:sp>
+      <p:graphicFrame>
+        <p:nvGraphicFramePr>
+          <p:cNvPr id="5" name="Content Placeholder 2"/>
+          <p:cNvGraphicFramePr>
+            <a:graphicFrameLocks noGrp="1"/>
+          </p:cNvGraphicFramePr>
+          <p:nvPr>
+            <p:ph idx="1"/>
+            <p:extLst>
+              <p:ext uri="{D42A27DB-BD31-4B8C-83A1-F6EECF244321}">
+                <p14:modId xmlns:p14="http://schemas.microsoft.com/office/powerpoint/2010/main" val="963070091"/>
+              </p:ext>
+            </p:extLst>
+          </p:nvPr>
+        </p:nvGraphicFramePr>
+        <p:xfrm>
+          <a:off x="1096963" y="2098515"/>
+          <a:ext cx="10058400" cy="3786080"/>
+        </p:xfrm>
+        <a:graphic>
+          <a:graphicData uri="http://schemas.openxmlformats.org/drawingml/2006/diagram">
+            <dgm:relIds xmlns:dgm="http://schemas.openxmlformats.org/drawingml/2006/diagram" xmlns:r="http://schemas.openxmlformats.org/officeDocument/2006/relationships" r:dm="rId2" r:lo="rId3" r:qs="rId4" r:cs="rId5"/>
+          </a:graphicData>
+        </a:graphic>
+      </p:graphicFrame>
+    </p:spTree>
+    <p:extLst>
+      <p:ext uri="{BB962C8B-B14F-4D97-AF65-F5344CB8AC3E}">
+        <p14:creationId xmlns:p14="http://schemas.microsoft.com/office/powerpoint/2010/main" val="198846320"/>
+      </p:ext>
+    </p:extLst>
+  </p:cSld>
+  <p:clrMapOvr>
+    <a:masterClrMapping/>
+  </p:clrMapOvr>
+</p:sld>
+</file>
+
+<file path=ppt/slides/slide14.xml><?xml version="1.0" encoding="utf-8"?>
+<p:sld xmlns:a="http://schemas.openxmlformats.org/drawingml/2006/main" xmlns:r="http://schemas.openxmlformats.org/officeDocument/2006/relationships" xmlns:p="http://schemas.openxmlformats.org/presentationml/2006/main">
+  <p:cSld>
+    <p:bg>
+      <p:bgPr>
+        <a:solidFill>
+          <a:schemeClr val="bg1"/>
+        </a:solidFill>
+        <a:effectLst/>
+      </p:bgPr>
+    </p:bg>
+    <p:spTree>
+      <p:nvGrpSpPr>
+        <p:cNvPr id="1" name=""/>
+        <p:cNvGrpSpPr/>
+        <p:nvPr/>
+      </p:nvGrpSpPr>
+      <p:grpSpPr>
+        <a:xfrm>
+          <a:off x="0" y="0"/>
+          <a:ext cx="0" cy="0"/>
+          <a:chOff x="0" y="0"/>
+          <a:chExt cx="0" cy="0"/>
+        </a:xfrm>
+      </p:grpSpPr>
+      <p:sp useBgFill="1">
+        <p:nvSpPr>
+          <p:cNvPr id="9" name="Rectangle 8">
+            <a:extLst>
+              <a:ext uri="{FF2B5EF4-FFF2-40B4-BE49-F238E27FC236}">
+                <a16:creationId xmlns:a16="http://schemas.microsoft.com/office/drawing/2014/main" xmlns="" id="{6BB9730C-14BA-4087-9AF5-401956772119}"/>
+              </a:ext>
+            </a:extLst>
+          </p:cNvPr>
+          <p:cNvSpPr>
+            <a:spLocks noGrp="1" noRot="1" noChangeAspect="1" noMove="1" noResize="1" noEditPoints="1" noAdjustHandles="1" noChangeArrowheads="1" noChangeShapeType="1" noTextEdit="1"/>
+          </p:cNvSpPr>
+          <p:nvPr>
+            <p:extLst>
+              <p:ext uri="{386F3935-93C4-4BCD-93E2-E3B085C9AB24}">
+                <p16:designElem xmlns:p16="http://schemas.microsoft.com/office/powerpoint/2015/main" val="1"/>
+              </p:ext>
+            </p:extLst>
+          </p:nvPr>
+        </p:nvSpPr>
+        <p:spPr>
+          <a:xfrm>
+            <a:off x="0" y="0"/>
+            <a:ext cx="12192001" cy="4904190"/>
+          </a:xfrm>
+          <a:prstGeom prst="rect">
+            <a:avLst/>
+          </a:prstGeom>
+          <a:ln>
+            <a:noFill/>
+          </a:ln>
+        </p:spPr>
+        <p:style>
+          <a:lnRef idx="2">
+            <a:schemeClr val="accent1">
+              <a:shade val="50000"/>
+            </a:schemeClr>
+          </a:lnRef>
+          <a:fillRef idx="1">
+            <a:schemeClr val="accent1"/>
+          </a:fillRef>
+          <a:effectRef idx="0">
+            <a:schemeClr val="accent1"/>
+          </a:effectRef>
+          <a:fontRef idx="minor">
+            <a:schemeClr val="lt1"/>
+          </a:fontRef>
+        </p:style>
+        <p:txBody>
+          <a:bodyPr rtlCol="0" anchor="ctr"/>
+          <a:lstStyle/>
+          <a:p>
+            <a:pPr algn="ctr"/>
+            <a:endParaRPr lang="en-US"/>
           </a:p>
         </p:txBody>
       </p:sp>
       <p:sp>
         <p:nvSpPr>
-          <p:cNvPr id="3" name="Content Placeholder 2"/>
+          <p:cNvPr id="11" name="Rectangle 10">
+            <a:extLst>
+              <a:ext uri="{FF2B5EF4-FFF2-40B4-BE49-F238E27FC236}">
+                <a16:creationId xmlns:a16="http://schemas.microsoft.com/office/drawing/2014/main" xmlns="" id="{04C8AB72-CC2C-4452-A54B-A3EB92AD2D2D}"/>
+              </a:ext>
+            </a:extLst>
+          </p:cNvPr>
+          <p:cNvSpPr>
+            <a:spLocks noGrp="1" noRot="1" noChangeAspect="1" noMove="1" noResize="1" noEditPoints="1" noAdjustHandles="1" noChangeArrowheads="1" noChangeShapeType="1" noTextEdit="1"/>
+          </p:cNvSpPr>
+          <p:nvPr>
+            <p:extLst>
+              <p:ext uri="{386F3935-93C4-4BCD-93E2-E3B085C9AB24}">
+                <p16:designElem xmlns:p16="http://schemas.microsoft.com/office/powerpoint/2015/main" val="1"/>
+              </p:ext>
+            </p:extLst>
+          </p:nvPr>
+        </p:nvSpPr>
+        <p:spPr bwMode="white">
+          <a:xfrm>
+            <a:off x="1507" y="4953000"/>
+            <a:ext cx="12188952" cy="1905000"/>
+          </a:xfrm>
+          <a:prstGeom prst="rect">
+            <a:avLst/>
+          </a:prstGeom>
+          <a:solidFill>
+            <a:schemeClr val="accent2"/>
+          </a:solidFill>
+          <a:ln>
+            <a:noFill/>
+          </a:ln>
+        </p:spPr>
+        <p:style>
+          <a:lnRef idx="2">
+            <a:schemeClr val="accent1">
+              <a:shade val="50000"/>
+            </a:schemeClr>
+          </a:lnRef>
+          <a:fillRef idx="1">
+            <a:schemeClr val="accent1"/>
+          </a:fillRef>
+          <a:effectRef idx="0">
+            <a:schemeClr val="accent1"/>
+          </a:effectRef>
+          <a:fontRef idx="minor">
+            <a:schemeClr val="lt1"/>
+          </a:fontRef>
+        </p:style>
+      </p:sp>
+      <p:sp>
+        <p:nvSpPr>
+          <p:cNvPr id="13" name="Rectangle 12">
+            <a:extLst>
+              <a:ext uri="{FF2B5EF4-FFF2-40B4-BE49-F238E27FC236}">
+                <a16:creationId xmlns:a16="http://schemas.microsoft.com/office/drawing/2014/main" xmlns="" id="{48F3622B-3E4C-4435-A51C-9D6FD1C2A222}"/>
+              </a:ext>
+            </a:extLst>
+          </p:cNvPr>
+          <p:cNvSpPr>
+            <a:spLocks noGrp="1" noRot="1" noChangeAspect="1" noMove="1" noResize="1" noEditPoints="1" noAdjustHandles="1" noChangeArrowheads="1" noChangeShapeType="1" noTextEdit="1"/>
+          </p:cNvSpPr>
+          <p:nvPr>
+            <p:extLst>
+              <p:ext uri="{386F3935-93C4-4BCD-93E2-E3B085C9AB24}">
+                <p16:designElem xmlns:p16="http://schemas.microsoft.com/office/powerpoint/2015/main" val="1"/>
+              </p:ext>
+            </p:extLst>
+          </p:nvPr>
+        </p:nvSpPr>
+        <p:spPr>
+          <a:xfrm>
+            <a:off x="1507" y="4906176"/>
+            <a:ext cx="12188952" cy="64008"/>
+          </a:xfrm>
+          <a:prstGeom prst="rect">
+            <a:avLst/>
+          </a:prstGeom>
+          <a:solidFill>
+            <a:schemeClr val="accent1"/>
+          </a:solidFill>
+          <a:ln>
+            <a:noFill/>
+          </a:ln>
+        </p:spPr>
+        <p:style>
+          <a:lnRef idx="2">
+            <a:schemeClr val="accent1">
+              <a:shade val="50000"/>
+            </a:schemeClr>
+          </a:lnRef>
+          <a:fillRef idx="1">
+            <a:schemeClr val="accent1"/>
+          </a:fillRef>
+          <a:effectRef idx="0">
+            <a:schemeClr val="accent1"/>
+          </a:effectRef>
+          <a:fontRef idx="minor">
+            <a:schemeClr val="lt1"/>
+          </a:fontRef>
+        </p:style>
+      </p:sp>
+      <p:pic>
+        <p:nvPicPr>
+          <p:cNvPr id="4" name="Picture 3"/>
+          <p:cNvPicPr>
+            <a:picLocks noChangeAspect="1"/>
+          </p:cNvPicPr>
+          <p:nvPr/>
+        </p:nvPicPr>
+        <p:blipFill>
+          <a:blip r:embed="rId2">
+            <a:extLst>
+              <a:ext uri="{28A0092B-C50C-407E-A947-70E740481C1C}">
+                <a14:useLocalDpi xmlns:a14="http://schemas.microsoft.com/office/drawing/2010/main" val="0"/>
+              </a:ext>
+            </a:extLst>
+          </a:blip>
+          <a:stretch>
+            <a:fillRect/>
+          </a:stretch>
+        </p:blipFill>
+        <p:spPr>
+          <a:xfrm>
+            <a:off x="2477964" y="643538"/>
+            <a:ext cx="7237172" cy="3618586"/>
+          </a:xfrm>
+          <a:prstGeom prst="rect">
+            <a:avLst/>
+          </a:prstGeom>
+        </p:spPr>
+      </p:pic>
+      <p:sp>
+        <p:nvSpPr>
+          <p:cNvPr id="2" name="Title 1"/>
           <p:cNvSpPr>
             <a:spLocks noGrp="1"/>
           </p:cNvSpPr>
           <p:nvPr>
-            <p:ph idx="1"/>
+            <p:ph type="ctrTitle"/>
           </p:nvPr>
         </p:nvSpPr>
-        <p:spPr/>
+        <p:spPr>
+          <a:xfrm>
+            <a:off x="1065197" y="5120640"/>
+            <a:ext cx="10058400" cy="822960"/>
+          </a:xfrm>
+        </p:spPr>
         <p:txBody>
-          <a:bodyPr/>
+          <a:bodyPr>
+            <a:normAutofit/>
+          </a:bodyPr>
           <a:lstStyle/>
           <a:p>
-            <a:endParaRPr lang="en-US"/>
+            <a:r>
+              <a:rPr lang="en-US" sz="3600">
+                <a:solidFill>
+                  <a:srgbClr val="FFFFFF"/>
+                </a:solidFill>
+              </a:rPr>
+              <a:t> </a:t>
+            </a:r>
+          </a:p>
+        </p:txBody>
+      </p:sp>
+      <p:sp>
+        <p:nvSpPr>
+          <p:cNvPr id="3" name="Subtitle 2"/>
+          <p:cNvSpPr>
+            <a:spLocks noGrp="1"/>
+          </p:cNvSpPr>
+          <p:nvPr>
+            <p:ph type="subTitle" idx="1"/>
+          </p:nvPr>
+        </p:nvSpPr>
+        <p:spPr>
+          <a:xfrm>
+            <a:off x="1065212" y="5943600"/>
+            <a:ext cx="10058400" cy="543513"/>
+          </a:xfrm>
+        </p:spPr>
+        <p:txBody>
+          <a:bodyPr>
+            <a:normAutofit/>
+          </a:bodyPr>
+          <a:lstStyle/>
+          <a:p>
+            <a:r>
+              <a:rPr lang="en-US" sz="1500">
+                <a:solidFill>
+                  <a:srgbClr val="FFFFFF"/>
+                </a:solidFill>
+              </a:rPr>
+              <a:t> </a:t>
+            </a:r>
           </a:p>
         </p:txBody>
       </p:sp>
     </p:spTree>
     <p:extLst>
       <p:ext uri="{BB962C8B-B14F-4D97-AF65-F5344CB8AC3E}">
-        <p14:creationId xmlns:p14="http://schemas.microsoft.com/office/powerpoint/2010/main" val="1988511273"/>
+        <p14:creationId xmlns:p14="http://schemas.microsoft.com/office/powerpoint/2010/main" val="3699237699"/>
       </p:ext>
     </p:extLst>
   </p:cSld>
@@ -16638,7 +19787,7 @@
             <p:ph idx="1"/>
             <p:extLst>
               <p:ext uri="{D42A27DB-BD31-4B8C-83A1-F6EECF244321}">
-                <p14:modId xmlns:p14="http://schemas.microsoft.com/office/powerpoint/2010/main" val="1835536151"/>
+                <p14:modId xmlns:p14="http://schemas.microsoft.com/office/powerpoint/2010/main" val="1810826902"/>
               </p:ext>
             </p:extLst>
           </p:nvPr>

--- a/presentations/FakeNews_Final.pptx
+++ b/presentations/FakeNews_Final.pptx
@@ -5,7 +5,7 @@
     <p:sldMasterId id="2147483684" r:id="rId1"/>
   </p:sldMasterIdLst>
   <p:notesMasterIdLst>
-    <p:notesMasterId r:id="rId16"/>
+    <p:notesMasterId r:id="rId17"/>
   </p:notesMasterIdLst>
   <p:sldIdLst>
     <p:sldId id="267" r:id="rId2"/>
@@ -18,10 +18,11 @@
     <p:sldId id="271" r:id="rId9"/>
     <p:sldId id="272" r:id="rId10"/>
     <p:sldId id="273" r:id="rId11"/>
-    <p:sldId id="268" r:id="rId12"/>
-    <p:sldId id="263" r:id="rId13"/>
-    <p:sldId id="269" r:id="rId14"/>
-    <p:sldId id="275" r:id="rId15"/>
+    <p:sldId id="276" r:id="rId12"/>
+    <p:sldId id="268" r:id="rId13"/>
+    <p:sldId id="263" r:id="rId14"/>
+    <p:sldId id="269" r:id="rId15"/>
+    <p:sldId id="275" r:id="rId16"/>
   </p:sldIdLst>
   <p:sldSz cx="12192000" cy="6858000"/>
   <p:notesSz cx="6858000" cy="9144000"/>
@@ -4296,8 +4297,8 @@
     <dgm:cxn modelId="{0F046476-7DA5-DC44-8870-615994CD5036}" type="presOf" srcId="{CB7AE3A4-F843-4E6B-A39D-5BF54546D630}" destId="{1456FA7B-4421-1744-A2D4-1A5CFB92443D}" srcOrd="0" destOrd="0" presId="urn:microsoft.com/office/officeart/2005/8/layout/hChevron3"/>
     <dgm:cxn modelId="{42E588AC-35E6-47BC-BD14-4C344A30F470}" srcId="{5C9A1FAC-AC56-4EE6-A971-A1E188304E11}" destId="{0081E9BA-FDD8-4E66-9B33-79A7AA5C9E63}" srcOrd="1" destOrd="0" parTransId="{ECC97FF0-C9BE-44D8-A48A-7F250193C9F5}" sibTransId="{769B904B-B10D-4A93-BE1F-A5BBF2822923}"/>
     <dgm:cxn modelId="{F725135C-FD03-0143-903F-40BD3A49E362}" type="presOf" srcId="{43A3B443-B2D1-452E-AB8E-60FCBD083143}" destId="{547D18C2-F374-9748-A1C5-1AA96CCF1B38}" srcOrd="0" destOrd="1" presId="urn:microsoft.com/office/officeart/2005/8/layout/hChevron3"/>
+    <dgm:cxn modelId="{569AAF6E-6E58-6D48-AA51-845D83C9A116}" type="presOf" srcId="{59C40EFF-E339-4D86-A175-40692275845E}" destId="{1456FA7B-4421-1744-A2D4-1A5CFB92443D}" srcOrd="0" destOrd="3" presId="urn:microsoft.com/office/officeart/2005/8/layout/hChevron3"/>
     <dgm:cxn modelId="{A8CB4FCE-1743-0549-973C-CEAC4AFB6113}" srcId="{5C9A1FAC-AC56-4EE6-A971-A1E188304E11}" destId="{9DA3BCFD-9947-EE4C-985F-DC6E38907EE5}" srcOrd="2" destOrd="0" parTransId="{7F68F65B-9971-6F4E-9528-59AA1BC38AC0}" sibTransId="{81B4F4D4-F574-1D42-9303-6D3EAA48BEBB}"/>
-    <dgm:cxn modelId="{569AAF6E-6E58-6D48-AA51-845D83C9A116}" type="presOf" srcId="{59C40EFF-E339-4D86-A175-40692275845E}" destId="{1456FA7B-4421-1744-A2D4-1A5CFB92443D}" srcOrd="0" destOrd="3" presId="urn:microsoft.com/office/officeart/2005/8/layout/hChevron3"/>
     <dgm:cxn modelId="{940610EC-DDCC-3248-8558-8CC3F5FFAC66}" type="presOf" srcId="{019F078E-8FAE-D947-81CE-8E1DE438C2B8}" destId="{547D18C2-F374-9748-A1C5-1AA96CCF1B38}" srcOrd="0" destOrd="3" presId="urn:microsoft.com/office/officeart/2005/8/layout/hChevron3"/>
     <dgm:cxn modelId="{5BC1F5B3-A5E3-054C-859B-758CF7F4F8E1}" type="presOf" srcId="{5C9A1FAC-AC56-4EE6-A971-A1E188304E11}" destId="{0AE7F60A-16EC-BA4D-95CE-29335343A9FD}" srcOrd="0" destOrd="0" presId="urn:microsoft.com/office/officeart/2005/8/layout/hChevron3"/>
     <dgm:cxn modelId="{AA478E93-5579-6645-83BB-79590C326B84}" type="presOf" srcId="{0081E9BA-FDD8-4E66-9B33-79A7AA5C9E63}" destId="{0AE7F60A-16EC-BA4D-95CE-29335343A9FD}" srcOrd="0" destOrd="2" presId="urn:microsoft.com/office/officeart/2005/8/layout/hChevron3"/>
@@ -4509,11 +4510,7 @@
         <a:p>
           <a:r>
             <a:rPr lang="en-US" dirty="0" smtClean="0"/>
-            <a:t>Run and evaluate Random Forest + other models </a:t>
-          </a:r>
-          <a:r>
-            <a:rPr lang="en-US" dirty="0" smtClean="0"/>
-            <a:t>that classifies fake news and real news</a:t>
+            <a:t>Run and evaluate Random Forest + other models that classifies fake news and real news</a:t>
           </a:r>
           <a:endParaRPr lang="en-US" dirty="0"/>
         </a:p>
@@ -7007,11 +7004,7 @@
           </a:pPr>
           <a:r>
             <a:rPr lang="en-US" sz="1400" kern="1200" dirty="0" smtClean="0"/>
-            <a:t>Run and evaluate Random Forest + other models </a:t>
-          </a:r>
-          <a:r>
-            <a:rPr lang="en-US" sz="1400" kern="1200" dirty="0" smtClean="0"/>
-            <a:t>that classifies fake news and real news</a:t>
+            <a:t>Run and evaluate Random Forest + other models that classifies fake news and real news</a:t>
           </a:r>
           <a:endParaRPr lang="en-US" sz="1400" kern="1200" dirty="0"/>
         </a:p>
@@ -8151,7 +8144,7 @@
   </dgm:layoutNode>
   <dgm:extLst>
     <a:ext uri="{4F341089-5ED1-44EC-B178-C955D00A3D55}">
-      <dgm1611:autoBuNodeInfoLst xmlns:dgm1611="http://schemas.microsoft.com/office/drawing/2016/11/diagram" xmlns="">
+      <dgm1611:autoBuNodeInfoLst xmlns="" xmlns:dgm1611="http://schemas.microsoft.com/office/drawing/2016/11/diagram">
         <dgm1611:autoBuNodeInfo lvl="1" ptType="sibTrans">
           <dgm1611:buPr prefix="" leadZeros="1">
             <a:buAutoNum type="arabicParenBoth"/>
@@ -12626,7 +12619,7 @@
           <a:p>
             <a:fld id="{29D8230F-7922-1D49-9ED8-1C64CBF64795}" type="datetimeFigureOut">
               <a:rPr lang="en-US" smtClean="0"/>
-              <a:t>12/2/17</a:t>
+              <a:t>12/3/17</a:t>
             </a:fld>
             <a:endParaRPr lang="en-US"/>
           </a:p>
@@ -13120,7 +13113,7 @@
           <a:p>
             <a:fld id="{AD33F311-7DD7-D74A-A43E-686DED8F7C30}" type="datetimeFigureOut">
               <a:rPr lang="en-US" smtClean="0"/>
-              <a:t>12/2/17</a:t>
+              <a:t>12/3/17</a:t>
             </a:fld>
             <a:endParaRPr lang="en-US"/>
           </a:p>
@@ -13323,7 +13316,7 @@
           <a:p>
             <a:fld id="{AD33F311-7DD7-D74A-A43E-686DED8F7C30}" type="datetimeFigureOut">
               <a:rPr lang="en-US" smtClean="0"/>
-              <a:t>12/2/17</a:t>
+              <a:t>12/3/17</a:t>
             </a:fld>
             <a:endParaRPr lang="en-US"/>
           </a:p>
@@ -13574,7 +13567,7 @@
           <a:p>
             <a:fld id="{AD33F311-7DD7-D74A-A43E-686DED8F7C30}" type="datetimeFigureOut">
               <a:rPr lang="en-US" smtClean="0"/>
-              <a:t>12/2/17</a:t>
+              <a:t>12/3/17</a:t>
             </a:fld>
             <a:endParaRPr lang="en-US"/>
           </a:p>
@@ -13739,7 +13732,7 @@
           <a:p>
             <a:fld id="{AD33F311-7DD7-D74A-A43E-686DED8F7C30}" type="datetimeFigureOut">
               <a:rPr lang="en-US" smtClean="0"/>
-              <a:t>12/2/17</a:t>
+              <a:t>12/3/17</a:t>
             </a:fld>
             <a:endParaRPr lang="en-US"/>
           </a:p>
@@ -14077,7 +14070,7 @@
           <a:p>
             <a:fld id="{AD33F311-7DD7-D74A-A43E-686DED8F7C30}" type="datetimeFigureOut">
               <a:rPr lang="en-US" smtClean="0"/>
-              <a:t>12/2/17</a:t>
+              <a:t>12/3/17</a:t>
             </a:fld>
             <a:endParaRPr lang="en-US"/>
           </a:p>
@@ -14347,7 +14340,7 @@
           <a:p>
             <a:fld id="{AD33F311-7DD7-D74A-A43E-686DED8F7C30}" type="datetimeFigureOut">
               <a:rPr lang="en-US" smtClean="0"/>
-              <a:t>12/2/17</a:t>
+              <a:t>12/3/17</a:t>
             </a:fld>
             <a:endParaRPr lang="en-US"/>
           </a:p>
@@ -14721,7 +14714,7 @@
           <a:p>
             <a:fld id="{AD33F311-7DD7-D74A-A43E-686DED8F7C30}" type="datetimeFigureOut">
               <a:rPr lang="en-US" smtClean="0"/>
-              <a:t>12/2/17</a:t>
+              <a:t>12/3/17</a:t>
             </a:fld>
             <a:endParaRPr lang="en-US"/>
           </a:p>
@@ -14834,7 +14827,7 @@
           <a:p>
             <a:fld id="{AD33F311-7DD7-D74A-A43E-686DED8F7C30}" type="datetimeFigureOut">
               <a:rPr lang="en-US" smtClean="0"/>
-              <a:t>12/2/17</a:t>
+              <a:t>12/3/17</a:t>
             </a:fld>
             <a:endParaRPr lang="en-US"/>
           </a:p>
@@ -15000,7 +14993,7 @@
           <a:p>
             <a:fld id="{AD33F311-7DD7-D74A-A43E-686DED8F7C30}" type="datetimeFigureOut">
               <a:rPr lang="en-US" smtClean="0"/>
-              <a:t>12/2/17</a:t>
+              <a:t>12/3/17</a:t>
             </a:fld>
             <a:endParaRPr lang="en-US"/>
           </a:p>
@@ -15349,7 +15342,7 @@
           <a:p>
             <a:fld id="{AD33F311-7DD7-D74A-A43E-686DED8F7C30}" type="datetimeFigureOut">
               <a:rPr lang="en-US" smtClean="0"/>
-              <a:t>12/2/17</a:t>
+              <a:t>12/3/17</a:t>
             </a:fld>
             <a:endParaRPr lang="en-US"/>
           </a:p>
@@ -15721,7 +15714,7 @@
           <a:p>
             <a:fld id="{AD33F311-7DD7-D74A-A43E-686DED8F7C30}" type="datetimeFigureOut">
               <a:rPr lang="en-US" smtClean="0"/>
-              <a:t>12/2/17</a:t>
+              <a:t>12/3/17</a:t>
             </a:fld>
             <a:endParaRPr lang="en-US"/>
           </a:p>
@@ -16003,7 +15996,7 @@
           <a:p>
             <a:fld id="{AD33F311-7DD7-D74A-A43E-686DED8F7C30}" type="datetimeFigureOut">
               <a:rPr lang="en-US" smtClean="0"/>
-              <a:t>12/2/17</a:t>
+              <a:t>12/3/17</a:t>
             </a:fld>
             <a:endParaRPr lang="en-US"/>
           </a:p>
@@ -17408,6 +17401,340 @@
           <a:p>
             <a:r>
               <a:rPr lang="en-US" dirty="0" smtClean="0"/>
+              <a:t>Naïve Bayes</a:t>
+            </a:r>
+            <a:endParaRPr lang="en-US" dirty="0"/>
+          </a:p>
+        </p:txBody>
+      </p:sp>
+      <p:sp>
+        <p:nvSpPr>
+          <p:cNvPr id="3" name="Content Placeholder 2"/>
+          <p:cNvSpPr>
+            <a:spLocks noGrp="1"/>
+          </p:cNvSpPr>
+          <p:nvPr>
+            <p:ph idx="1"/>
+          </p:nvPr>
+        </p:nvSpPr>
+        <p:spPr/>
+        <p:txBody>
+          <a:bodyPr/>
+          <a:lstStyle/>
+          <a:p>
+            <a:r>
+              <a:rPr lang="en-US" dirty="0" smtClean="0"/>
+              <a:t>70% training, 30% testing</a:t>
+            </a:r>
+          </a:p>
+          <a:p>
+            <a:endParaRPr lang="en-US" dirty="0"/>
+          </a:p>
+          <a:p>
+            <a:endParaRPr lang="en-US" dirty="0"/>
+          </a:p>
+        </p:txBody>
+      </p:sp>
+      <p:graphicFrame>
+        <p:nvGraphicFramePr>
+          <p:cNvPr id="4" name="Table 3"/>
+          <p:cNvGraphicFramePr>
+            <a:graphicFrameLocks noGrp="1"/>
+          </p:cNvGraphicFramePr>
+          <p:nvPr>
+            <p:extLst>
+              <p:ext uri="{D42A27DB-BD31-4B8C-83A1-F6EECF244321}">
+                <p14:modId xmlns:p14="http://schemas.microsoft.com/office/powerpoint/2010/main" val="1325779204"/>
+              </p:ext>
+            </p:extLst>
+          </p:nvPr>
+        </p:nvGraphicFramePr>
+        <p:xfrm>
+          <a:off x="1813635" y="3735821"/>
+          <a:ext cx="8127999" cy="1854200"/>
+        </p:xfrm>
+        <a:graphic>
+          <a:graphicData uri="http://schemas.openxmlformats.org/drawingml/2006/table">
+            <a:tbl>
+              <a:tblPr firstRow="1" bandRow="1">
+                <a:tableStyleId>{5C22544A-7EE6-4342-B048-85BDC9FD1C3A}</a:tableStyleId>
+              </a:tblPr>
+              <a:tblGrid>
+                <a:gridCol w="2709333"/>
+                <a:gridCol w="2709333"/>
+                <a:gridCol w="2709333"/>
+              </a:tblGrid>
+              <a:tr h="370840">
+                <a:tc>
+                  <a:txBody>
+                    <a:bodyPr/>
+                    <a:lstStyle/>
+                    <a:p>
+                      <a:r>
+                        <a:rPr lang="en-US" dirty="0" smtClean="0"/>
+                        <a:t>Vocabulary</a:t>
+                      </a:r>
+                      <a:endParaRPr lang="en-US" dirty="0"/>
+                    </a:p>
+                  </a:txBody>
+                  <a:tcPr/>
+                </a:tc>
+                <a:tc>
+                  <a:txBody>
+                    <a:bodyPr/>
+                    <a:lstStyle/>
+                    <a:p>
+                      <a:r>
+                        <a:rPr lang="en-US" dirty="0" smtClean="0"/>
+                        <a:t>FAKE</a:t>
+                      </a:r>
+                      <a:endParaRPr lang="en-US" dirty="0"/>
+                    </a:p>
+                  </a:txBody>
+                  <a:tcPr/>
+                </a:tc>
+                <a:tc>
+                  <a:txBody>
+                    <a:bodyPr/>
+                    <a:lstStyle/>
+                    <a:p>
+                      <a:r>
+                        <a:rPr lang="en-US" dirty="0" smtClean="0"/>
+                        <a:t>REAL</a:t>
+                      </a:r>
+                      <a:endParaRPr lang="en-US" dirty="0"/>
+                    </a:p>
+                  </a:txBody>
+                  <a:tcPr/>
+                </a:tc>
+              </a:tr>
+              <a:tr h="370840">
+                <a:tc>
+                  <a:txBody>
+                    <a:bodyPr/>
+                    <a:lstStyle/>
+                    <a:p>
+                      <a:r>
+                        <a:rPr lang="en-US" dirty="0" smtClean="0"/>
+                        <a:t>trump</a:t>
+                      </a:r>
+                      <a:endParaRPr lang="en-US" dirty="0"/>
+                    </a:p>
+                  </a:txBody>
+                  <a:tcPr/>
+                </a:tc>
+                <a:tc>
+                  <a:txBody>
+                    <a:bodyPr/>
+                    <a:lstStyle/>
+                    <a:p>
+                      <a:r>
+                        <a:rPr lang="en-US" dirty="0" smtClean="0"/>
+                        <a:t>128</a:t>
+                      </a:r>
+                      <a:endParaRPr lang="en-US" dirty="0"/>
+                    </a:p>
+                  </a:txBody>
+                  <a:tcPr/>
+                </a:tc>
+                <a:tc>
+                  <a:txBody>
+                    <a:bodyPr/>
+                    <a:lstStyle/>
+                    <a:p>
+                      <a:r>
+                        <a:rPr lang="en-US" dirty="0" smtClean="0"/>
+                        <a:t>1024</a:t>
+                      </a:r>
+                      <a:endParaRPr lang="en-US" dirty="0"/>
+                    </a:p>
+                  </a:txBody>
+                  <a:tcPr/>
+                </a:tc>
+              </a:tr>
+              <a:tr h="370840">
+                <a:tc>
+                  <a:txBody>
+                    <a:bodyPr/>
+                    <a:lstStyle/>
+                    <a:p>
+                      <a:r>
+                        <a:rPr lang="en-US" dirty="0" smtClean="0"/>
+                        <a:t>truce</a:t>
+                      </a:r>
+                      <a:endParaRPr lang="en-US" dirty="0"/>
+                    </a:p>
+                  </a:txBody>
+                  <a:tcPr/>
+                </a:tc>
+                <a:tc>
+                  <a:txBody>
+                    <a:bodyPr/>
+                    <a:lstStyle/>
+                    <a:p>
+                      <a:r>
+                        <a:rPr lang="en-US" dirty="0" smtClean="0"/>
+                        <a:t>256</a:t>
+                      </a:r>
+                      <a:endParaRPr lang="en-US" dirty="0"/>
+                    </a:p>
+                  </a:txBody>
+                  <a:tcPr/>
+                </a:tc>
+                <a:tc>
+                  <a:txBody>
+                    <a:bodyPr/>
+                    <a:lstStyle/>
+                    <a:p>
+                      <a:r>
+                        <a:rPr lang="en-US" dirty="0" smtClean="0"/>
+                        <a:t>32</a:t>
+                      </a:r>
+                      <a:endParaRPr lang="en-US" dirty="0"/>
+                    </a:p>
+                  </a:txBody>
+                  <a:tcPr/>
+                </a:tc>
+              </a:tr>
+              <a:tr h="370840">
+                <a:tc>
+                  <a:txBody>
+                    <a:bodyPr/>
+                    <a:lstStyle/>
+                    <a:p>
+                      <a:r>
+                        <a:rPr lang="en-US" dirty="0" err="1" smtClean="0"/>
+                        <a:t>israel</a:t>
+                      </a:r>
+                      <a:endParaRPr lang="en-US" dirty="0"/>
+                    </a:p>
+                  </a:txBody>
+                  <a:tcPr/>
+                </a:tc>
+                <a:tc>
+                  <a:txBody>
+                    <a:bodyPr/>
+                    <a:lstStyle/>
+                    <a:p>
+                      <a:r>
+                        <a:rPr lang="en-US" dirty="0" smtClean="0"/>
+                        <a:t>512</a:t>
+                      </a:r>
+                      <a:endParaRPr lang="en-US" dirty="0"/>
+                    </a:p>
+                  </a:txBody>
+                  <a:tcPr/>
+                </a:tc>
+                <a:tc>
+                  <a:txBody>
+                    <a:bodyPr/>
+                    <a:lstStyle/>
+                    <a:p>
+                      <a:r>
+                        <a:rPr lang="en-US" dirty="0" smtClean="0"/>
+                        <a:t>2048</a:t>
+                      </a:r>
+                      <a:endParaRPr lang="en-US" dirty="0"/>
+                    </a:p>
+                  </a:txBody>
+                  <a:tcPr/>
+                </a:tc>
+              </a:tr>
+              <a:tr h="370840">
+                <a:tc>
+                  <a:txBody>
+                    <a:bodyPr/>
+                    <a:lstStyle/>
+                    <a:p>
+                      <a:r>
+                        <a:rPr lang="en-US" dirty="0" smtClean="0"/>
+                        <a:t>president</a:t>
+                      </a:r>
+                      <a:endParaRPr lang="en-US" dirty="0"/>
+                    </a:p>
+                  </a:txBody>
+                  <a:tcPr/>
+                </a:tc>
+                <a:tc>
+                  <a:txBody>
+                    <a:bodyPr/>
+                    <a:lstStyle/>
+                    <a:p>
+                      <a:r>
+                        <a:rPr lang="en-US" dirty="0" smtClean="0"/>
+                        <a:t>16</a:t>
+                      </a:r>
+                      <a:endParaRPr lang="en-US" dirty="0"/>
+                    </a:p>
+                  </a:txBody>
+                  <a:tcPr/>
+                </a:tc>
+                <a:tc>
+                  <a:txBody>
+                    <a:bodyPr/>
+                    <a:lstStyle/>
+                    <a:p>
+                      <a:r>
+                        <a:rPr lang="en-US" dirty="0" smtClean="0"/>
+                        <a:t>64</a:t>
+                      </a:r>
+                      <a:endParaRPr lang="en-US" dirty="0"/>
+                    </a:p>
+                  </a:txBody>
+                  <a:tcPr/>
+                </a:tc>
+              </a:tr>
+            </a:tbl>
+          </a:graphicData>
+        </a:graphic>
+      </p:graphicFrame>
+    </p:spTree>
+    <p:extLst>
+      <p:ext uri="{BB962C8B-B14F-4D97-AF65-F5344CB8AC3E}">
+        <p14:creationId xmlns:p14="http://schemas.microsoft.com/office/powerpoint/2010/main" val="1705976429"/>
+      </p:ext>
+    </p:extLst>
+  </p:cSld>
+  <p:clrMapOvr>
+    <a:masterClrMapping/>
+  </p:clrMapOvr>
+</p:sld>
+</file>
+
+<file path=ppt/slides/slide12.xml><?xml version="1.0" encoding="utf-8"?>
+<p:sld xmlns:a="http://schemas.openxmlformats.org/drawingml/2006/main" xmlns:r="http://schemas.openxmlformats.org/officeDocument/2006/relationships" xmlns:p="http://schemas.openxmlformats.org/presentationml/2006/main">
+  <p:cSld>
+    <p:spTree>
+      <p:nvGrpSpPr>
+        <p:cNvPr id="1" name=""/>
+        <p:cNvGrpSpPr/>
+        <p:nvPr/>
+      </p:nvGrpSpPr>
+      <p:grpSpPr>
+        <a:xfrm>
+          <a:off x="0" y="0"/>
+          <a:ext cx="0" cy="0"/>
+          <a:chOff x="0" y="0"/>
+          <a:chExt cx="0" cy="0"/>
+        </a:xfrm>
+      </p:grpSpPr>
+      <p:sp>
+        <p:nvSpPr>
+          <p:cNvPr id="2" name="Title 1"/>
+          <p:cNvSpPr>
+            <a:spLocks noGrp="1"/>
+          </p:cNvSpPr>
+          <p:nvPr>
+            <p:ph type="title"/>
+          </p:nvPr>
+        </p:nvSpPr>
+        <p:spPr/>
+        <p:txBody>
+          <a:bodyPr/>
+          <a:lstStyle/>
+          <a:p>
+            <a:r>
+              <a:rPr lang="en-US" dirty="0" smtClean="0"/>
               <a:t>Results</a:t>
             </a:r>
             <a:endParaRPr lang="en-US" dirty="0"/>
@@ -17424,7 +17751,7 @@
             <p:ph idx="1"/>
             <p:extLst>
               <p:ext uri="{D42A27DB-BD31-4B8C-83A1-F6EECF244321}">
-                <p14:modId xmlns:p14="http://schemas.microsoft.com/office/powerpoint/2010/main" val="513363846"/>
+                <p14:modId xmlns:p14="http://schemas.microsoft.com/office/powerpoint/2010/main" val="1083745748"/>
               </p:ext>
             </p:extLst>
           </p:nvPr>
@@ -17499,7 +17826,7 @@
                     <a:p>
                       <a:r>
                         <a:rPr lang="en-US" dirty="0" smtClean="0"/>
-                        <a:t>0.</a:t>
+                        <a:t>0.533</a:t>
                       </a:r>
                       <a:endParaRPr lang="en-US" dirty="0"/>
                     </a:p>
@@ -17915,7 +18242,7 @@
 </p:sld>
 </file>
 
-<file path=ppt/slides/slide12.xml><?xml version="1.0" encoding="utf-8"?>
+<file path=ppt/slides/slide13.xml><?xml version="1.0" encoding="utf-8"?>
 <p:sld xmlns:a="http://schemas.openxmlformats.org/drawingml/2006/main" xmlns:r="http://schemas.openxmlformats.org/officeDocument/2006/relationships" xmlns:p="http://schemas.openxmlformats.org/presentationml/2006/main">
   <p:cSld>
     <p:spTree>
@@ -18400,7 +18727,7 @@
 </p:sld>
 </file>
 
-<file path=ppt/slides/slide13.xml><?xml version="1.0" encoding="utf-8"?>
+<file path=ppt/slides/slide14.xml><?xml version="1.0" encoding="utf-8"?>
 <p:sld xmlns:a="http://schemas.openxmlformats.org/drawingml/2006/main" xmlns:r="http://schemas.openxmlformats.org/officeDocument/2006/relationships" xmlns:p="http://schemas.openxmlformats.org/presentationml/2006/main">
   <p:cSld>
     <p:bg>
@@ -18492,7 +18819,7 @@
 </p:sld>
 </file>
 
-<file path=ppt/slides/slide14.xml><?xml version="1.0" encoding="utf-8"?>
+<file path=ppt/slides/slide15.xml><?xml version="1.0" encoding="utf-8"?>
 <p:sld xmlns:a="http://schemas.openxmlformats.org/drawingml/2006/main" xmlns:r="http://schemas.openxmlformats.org/officeDocument/2006/relationships" xmlns:p="http://schemas.openxmlformats.org/presentationml/2006/main">
   <p:cSld>
     <p:bg>
@@ -18522,7 +18849,7 @@
           <p:cNvPr id="9" name="Rectangle 8">
             <a:extLst>
               <a:ext uri="{FF2B5EF4-FFF2-40B4-BE49-F238E27FC236}">
-                <a16:creationId xmlns:a16="http://schemas.microsoft.com/office/drawing/2014/main" xmlns="" id="{6BB9730C-14BA-4087-9AF5-401956772119}"/>
+                <a16:creationId xmlns="" xmlns:a16="http://schemas.microsoft.com/office/drawing/2014/main" id="{6BB9730C-14BA-4087-9AF5-401956772119}"/>
               </a:ext>
             </a:extLst>
           </p:cNvPr>
@@ -18579,7 +18906,7 @@
           <p:cNvPr id="11" name="Rectangle 10">
             <a:extLst>
               <a:ext uri="{FF2B5EF4-FFF2-40B4-BE49-F238E27FC236}">
-                <a16:creationId xmlns:a16="http://schemas.microsoft.com/office/drawing/2014/main" xmlns="" id="{04C8AB72-CC2C-4452-A54B-A3EB92AD2D2D}"/>
+                <a16:creationId xmlns="" xmlns:a16="http://schemas.microsoft.com/office/drawing/2014/main" id="{04C8AB72-CC2C-4452-A54B-A3EB92AD2D2D}"/>
               </a:ext>
             </a:extLst>
           </p:cNvPr>
@@ -18631,7 +18958,7 @@
           <p:cNvPr id="13" name="Rectangle 12">
             <a:extLst>
               <a:ext uri="{FF2B5EF4-FFF2-40B4-BE49-F238E27FC236}">
-                <a16:creationId xmlns:a16="http://schemas.microsoft.com/office/drawing/2014/main" xmlns="" id="{48F3622B-3E4C-4435-A51C-9D6FD1C2A222}"/>
+                <a16:creationId xmlns="" xmlns:a16="http://schemas.microsoft.com/office/drawing/2014/main" id="{48F3622B-3E4C-4435-A51C-9D6FD1C2A222}"/>
               </a:ext>
             </a:extLst>
           </p:cNvPr>
@@ -18817,7 +19144,7 @@
           <p:cNvPr id="19" name="Rectangle 18">
             <a:extLst>
               <a:ext uri="{FF2B5EF4-FFF2-40B4-BE49-F238E27FC236}">
-                <a16:creationId xmlns:a16="http://schemas.microsoft.com/office/drawing/2014/main" xmlns="" id="{9F5E263C-FB7E-4A3E-AD04-5140CD3D1D97}"/>
+                <a16:creationId xmlns="" xmlns:a16="http://schemas.microsoft.com/office/drawing/2014/main" id="{9F5E263C-FB7E-4A3E-AD04-5140CD3D1D97}"/>
               </a:ext>
             </a:extLst>
           </p:cNvPr>
@@ -18874,7 +19201,7 @@
           <p:cNvPr id="21" name="Rectangle 20">
             <a:extLst>
               <a:ext uri="{FF2B5EF4-FFF2-40B4-BE49-F238E27FC236}">
-                <a16:creationId xmlns:a16="http://schemas.microsoft.com/office/drawing/2014/main" xmlns="" id="{9E65ED8C-90F7-4EB0-ACCB-64AEF411E8B9}"/>
+                <a16:creationId xmlns="" xmlns:a16="http://schemas.microsoft.com/office/drawing/2014/main" id="{9E65ED8C-90F7-4EB0-ACCB-64AEF411E8B9}"/>
               </a:ext>
             </a:extLst>
           </p:cNvPr>
@@ -18926,7 +19253,7 @@
           <p:cNvPr id="23" name="Rectangle 22">
             <a:extLst>
               <a:ext uri="{FF2B5EF4-FFF2-40B4-BE49-F238E27FC236}">
-                <a16:creationId xmlns:a16="http://schemas.microsoft.com/office/drawing/2014/main" xmlns="" id="{6604E3BF-88F7-4D19-BEC9-8486966EA467}"/>
+                <a16:creationId xmlns="" xmlns:a16="http://schemas.microsoft.com/office/drawing/2014/main" id="{6604E3BF-88F7-4D19-BEC9-8486966EA467}"/>
               </a:ext>
             </a:extLst>
           </p:cNvPr>
@@ -19074,7 +19401,7 @@
           <p:cNvPr id="10" name="Rectangle 9">
             <a:extLst>
               <a:ext uri="{FF2B5EF4-FFF2-40B4-BE49-F238E27FC236}">
-                <a16:creationId xmlns:a16="http://schemas.microsoft.com/office/drawing/2014/main" xmlns="" id="{38247643-37AB-47DE-B7BD-7A64FEB13371}"/>
+                <a16:creationId xmlns="" xmlns:a16="http://schemas.microsoft.com/office/drawing/2014/main" id="{38247643-37AB-47DE-B7BD-7A64FEB13371}"/>
               </a:ext>
             </a:extLst>
           </p:cNvPr>
@@ -19126,7 +19453,7 @@
           <p:cNvPr id="12" name="Rectangle 11">
             <a:extLst>
               <a:ext uri="{FF2B5EF4-FFF2-40B4-BE49-F238E27FC236}">
-                <a16:creationId xmlns:a16="http://schemas.microsoft.com/office/drawing/2014/main" xmlns="" id="{AEBC3119-F8E7-4266-91B8-7A1E808B481B}"/>
+                <a16:creationId xmlns="" xmlns:a16="http://schemas.microsoft.com/office/drawing/2014/main" id="{AEBC3119-F8E7-4266-91B8-7A1E808B481B}"/>
               </a:ext>
             </a:extLst>
           </p:cNvPr>
@@ -19178,7 +19505,7 @@
           <p:cNvPr id="14" name="Straight Connector 13">
             <a:extLst>
               <a:ext uri="{FF2B5EF4-FFF2-40B4-BE49-F238E27FC236}">
-                <a16:creationId xmlns:a16="http://schemas.microsoft.com/office/drawing/2014/main" xmlns="" id="{57D15890-6502-4FAA-AB03-AFAC88EE29D1}"/>
+                <a16:creationId xmlns="" xmlns:a16="http://schemas.microsoft.com/office/drawing/2014/main" id="{57D15890-6502-4FAA-AB03-AFAC88EE29D1}"/>
               </a:ext>
             </a:extLst>
           </p:cNvPr>
@@ -19230,7 +19557,7 @@
           <p:cNvPr id="16" name="Rectangle 15">
             <a:extLst>
               <a:ext uri="{FF2B5EF4-FFF2-40B4-BE49-F238E27FC236}">
-                <a16:creationId xmlns:a16="http://schemas.microsoft.com/office/drawing/2014/main" xmlns="" id="{B80045BC-58DB-469C-8997-6C0C16B1739C}"/>
+                <a16:creationId xmlns="" xmlns:a16="http://schemas.microsoft.com/office/drawing/2014/main" id="{B80045BC-58DB-469C-8997-6C0C16B1739C}"/>
               </a:ext>
             </a:extLst>
           </p:cNvPr>
@@ -19287,7 +19614,7 @@
           <p:cNvPr id="18" name="Rectangle 17">
             <a:extLst>
               <a:ext uri="{FF2B5EF4-FFF2-40B4-BE49-F238E27FC236}">
-                <a16:creationId xmlns:a16="http://schemas.microsoft.com/office/drawing/2014/main" xmlns="" id="{00C07DB3-666C-4A9D-81CE-83B435F95BB5}"/>
+                <a16:creationId xmlns="" xmlns:a16="http://schemas.microsoft.com/office/drawing/2014/main" id="{00C07DB3-666C-4A9D-81CE-83B435F95BB5}"/>
               </a:ext>
             </a:extLst>
           </p:cNvPr>
@@ -19339,7 +19666,7 @@
           <p:cNvPr id="20" name="Rectangle 19">
             <a:extLst>
               <a:ext uri="{FF2B5EF4-FFF2-40B4-BE49-F238E27FC236}">
-                <a16:creationId xmlns:a16="http://schemas.microsoft.com/office/drawing/2014/main" xmlns="" id="{150BDA68-EBDD-443C-9B6B-03CA14AFFB3A}"/>
+                <a16:creationId xmlns="" xmlns:a16="http://schemas.microsoft.com/office/drawing/2014/main" id="{150BDA68-EBDD-443C-9B6B-03CA14AFFB3A}"/>
               </a:ext>
             </a:extLst>
           </p:cNvPr>
@@ -19391,7 +19718,7 @@
           <p:cNvPr id="22" name="Straight Connector 21">
             <a:extLst>
               <a:ext uri="{FF2B5EF4-FFF2-40B4-BE49-F238E27FC236}">
-                <a16:creationId xmlns:a16="http://schemas.microsoft.com/office/drawing/2014/main" xmlns="" id="{83EF6BB5-A95D-4C59-808C-3B64F444F29D}"/>
+                <a16:creationId xmlns="" xmlns:a16="http://schemas.microsoft.com/office/drawing/2014/main" id="{83EF6BB5-A95D-4C59-808C-3B64F444F29D}"/>
               </a:ext>
             </a:extLst>
           </p:cNvPr>
@@ -19588,7 +19915,7 @@
           <p:cNvPr id="10" name="Rectangle 9">
             <a:extLst>
               <a:ext uri="{FF2B5EF4-FFF2-40B4-BE49-F238E27FC236}">
-                <a16:creationId xmlns:a16="http://schemas.microsoft.com/office/drawing/2014/main" xmlns="" id="{9F5E263C-FB7E-4A3E-AD04-5140CD3D1D97}"/>
+                <a16:creationId xmlns="" xmlns:a16="http://schemas.microsoft.com/office/drawing/2014/main" id="{9F5E263C-FB7E-4A3E-AD04-5140CD3D1D97}"/>
               </a:ext>
             </a:extLst>
           </p:cNvPr>
@@ -19645,7 +19972,7 @@
           <p:cNvPr id="12" name="Rectangle 11">
             <a:extLst>
               <a:ext uri="{FF2B5EF4-FFF2-40B4-BE49-F238E27FC236}">
-                <a16:creationId xmlns:a16="http://schemas.microsoft.com/office/drawing/2014/main" xmlns="" id="{9E65ED8C-90F7-4EB0-ACCB-64AEF411E8B9}"/>
+                <a16:creationId xmlns="" xmlns:a16="http://schemas.microsoft.com/office/drawing/2014/main" id="{9E65ED8C-90F7-4EB0-ACCB-64AEF411E8B9}"/>
               </a:ext>
             </a:extLst>
           </p:cNvPr>
@@ -19697,7 +20024,7 @@
           <p:cNvPr id="14" name="Rectangle 13">
             <a:extLst>
               <a:ext uri="{FF2B5EF4-FFF2-40B4-BE49-F238E27FC236}">
-                <a16:creationId xmlns:a16="http://schemas.microsoft.com/office/drawing/2014/main" xmlns="" id="{6604E3BF-88F7-4D19-BEC9-8486966EA467}"/>
+                <a16:creationId xmlns="" xmlns:a16="http://schemas.microsoft.com/office/drawing/2014/main" id="{6604E3BF-88F7-4D19-BEC9-8486966EA467}"/>
               </a:ext>
             </a:extLst>
           </p:cNvPr>

--- a/presentations/FakeNews_Final.pptx
+++ b/presentations/FakeNews_Final.pptx
@@ -17444,14 +17444,14 @@
           <p:nvPr>
             <p:extLst>
               <p:ext uri="{D42A27DB-BD31-4B8C-83A1-F6EECF244321}">
-                <p14:modId xmlns:p14="http://schemas.microsoft.com/office/powerpoint/2010/main" val="1325779204"/>
+                <p14:modId xmlns:p14="http://schemas.microsoft.com/office/powerpoint/2010/main" val="837484224"/>
               </p:ext>
             </p:extLst>
           </p:nvPr>
         </p:nvGraphicFramePr>
         <p:xfrm>
-          <a:off x="1813635" y="3735821"/>
-          <a:ext cx="8127999" cy="1854200"/>
+          <a:off x="1097280" y="3480179"/>
+          <a:ext cx="4626591" cy="2388915"/>
         </p:xfrm>
         <a:graphic>
           <a:graphicData uri="http://schemas.openxmlformats.org/drawingml/2006/table">
@@ -17460,11 +17460,11 @@
                 <a:tableStyleId>{5C22544A-7EE6-4342-B048-85BDC9FD1C3A}</a:tableStyleId>
               </a:tblPr>
               <a:tblGrid>
-                <a:gridCol w="2709333"/>
-                <a:gridCol w="2709333"/>
-                <a:gridCol w="2709333"/>
+                <a:gridCol w="1542197"/>
+                <a:gridCol w="1542197"/>
+                <a:gridCol w="1542197"/>
               </a:tblGrid>
-              <a:tr h="370840">
+              <a:tr h="477783">
                 <a:tc>
                   <a:txBody>
                     <a:bodyPr/>
@@ -17508,7 +17508,7 @@
                   <a:tcPr/>
                 </a:tc>
               </a:tr>
-              <a:tr h="370840">
+              <a:tr h="477783">
                 <a:tc>
                   <a:txBody>
                     <a:bodyPr/>
@@ -17552,7 +17552,7 @@
                   <a:tcPr/>
                 </a:tc>
               </a:tr>
-              <a:tr h="370840">
+              <a:tr h="477783">
                 <a:tc>
                   <a:txBody>
                     <a:bodyPr/>
@@ -17596,7 +17596,7 @@
                   <a:tcPr/>
                 </a:tc>
               </a:tr>
-              <a:tr h="370840">
+              <a:tr h="477783">
                 <a:tc>
                   <a:txBody>
                     <a:bodyPr/>
@@ -17640,7 +17640,7 @@
                   <a:tcPr/>
                 </a:tc>
               </a:tr>
-              <a:tr h="370840">
+              <a:tr h="477783">
                 <a:tc>
                   <a:txBody>
                     <a:bodyPr/>
@@ -17688,6 +17688,36 @@
           </a:graphicData>
         </a:graphic>
       </p:graphicFrame>
+      <p:pic>
+        <p:nvPicPr>
+          <p:cNvPr id="5" name="Picture 4"/>
+          <p:cNvPicPr>
+            <a:picLocks noChangeAspect="1"/>
+          </p:cNvPicPr>
+          <p:nvPr/>
+        </p:nvPicPr>
+        <p:blipFill>
+          <a:blip r:embed="rId2">
+            <a:extLst>
+              <a:ext uri="{28A0092B-C50C-407E-A947-70E740481C1C}">
+                <a14:useLocalDpi xmlns:a14="http://schemas.microsoft.com/office/drawing/2010/main" val="0"/>
+              </a:ext>
+            </a:extLst>
+          </a:blip>
+          <a:stretch>
+            <a:fillRect/>
+          </a:stretch>
+        </p:blipFill>
+        <p:spPr>
+          <a:xfrm>
+            <a:off x="7666961" y="2963448"/>
+            <a:ext cx="3488719" cy="2905646"/>
+          </a:xfrm>
+          <a:prstGeom prst="rect">
+            <a:avLst/>
+          </a:prstGeom>
+        </p:spPr>
+      </p:pic>
     </p:spTree>
     <p:extLst>
       <p:ext uri="{BB962C8B-B14F-4D97-AF65-F5344CB8AC3E}">

--- a/presentations/FakeNews_Final.pptx
+++ b/presentations/FakeNews_Final.pptx
@@ -3744,9 +3744,10 @@
         <a:lstStyle/>
         <a:p>
           <a:r>
-            <a:rPr lang="en-US"/>
-            <a:t>Lemmintization</a:t>
+            <a:rPr lang="en-US" dirty="0" smtClean="0"/>
+            <a:t>Lemmatization</a:t>
           </a:r>
+          <a:endParaRPr lang="en-US" dirty="0"/>
         </a:p>
       </dgm:t>
     </dgm:pt>
@@ -5791,9 +5792,10 @@
             <a:buChar char="•"/>
           </a:pPr>
           <a:r>
-            <a:rPr lang="en-US" sz="1600" kern="1200"/>
-            <a:t>Lemmintization</a:t>
+            <a:rPr lang="en-US" sz="1600" kern="1200" dirty="0" smtClean="0"/>
+            <a:t>Lemmatization</a:t>
           </a:r>
+          <a:endParaRPr lang="en-US" sz="1600" kern="1200" dirty="0"/>
         </a:p>
         <a:p>
           <a:pPr marL="171450" lvl="1" indent="-171450" algn="l" defTabSz="711200">
@@ -18294,7 +18296,7 @@
             <p:ph idx="1"/>
             <p:extLst>
               <p:ext uri="{D42A27DB-BD31-4B8C-83A1-F6EECF244321}">
-                <p14:modId xmlns:p14="http://schemas.microsoft.com/office/powerpoint/2010/main" val="1083745748"/>
+                <p14:modId xmlns:p14="http://schemas.microsoft.com/office/powerpoint/2010/main" val="2065870087"/>
               </p:ext>
             </p:extLst>
           </p:nvPr>
@@ -18385,11 +18387,23 @@
                     <a:p>
                       <a:r>
                         <a:rPr lang="en-US" dirty="0" smtClean="0"/>
-                        <a:t>Naïve</a:t>
+                        <a:t>Multinomial Naïve</a:t>
                       </a:r>
                       <a:r>
                         <a:rPr lang="en-US" baseline="0" dirty="0" smtClean="0"/>
-                        <a:t> Bayes Multiplier  (CV)</a:t>
+                        <a:t> </a:t>
+                      </a:r>
+                      <a:r>
+                        <a:rPr lang="en-US" baseline="0" dirty="0" smtClean="0"/>
+                        <a:t>Bayes </a:t>
+                      </a:r>
+                      <a:r>
+                        <a:rPr lang="en-US" baseline="0" dirty="0" smtClean="0"/>
+                        <a:t>(</a:t>
+                      </a:r>
+                      <a:r>
+                        <a:rPr lang="en-US" baseline="0" dirty="0" smtClean="0"/>
+                        <a:t>CV)</a:t>
                       </a:r>
                     </a:p>
                   </a:txBody>
@@ -18435,11 +18449,31 @@
                       </a:pPr>
                       <a:r>
                         <a:rPr lang="en-US" dirty="0" smtClean="0"/>
+                        <a:t>Multinomial</a:t>
+                      </a:r>
+                      <a:r>
+                        <a:rPr lang="en-US" baseline="0" dirty="0" smtClean="0"/>
+                        <a:t> </a:t>
+                      </a:r>
+                      <a:r>
+                        <a:rPr lang="en-US" dirty="0" smtClean="0"/>
                         <a:t>Naïve</a:t>
                       </a:r>
                       <a:r>
                         <a:rPr lang="en-US" baseline="0" dirty="0" smtClean="0"/>
-                        <a:t> Bayes Multiplier (TF-IDF)</a:t>
+                        <a:t> </a:t>
+                      </a:r>
+                      <a:r>
+                        <a:rPr lang="en-US" baseline="0" dirty="0" smtClean="0"/>
+                        <a:t>Bayes </a:t>
+                      </a:r>
+                      <a:r>
+                        <a:rPr lang="en-US" baseline="0" dirty="0" smtClean="0"/>
+                        <a:t>(</a:t>
+                      </a:r>
+                      <a:r>
+                        <a:rPr lang="en-US" baseline="0" dirty="0" smtClean="0"/>
+                        <a:t>TF-IDF)</a:t>
                       </a:r>
                     </a:p>
                   </a:txBody>
@@ -20657,7 +20691,7 @@
             <p:ph idx="1"/>
             <p:extLst>
               <p:ext uri="{D42A27DB-BD31-4B8C-83A1-F6EECF244321}">
-                <p14:modId xmlns:p14="http://schemas.microsoft.com/office/powerpoint/2010/main" val="1810826902"/>
+                <p14:modId xmlns:p14="http://schemas.microsoft.com/office/powerpoint/2010/main" val="1617591340"/>
               </p:ext>
             </p:extLst>
           </p:nvPr>
